--- a/algorithm/electricity/03_denki-koujishi/01_kakomon/R1_1/02_jitsugi/q07/a07.pptx
+++ b/algorithm/electricity/03_denki-koujishi/01_kakomon/R1_1/02_jitsugi/q07/a07.pptx
@@ -11,6 +11,7 @@
     <p:sldId id="317" r:id="rId5"/>
     <p:sldId id="318" r:id="rId6"/>
     <p:sldId id="319" r:id="rId7"/>
+    <p:sldId id="320" r:id="rId8"/>
   </p:sldIdLst>
   <p:sldSz cx="12192000" cy="6858000"/>
   <p:notesSz cx="6858000" cy="9144000"/>
@@ -264,7 +265,7 @@
           <a:p>
             <a:fld id="{EA6D781E-2D27-4EF7-AFED-D0940E0D7738}" type="datetimeFigureOut">
               <a:rPr kumimoji="1" lang="ja-JP" altLang="en-US" smtClean="0"/>
-              <a:t>2020/11/22</a:t>
+              <a:t>2020/11/23</a:t>
             </a:fld>
             <a:endParaRPr kumimoji="1" lang="ja-JP" altLang="en-US"/>
           </a:p>
@@ -494,7 +495,7 @@
           <a:p>
             <a:fld id="{EA6D781E-2D27-4EF7-AFED-D0940E0D7738}" type="datetimeFigureOut">
               <a:rPr kumimoji="1" lang="ja-JP" altLang="en-US" smtClean="0"/>
-              <a:t>2020/11/22</a:t>
+              <a:t>2020/11/23</a:t>
             </a:fld>
             <a:endParaRPr kumimoji="1" lang="ja-JP" altLang="en-US"/>
           </a:p>
@@ -734,7 +735,7 @@
           <a:p>
             <a:fld id="{EA6D781E-2D27-4EF7-AFED-D0940E0D7738}" type="datetimeFigureOut">
               <a:rPr kumimoji="1" lang="ja-JP" altLang="en-US" smtClean="0"/>
-              <a:t>2020/11/22</a:t>
+              <a:t>2020/11/23</a:t>
             </a:fld>
             <a:endParaRPr kumimoji="1" lang="ja-JP" altLang="en-US"/>
           </a:p>
@@ -964,7 +965,7 @@
           <a:p>
             <a:fld id="{EA6D781E-2D27-4EF7-AFED-D0940E0D7738}" type="datetimeFigureOut">
               <a:rPr kumimoji="1" lang="ja-JP" altLang="en-US" smtClean="0"/>
-              <a:t>2020/11/22</a:t>
+              <a:t>2020/11/23</a:t>
             </a:fld>
             <a:endParaRPr kumimoji="1" lang="ja-JP" altLang="en-US"/>
           </a:p>
@@ -1239,7 +1240,7 @@
           <a:p>
             <a:fld id="{EA6D781E-2D27-4EF7-AFED-D0940E0D7738}" type="datetimeFigureOut">
               <a:rPr kumimoji="1" lang="ja-JP" altLang="en-US" smtClean="0"/>
-              <a:t>2020/11/22</a:t>
+              <a:t>2020/11/23</a:t>
             </a:fld>
             <a:endParaRPr kumimoji="1" lang="ja-JP" altLang="en-US"/>
           </a:p>
@@ -1568,7 +1569,7 @@
           <a:p>
             <a:fld id="{EA6D781E-2D27-4EF7-AFED-D0940E0D7738}" type="datetimeFigureOut">
               <a:rPr kumimoji="1" lang="ja-JP" altLang="en-US" smtClean="0"/>
-              <a:t>2020/11/22</a:t>
+              <a:t>2020/11/23</a:t>
             </a:fld>
             <a:endParaRPr kumimoji="1" lang="ja-JP" altLang="en-US"/>
           </a:p>
@@ -2044,7 +2045,7 @@
           <a:p>
             <a:fld id="{EA6D781E-2D27-4EF7-AFED-D0940E0D7738}" type="datetimeFigureOut">
               <a:rPr kumimoji="1" lang="ja-JP" altLang="en-US" smtClean="0"/>
-              <a:t>2020/11/22</a:t>
+              <a:t>2020/11/23</a:t>
             </a:fld>
             <a:endParaRPr kumimoji="1" lang="ja-JP" altLang="en-US"/>
           </a:p>
@@ -2185,7 +2186,7 @@
           <a:p>
             <a:fld id="{EA6D781E-2D27-4EF7-AFED-D0940E0D7738}" type="datetimeFigureOut">
               <a:rPr kumimoji="1" lang="ja-JP" altLang="en-US" smtClean="0"/>
-              <a:t>2020/11/22</a:t>
+              <a:t>2020/11/23</a:t>
             </a:fld>
             <a:endParaRPr kumimoji="1" lang="ja-JP" altLang="en-US"/>
           </a:p>
@@ -2298,7 +2299,7 @@
           <a:p>
             <a:fld id="{EA6D781E-2D27-4EF7-AFED-D0940E0D7738}" type="datetimeFigureOut">
               <a:rPr kumimoji="1" lang="ja-JP" altLang="en-US" smtClean="0"/>
-              <a:t>2020/11/22</a:t>
+              <a:t>2020/11/23</a:t>
             </a:fld>
             <a:endParaRPr kumimoji="1" lang="ja-JP" altLang="en-US"/>
           </a:p>
@@ -2641,7 +2642,7 @@
           <a:p>
             <a:fld id="{EA6D781E-2D27-4EF7-AFED-D0940E0D7738}" type="datetimeFigureOut">
               <a:rPr kumimoji="1" lang="ja-JP" altLang="en-US" smtClean="0"/>
-              <a:t>2020/11/22</a:t>
+              <a:t>2020/11/23</a:t>
             </a:fld>
             <a:endParaRPr kumimoji="1" lang="ja-JP" altLang="en-US"/>
           </a:p>
@@ -2929,7 +2930,7 @@
           <a:p>
             <a:fld id="{EA6D781E-2D27-4EF7-AFED-D0940E0D7738}" type="datetimeFigureOut">
               <a:rPr kumimoji="1" lang="ja-JP" altLang="en-US" smtClean="0"/>
-              <a:t>2020/11/22</a:t>
+              <a:t>2020/11/23</a:t>
             </a:fld>
             <a:endParaRPr kumimoji="1" lang="ja-JP" altLang="en-US"/>
           </a:p>
@@ -3202,7 +3203,7 @@
           <a:p>
             <a:fld id="{EA6D781E-2D27-4EF7-AFED-D0940E0D7738}" type="datetimeFigureOut">
               <a:rPr kumimoji="1" lang="ja-JP" altLang="en-US" smtClean="0"/>
-              <a:t>2020/11/22</a:t>
+              <a:t>2020/11/23</a:t>
             </a:fld>
             <a:endParaRPr kumimoji="1" lang="ja-JP" altLang="en-US"/>
           </a:p>
@@ -19988,6 +19989,5442 @@
 </p:sld>
 </file>
 
+<file path=ppt/slides/slide7.xml><?xml version="1.0" encoding="utf-8"?>
+<p:sld xmlns:a="http://schemas.openxmlformats.org/drawingml/2006/main" xmlns:r="http://schemas.openxmlformats.org/officeDocument/2006/relationships" xmlns:p="http://schemas.openxmlformats.org/presentationml/2006/main">
+  <p:cSld>
+    <p:spTree>
+      <p:nvGrpSpPr>
+        <p:cNvPr id="1" name=""/>
+        <p:cNvGrpSpPr/>
+        <p:nvPr/>
+      </p:nvGrpSpPr>
+      <p:grpSpPr>
+        <a:xfrm>
+          <a:off x="0" y="0"/>
+          <a:ext cx="0" cy="0"/>
+          <a:chOff x="0" y="0"/>
+          <a:chExt cx="0" cy="0"/>
+        </a:xfrm>
+      </p:grpSpPr>
+      <p:sp>
+        <p:nvSpPr>
+          <p:cNvPr id="44" name="楕円 43">
+            <a:extLst>
+              <a:ext uri="{FF2B5EF4-FFF2-40B4-BE49-F238E27FC236}">
+                <a16:creationId xmlns:a16="http://schemas.microsoft.com/office/drawing/2014/main" id="{F928BFB5-9CA6-4D76-89C5-95229637D3F1}"/>
+              </a:ext>
+            </a:extLst>
+          </p:cNvPr>
+          <p:cNvSpPr/>
+          <p:nvPr/>
+        </p:nvSpPr>
+        <p:spPr>
+          <a:xfrm>
+            <a:off x="4489097" y="452615"/>
+            <a:ext cx="786798" cy="818707"/>
+          </a:xfrm>
+          <a:prstGeom prst="ellipse">
+            <a:avLst/>
+          </a:prstGeom>
+          <a:solidFill>
+            <a:schemeClr val="bg1"/>
+          </a:solidFill>
+          <a:ln w="38100">
+            <a:solidFill>
+              <a:schemeClr val="bg2">
+                <a:lumMod val="10000"/>
+              </a:schemeClr>
+            </a:solidFill>
+          </a:ln>
+        </p:spPr>
+        <p:style>
+          <a:lnRef idx="2">
+            <a:schemeClr val="accent1">
+              <a:shade val="50000"/>
+            </a:schemeClr>
+          </a:lnRef>
+          <a:fillRef idx="1">
+            <a:schemeClr val="accent1"/>
+          </a:fillRef>
+          <a:effectRef idx="0">
+            <a:schemeClr val="accent1"/>
+          </a:effectRef>
+          <a:fontRef idx="minor">
+            <a:schemeClr val="lt1"/>
+          </a:fontRef>
+        </p:style>
+        <p:txBody>
+          <a:bodyPr rtlCol="0" anchor="ctr"/>
+          <a:lstStyle/>
+          <a:p>
+            <a:pPr algn="ctr"/>
+            <a:r>
+              <a:rPr kumimoji="1" lang="en-US" altLang="ja-JP" sz="3600" dirty="0">
+                <a:solidFill>
+                  <a:schemeClr val="tx1"/>
+                </a:solidFill>
+                <a:latin typeface="+mn-ea"/>
+              </a:rPr>
+              <a:t>R</a:t>
+            </a:r>
+            <a:endParaRPr kumimoji="1" lang="ja-JP" altLang="en-US" sz="3600" dirty="0">
+              <a:solidFill>
+                <a:schemeClr val="tx1"/>
+              </a:solidFill>
+              <a:latin typeface="+mn-ea"/>
+            </a:endParaRPr>
+          </a:p>
+        </p:txBody>
+      </p:sp>
+      <p:cxnSp>
+        <p:nvCxnSpPr>
+          <p:cNvPr id="55" name="直線コネクタ 54">
+            <a:extLst>
+              <a:ext uri="{FF2B5EF4-FFF2-40B4-BE49-F238E27FC236}">
+                <a16:creationId xmlns:a16="http://schemas.microsoft.com/office/drawing/2014/main" id="{7F65EDAD-F862-4A67-83DB-A8ECF73A00F4}"/>
+              </a:ext>
+            </a:extLst>
+          </p:cNvPr>
+          <p:cNvCxnSpPr>
+            <a:cxnSpLocks/>
+            <a:stCxn id="56" idx="2"/>
+            <a:endCxn id="57" idx="5"/>
+          </p:cNvCxnSpPr>
+          <p:nvPr/>
+        </p:nvCxnSpPr>
+        <p:spPr>
+          <a:xfrm flipH="1">
+            <a:off x="1451828" y="5562741"/>
+            <a:ext cx="564302" cy="255386"/>
+          </a:xfrm>
+          <a:prstGeom prst="line">
+            <a:avLst/>
+          </a:prstGeom>
+          <a:ln w="57150">
+            <a:solidFill>
+              <a:schemeClr val="bg2">
+                <a:lumMod val="10000"/>
+              </a:schemeClr>
+            </a:solidFill>
+          </a:ln>
+        </p:spPr>
+        <p:style>
+          <a:lnRef idx="1">
+            <a:schemeClr val="accent1"/>
+          </a:lnRef>
+          <a:fillRef idx="0">
+            <a:schemeClr val="accent1"/>
+          </a:fillRef>
+          <a:effectRef idx="0">
+            <a:schemeClr val="accent1"/>
+          </a:effectRef>
+          <a:fontRef idx="minor">
+            <a:schemeClr val="tx1"/>
+          </a:fontRef>
+        </p:style>
+      </p:cxnSp>
+      <p:sp>
+        <p:nvSpPr>
+          <p:cNvPr id="56" name="楕円 55">
+            <a:extLst>
+              <a:ext uri="{FF2B5EF4-FFF2-40B4-BE49-F238E27FC236}">
+                <a16:creationId xmlns:a16="http://schemas.microsoft.com/office/drawing/2014/main" id="{6F64983C-8A89-4E4D-8122-0AD058935A51}"/>
+              </a:ext>
+            </a:extLst>
+          </p:cNvPr>
+          <p:cNvSpPr/>
+          <p:nvPr/>
+        </p:nvSpPr>
+        <p:spPr>
+          <a:xfrm flipV="1">
+            <a:off x="2016130" y="5471258"/>
+            <a:ext cx="176092" cy="182966"/>
+          </a:xfrm>
+          <a:prstGeom prst="ellipse">
+            <a:avLst/>
+          </a:prstGeom>
+          <a:noFill/>
+          <a:ln w="28575">
+            <a:solidFill>
+              <a:schemeClr val="tx1"/>
+            </a:solidFill>
+          </a:ln>
+        </p:spPr>
+        <p:style>
+          <a:lnRef idx="2">
+            <a:schemeClr val="accent1">
+              <a:shade val="50000"/>
+            </a:schemeClr>
+          </a:lnRef>
+          <a:fillRef idx="1">
+            <a:schemeClr val="accent1"/>
+          </a:fillRef>
+          <a:effectRef idx="0">
+            <a:schemeClr val="accent1"/>
+          </a:effectRef>
+          <a:fontRef idx="minor">
+            <a:schemeClr val="lt1"/>
+          </a:fontRef>
+        </p:style>
+        <p:txBody>
+          <a:bodyPr rtlCol="0" anchor="ctr"/>
+          <a:lstStyle/>
+          <a:p>
+            <a:pPr algn="ctr"/>
+            <a:endParaRPr kumimoji="1" lang="ja-JP" altLang="en-US"/>
+          </a:p>
+        </p:txBody>
+      </p:sp>
+      <p:sp>
+        <p:nvSpPr>
+          <p:cNvPr id="57" name="楕円 56">
+            <a:extLst>
+              <a:ext uri="{FF2B5EF4-FFF2-40B4-BE49-F238E27FC236}">
+                <a16:creationId xmlns:a16="http://schemas.microsoft.com/office/drawing/2014/main" id="{F4F8F858-C738-46FB-9F0D-CEC6F20372E8}"/>
+              </a:ext>
+            </a:extLst>
+          </p:cNvPr>
+          <p:cNvSpPr/>
+          <p:nvPr/>
+        </p:nvSpPr>
+        <p:spPr>
+          <a:xfrm flipV="1">
+            <a:off x="1301524" y="5791332"/>
+            <a:ext cx="176092" cy="182966"/>
+          </a:xfrm>
+          <a:prstGeom prst="ellipse">
+            <a:avLst/>
+          </a:prstGeom>
+          <a:noFill/>
+          <a:ln w="28575">
+            <a:solidFill>
+              <a:schemeClr val="tx1"/>
+            </a:solidFill>
+          </a:ln>
+        </p:spPr>
+        <p:style>
+          <a:lnRef idx="2">
+            <a:schemeClr val="accent1">
+              <a:shade val="50000"/>
+            </a:schemeClr>
+          </a:lnRef>
+          <a:fillRef idx="1">
+            <a:schemeClr val="accent1"/>
+          </a:fillRef>
+          <a:effectRef idx="0">
+            <a:schemeClr val="accent1"/>
+          </a:effectRef>
+          <a:fontRef idx="minor">
+            <a:schemeClr val="lt1"/>
+          </a:fontRef>
+        </p:style>
+        <p:txBody>
+          <a:bodyPr rtlCol="0" anchor="ctr"/>
+          <a:lstStyle/>
+          <a:p>
+            <a:pPr algn="ctr"/>
+            <a:endParaRPr kumimoji="1" lang="ja-JP" altLang="en-US"/>
+          </a:p>
+        </p:txBody>
+      </p:sp>
+      <p:sp>
+        <p:nvSpPr>
+          <p:cNvPr id="60" name="楕円 59">
+            <a:extLst>
+              <a:ext uri="{FF2B5EF4-FFF2-40B4-BE49-F238E27FC236}">
+                <a16:creationId xmlns:a16="http://schemas.microsoft.com/office/drawing/2014/main" id="{F7B24578-941C-439B-B7BC-DD87230A0A2E}"/>
+              </a:ext>
+            </a:extLst>
+          </p:cNvPr>
+          <p:cNvSpPr/>
+          <p:nvPr/>
+        </p:nvSpPr>
+        <p:spPr>
+          <a:xfrm flipV="1">
+            <a:off x="1996718" y="6224890"/>
+            <a:ext cx="176092" cy="182966"/>
+          </a:xfrm>
+          <a:prstGeom prst="ellipse">
+            <a:avLst/>
+          </a:prstGeom>
+          <a:noFill/>
+          <a:ln w="28575">
+            <a:solidFill>
+              <a:schemeClr val="tx1"/>
+            </a:solidFill>
+          </a:ln>
+        </p:spPr>
+        <p:style>
+          <a:lnRef idx="2">
+            <a:schemeClr val="accent1">
+              <a:shade val="50000"/>
+            </a:schemeClr>
+          </a:lnRef>
+          <a:fillRef idx="1">
+            <a:schemeClr val="accent1"/>
+          </a:fillRef>
+          <a:effectRef idx="0">
+            <a:schemeClr val="accent1"/>
+          </a:effectRef>
+          <a:fontRef idx="minor">
+            <a:schemeClr val="lt1"/>
+          </a:fontRef>
+        </p:style>
+        <p:txBody>
+          <a:bodyPr rtlCol="0" anchor="ctr"/>
+          <a:lstStyle/>
+          <a:p>
+            <a:pPr algn="ctr"/>
+            <a:endParaRPr kumimoji="1" lang="ja-JP" altLang="en-US"/>
+          </a:p>
+        </p:txBody>
+      </p:sp>
+      <p:sp>
+        <p:nvSpPr>
+          <p:cNvPr id="7" name="楕円 6">
+            <a:extLst>
+              <a:ext uri="{FF2B5EF4-FFF2-40B4-BE49-F238E27FC236}">
+                <a16:creationId xmlns:a16="http://schemas.microsoft.com/office/drawing/2014/main" id="{3B110D3F-0631-4A34-B34D-A3A8EAD6EF60}"/>
+              </a:ext>
+            </a:extLst>
+          </p:cNvPr>
+          <p:cNvSpPr/>
+          <p:nvPr/>
+        </p:nvSpPr>
+        <p:spPr>
+          <a:xfrm>
+            <a:off x="641599" y="1494126"/>
+            <a:ext cx="2667209" cy="2738509"/>
+          </a:xfrm>
+          <a:prstGeom prst="ellipse">
+            <a:avLst/>
+          </a:prstGeom>
+          <a:solidFill>
+            <a:schemeClr val="bg1"/>
+          </a:solidFill>
+          <a:ln w="28575">
+            <a:solidFill>
+              <a:schemeClr val="bg2">
+                <a:lumMod val="10000"/>
+              </a:schemeClr>
+            </a:solidFill>
+            <a:prstDash val="dash"/>
+          </a:ln>
+        </p:spPr>
+        <p:style>
+          <a:lnRef idx="2">
+            <a:schemeClr val="accent1">
+              <a:shade val="50000"/>
+            </a:schemeClr>
+          </a:lnRef>
+          <a:fillRef idx="1">
+            <a:schemeClr val="accent1"/>
+          </a:fillRef>
+          <a:effectRef idx="0">
+            <a:schemeClr val="accent1"/>
+          </a:effectRef>
+          <a:fontRef idx="minor">
+            <a:schemeClr val="lt1"/>
+          </a:fontRef>
+        </p:style>
+        <p:txBody>
+          <a:bodyPr rtlCol="0" anchor="ctr"/>
+          <a:lstStyle/>
+          <a:p>
+            <a:pPr algn="ctr"/>
+            <a:endParaRPr kumimoji="1" lang="ja-JP" altLang="en-US"/>
+          </a:p>
+        </p:txBody>
+      </p:sp>
+      <p:sp>
+        <p:nvSpPr>
+          <p:cNvPr id="19" name="テキスト ボックス 18">
+            <a:extLst>
+              <a:ext uri="{FF2B5EF4-FFF2-40B4-BE49-F238E27FC236}">
+                <a16:creationId xmlns:a16="http://schemas.microsoft.com/office/drawing/2014/main" id="{85302768-A1F9-4CD9-A0E3-A11DE63CA098}"/>
+              </a:ext>
+            </a:extLst>
+          </p:cNvPr>
+          <p:cNvSpPr txBox="1"/>
+          <p:nvPr/>
+        </p:nvSpPr>
+        <p:spPr>
+          <a:xfrm>
+            <a:off x="7623080" y="6326358"/>
+            <a:ext cx="570990" cy="461665"/>
+          </a:xfrm>
+          <a:prstGeom prst="rect">
+            <a:avLst/>
+          </a:prstGeom>
+          <a:noFill/>
+        </p:spPr>
+        <p:txBody>
+          <a:bodyPr wrap="none" rtlCol="0">
+            <a:spAutoFit/>
+          </a:bodyPr>
+          <a:lstStyle/>
+          <a:p>
+            <a:r>
+              <a:rPr kumimoji="1" lang="ja-JP" altLang="en-US" sz="2400" b="1" dirty="0">
+                <a:latin typeface="Georgia" panose="02040502050405020303" pitchFamily="18" charset="0"/>
+              </a:rPr>
+              <a:t>イ </a:t>
+            </a:r>
+          </a:p>
+        </p:txBody>
+      </p:sp>
+      <p:sp>
+        <p:nvSpPr>
+          <p:cNvPr id="20" name="テキスト ボックス 19">
+            <a:extLst>
+              <a:ext uri="{FF2B5EF4-FFF2-40B4-BE49-F238E27FC236}">
+                <a16:creationId xmlns:a16="http://schemas.microsoft.com/office/drawing/2014/main" id="{717BE03C-CB30-4BDE-AEBF-A8972D86E172}"/>
+              </a:ext>
+            </a:extLst>
+          </p:cNvPr>
+          <p:cNvSpPr txBox="1"/>
+          <p:nvPr/>
+        </p:nvSpPr>
+        <p:spPr>
+          <a:xfrm>
+            <a:off x="1857955" y="5639474"/>
+            <a:ext cx="492443" cy="461665"/>
+          </a:xfrm>
+          <a:prstGeom prst="rect">
+            <a:avLst/>
+          </a:prstGeom>
+          <a:noFill/>
+        </p:spPr>
+        <p:txBody>
+          <a:bodyPr wrap="none" rtlCol="0">
+            <a:spAutoFit/>
+          </a:bodyPr>
+          <a:lstStyle/>
+          <a:p>
+            <a:r>
+              <a:rPr kumimoji="1" lang="ja-JP" altLang="en-US" sz="2400" b="1" dirty="0">
+                <a:latin typeface="Georgia" panose="02040502050405020303" pitchFamily="18" charset="0"/>
+              </a:rPr>
+              <a:t>１</a:t>
+            </a:r>
+          </a:p>
+        </p:txBody>
+      </p:sp>
+      <p:sp>
+        <p:nvSpPr>
+          <p:cNvPr id="22" name="テキスト ボックス 21">
+            <a:extLst>
+              <a:ext uri="{FF2B5EF4-FFF2-40B4-BE49-F238E27FC236}">
+                <a16:creationId xmlns:a16="http://schemas.microsoft.com/office/drawing/2014/main" id="{2C46EEC2-48D6-4BF1-A8A0-1557EBB31F79}"/>
+              </a:ext>
+            </a:extLst>
+          </p:cNvPr>
+          <p:cNvSpPr txBox="1"/>
+          <p:nvPr/>
+        </p:nvSpPr>
+        <p:spPr>
+          <a:xfrm>
+            <a:off x="7181104" y="6463902"/>
+            <a:ext cx="613925" cy="461665"/>
+          </a:xfrm>
+          <a:prstGeom prst="rect">
+            <a:avLst/>
+          </a:prstGeom>
+          <a:noFill/>
+        </p:spPr>
+        <p:txBody>
+          <a:bodyPr wrap="square" rtlCol="0">
+            <a:spAutoFit/>
+          </a:bodyPr>
+          <a:lstStyle/>
+          <a:p>
+            <a:r>
+              <a:rPr kumimoji="1" lang="ja-JP" altLang="en-US" sz="2400" b="1" dirty="0">
+                <a:latin typeface="Georgia" panose="02040502050405020303" pitchFamily="18" charset="0"/>
+              </a:rPr>
+              <a:t>３</a:t>
+            </a:r>
+          </a:p>
+        </p:txBody>
+      </p:sp>
+      <p:sp>
+        <p:nvSpPr>
+          <p:cNvPr id="34" name="テキスト ボックス 33">
+            <a:extLst>
+              <a:ext uri="{FF2B5EF4-FFF2-40B4-BE49-F238E27FC236}">
+                <a16:creationId xmlns:a16="http://schemas.microsoft.com/office/drawing/2014/main" id="{D587C114-9690-4E7A-B5AD-BF70E45EE3E1}"/>
+              </a:ext>
+            </a:extLst>
+          </p:cNvPr>
+          <p:cNvSpPr txBox="1"/>
+          <p:nvPr/>
+        </p:nvSpPr>
+        <p:spPr>
+          <a:xfrm>
+            <a:off x="1119338" y="5983841"/>
+            <a:ext cx="613925" cy="461665"/>
+          </a:xfrm>
+          <a:prstGeom prst="rect">
+            <a:avLst/>
+          </a:prstGeom>
+          <a:noFill/>
+        </p:spPr>
+        <p:txBody>
+          <a:bodyPr wrap="square" rtlCol="0">
+            <a:spAutoFit/>
+          </a:bodyPr>
+          <a:lstStyle/>
+          <a:p>
+            <a:r>
+              <a:rPr kumimoji="1" lang="ja-JP" altLang="en-US" sz="2400" b="1" dirty="0">
+                <a:latin typeface="Georgia" panose="02040502050405020303" pitchFamily="18" charset="0"/>
+              </a:rPr>
+              <a:t>０</a:t>
+            </a:r>
+          </a:p>
+        </p:txBody>
+      </p:sp>
+      <p:sp>
+        <p:nvSpPr>
+          <p:cNvPr id="38" name="楕円 37">
+            <a:extLst>
+              <a:ext uri="{FF2B5EF4-FFF2-40B4-BE49-F238E27FC236}">
+                <a16:creationId xmlns:a16="http://schemas.microsoft.com/office/drawing/2014/main" id="{A3B79198-6999-4603-B62D-81F32C9C9A1A}"/>
+              </a:ext>
+            </a:extLst>
+          </p:cNvPr>
+          <p:cNvSpPr/>
+          <p:nvPr/>
+        </p:nvSpPr>
+        <p:spPr>
+          <a:xfrm flipV="1">
+            <a:off x="8106024" y="5842629"/>
+            <a:ext cx="176092" cy="182966"/>
+          </a:xfrm>
+          <a:prstGeom prst="ellipse">
+            <a:avLst/>
+          </a:prstGeom>
+          <a:noFill/>
+          <a:ln w="28575">
+            <a:solidFill>
+              <a:schemeClr val="tx1"/>
+            </a:solidFill>
+          </a:ln>
+        </p:spPr>
+        <p:style>
+          <a:lnRef idx="2">
+            <a:schemeClr val="accent1">
+              <a:shade val="50000"/>
+            </a:schemeClr>
+          </a:lnRef>
+          <a:fillRef idx="1">
+            <a:schemeClr val="accent1"/>
+          </a:fillRef>
+          <a:effectRef idx="0">
+            <a:schemeClr val="accent1"/>
+          </a:effectRef>
+          <a:fontRef idx="minor">
+            <a:schemeClr val="lt1"/>
+          </a:fontRef>
+        </p:style>
+        <p:txBody>
+          <a:bodyPr rtlCol="0" anchor="ctr"/>
+          <a:lstStyle/>
+          <a:p>
+            <a:pPr algn="ctr"/>
+            <a:endParaRPr kumimoji="1" lang="ja-JP" altLang="en-US"/>
+          </a:p>
+        </p:txBody>
+      </p:sp>
+      <p:sp>
+        <p:nvSpPr>
+          <p:cNvPr id="39" name="楕円 38">
+            <a:extLst>
+              <a:ext uri="{FF2B5EF4-FFF2-40B4-BE49-F238E27FC236}">
+                <a16:creationId xmlns:a16="http://schemas.microsoft.com/office/drawing/2014/main" id="{F62C84D7-884C-42FC-B21B-B5C316097192}"/>
+              </a:ext>
+            </a:extLst>
+          </p:cNvPr>
+          <p:cNvSpPr/>
+          <p:nvPr/>
+        </p:nvSpPr>
+        <p:spPr>
+          <a:xfrm flipV="1">
+            <a:off x="7306347" y="5471271"/>
+            <a:ext cx="176092" cy="182966"/>
+          </a:xfrm>
+          <a:prstGeom prst="ellipse">
+            <a:avLst/>
+          </a:prstGeom>
+          <a:noFill/>
+          <a:ln w="28575">
+            <a:solidFill>
+              <a:schemeClr val="tx1"/>
+            </a:solidFill>
+          </a:ln>
+        </p:spPr>
+        <p:style>
+          <a:lnRef idx="2">
+            <a:schemeClr val="accent1">
+              <a:shade val="50000"/>
+            </a:schemeClr>
+          </a:lnRef>
+          <a:fillRef idx="1">
+            <a:schemeClr val="accent1"/>
+          </a:fillRef>
+          <a:effectRef idx="0">
+            <a:schemeClr val="accent1"/>
+          </a:effectRef>
+          <a:fontRef idx="minor">
+            <a:schemeClr val="lt1"/>
+          </a:fontRef>
+        </p:style>
+        <p:txBody>
+          <a:bodyPr rtlCol="0" anchor="ctr"/>
+          <a:lstStyle/>
+          <a:p>
+            <a:pPr algn="ctr"/>
+            <a:endParaRPr kumimoji="1" lang="ja-JP" altLang="en-US"/>
+          </a:p>
+        </p:txBody>
+      </p:sp>
+      <p:sp>
+        <p:nvSpPr>
+          <p:cNvPr id="40" name="楕円 39">
+            <a:extLst>
+              <a:ext uri="{FF2B5EF4-FFF2-40B4-BE49-F238E27FC236}">
+                <a16:creationId xmlns:a16="http://schemas.microsoft.com/office/drawing/2014/main" id="{C442249A-818F-4F60-A58B-38A92F32A832}"/>
+              </a:ext>
+            </a:extLst>
+          </p:cNvPr>
+          <p:cNvSpPr/>
+          <p:nvPr/>
+        </p:nvSpPr>
+        <p:spPr>
+          <a:xfrm flipV="1">
+            <a:off x="7333360" y="6276187"/>
+            <a:ext cx="176092" cy="182966"/>
+          </a:xfrm>
+          <a:prstGeom prst="ellipse">
+            <a:avLst/>
+          </a:prstGeom>
+          <a:noFill/>
+          <a:ln w="28575">
+            <a:solidFill>
+              <a:schemeClr val="tx1"/>
+            </a:solidFill>
+          </a:ln>
+        </p:spPr>
+        <p:style>
+          <a:lnRef idx="2">
+            <a:schemeClr val="accent1">
+              <a:shade val="50000"/>
+            </a:schemeClr>
+          </a:lnRef>
+          <a:fillRef idx="1">
+            <a:schemeClr val="accent1"/>
+          </a:fillRef>
+          <a:effectRef idx="0">
+            <a:schemeClr val="accent1"/>
+          </a:effectRef>
+          <a:fontRef idx="minor">
+            <a:schemeClr val="lt1"/>
+          </a:fontRef>
+        </p:style>
+        <p:txBody>
+          <a:bodyPr rtlCol="0" anchor="ctr"/>
+          <a:lstStyle/>
+          <a:p>
+            <a:pPr algn="ctr"/>
+            <a:endParaRPr kumimoji="1" lang="ja-JP" altLang="en-US"/>
+          </a:p>
+        </p:txBody>
+      </p:sp>
+      <p:sp>
+        <p:nvSpPr>
+          <p:cNvPr id="41" name="テキスト ボックス 40">
+            <a:extLst>
+              <a:ext uri="{FF2B5EF4-FFF2-40B4-BE49-F238E27FC236}">
+                <a16:creationId xmlns:a16="http://schemas.microsoft.com/office/drawing/2014/main" id="{6CD88FDC-19FF-476A-AC05-9453235DACB4}"/>
+              </a:ext>
+            </a:extLst>
+          </p:cNvPr>
+          <p:cNvSpPr txBox="1"/>
+          <p:nvPr/>
+        </p:nvSpPr>
+        <p:spPr>
+          <a:xfrm>
+            <a:off x="7130637" y="5627691"/>
+            <a:ext cx="492443" cy="461665"/>
+          </a:xfrm>
+          <a:prstGeom prst="rect">
+            <a:avLst/>
+          </a:prstGeom>
+          <a:noFill/>
+        </p:spPr>
+        <p:txBody>
+          <a:bodyPr wrap="none" rtlCol="0">
+            <a:spAutoFit/>
+          </a:bodyPr>
+          <a:lstStyle/>
+          <a:p>
+            <a:r>
+              <a:rPr kumimoji="1" lang="ja-JP" altLang="en-US" sz="2400" b="1" dirty="0">
+                <a:latin typeface="Georgia" panose="02040502050405020303" pitchFamily="18" charset="0"/>
+              </a:rPr>
+              <a:t>１</a:t>
+            </a:r>
+          </a:p>
+        </p:txBody>
+      </p:sp>
+      <p:sp>
+        <p:nvSpPr>
+          <p:cNvPr id="42" name="テキスト ボックス 41">
+            <a:extLst>
+              <a:ext uri="{FF2B5EF4-FFF2-40B4-BE49-F238E27FC236}">
+                <a16:creationId xmlns:a16="http://schemas.microsoft.com/office/drawing/2014/main" id="{B2857C0C-5020-4605-B53C-FDFE484F7122}"/>
+              </a:ext>
+            </a:extLst>
+          </p:cNvPr>
+          <p:cNvSpPr txBox="1"/>
+          <p:nvPr/>
+        </p:nvSpPr>
+        <p:spPr>
+          <a:xfrm>
+            <a:off x="7961066" y="6047659"/>
+            <a:ext cx="613925" cy="461665"/>
+          </a:xfrm>
+          <a:prstGeom prst="rect">
+            <a:avLst/>
+          </a:prstGeom>
+          <a:noFill/>
+        </p:spPr>
+        <p:txBody>
+          <a:bodyPr wrap="square" rtlCol="0">
+            <a:spAutoFit/>
+          </a:bodyPr>
+          <a:lstStyle/>
+          <a:p>
+            <a:r>
+              <a:rPr kumimoji="1" lang="ja-JP" altLang="en-US" sz="2400" b="1" dirty="0">
+                <a:latin typeface="Georgia" panose="02040502050405020303" pitchFamily="18" charset="0"/>
+              </a:rPr>
+              <a:t>０</a:t>
+            </a:r>
+          </a:p>
+        </p:txBody>
+      </p:sp>
+      <p:sp>
+        <p:nvSpPr>
+          <p:cNvPr id="43" name="テキスト ボックス 42">
+            <a:extLst>
+              <a:ext uri="{FF2B5EF4-FFF2-40B4-BE49-F238E27FC236}">
+                <a16:creationId xmlns:a16="http://schemas.microsoft.com/office/drawing/2014/main" id="{B6BF9020-D1F5-4F44-B7F5-4CD668544052}"/>
+              </a:ext>
+            </a:extLst>
+          </p:cNvPr>
+          <p:cNvSpPr txBox="1"/>
+          <p:nvPr/>
+        </p:nvSpPr>
+        <p:spPr>
+          <a:xfrm>
+            <a:off x="1845584" y="6387632"/>
+            <a:ext cx="613925" cy="461665"/>
+          </a:xfrm>
+          <a:prstGeom prst="rect">
+            <a:avLst/>
+          </a:prstGeom>
+          <a:noFill/>
+        </p:spPr>
+        <p:txBody>
+          <a:bodyPr wrap="square" rtlCol="0">
+            <a:spAutoFit/>
+          </a:bodyPr>
+          <a:lstStyle/>
+          <a:p>
+            <a:r>
+              <a:rPr kumimoji="1" lang="ja-JP" altLang="en-US" sz="2400" b="1" dirty="0">
+                <a:latin typeface="Georgia" panose="02040502050405020303" pitchFamily="18" charset="0"/>
+              </a:rPr>
+              <a:t>３</a:t>
+            </a:r>
+          </a:p>
+        </p:txBody>
+      </p:sp>
+      <p:cxnSp>
+        <p:nvCxnSpPr>
+          <p:cNvPr id="47" name="直線コネクタ 46">
+            <a:extLst>
+              <a:ext uri="{FF2B5EF4-FFF2-40B4-BE49-F238E27FC236}">
+                <a16:creationId xmlns:a16="http://schemas.microsoft.com/office/drawing/2014/main" id="{755FF79D-D77A-4E2C-9465-E7F9EF3C78DC}"/>
+              </a:ext>
+            </a:extLst>
+          </p:cNvPr>
+          <p:cNvCxnSpPr>
+            <a:cxnSpLocks/>
+          </p:cNvCxnSpPr>
+          <p:nvPr/>
+        </p:nvCxnSpPr>
+        <p:spPr>
+          <a:xfrm flipH="1" flipV="1">
+            <a:off x="7517766" y="5522555"/>
+            <a:ext cx="676304" cy="320074"/>
+          </a:xfrm>
+          <a:prstGeom prst="line">
+            <a:avLst/>
+          </a:prstGeom>
+          <a:ln w="57150">
+            <a:solidFill>
+              <a:schemeClr val="bg2">
+                <a:lumMod val="10000"/>
+              </a:schemeClr>
+            </a:solidFill>
+          </a:ln>
+        </p:spPr>
+        <p:style>
+          <a:lnRef idx="1">
+            <a:schemeClr val="accent1"/>
+          </a:lnRef>
+          <a:fillRef idx="0">
+            <a:schemeClr val="accent1"/>
+          </a:fillRef>
+          <a:effectRef idx="0">
+            <a:schemeClr val="accent1"/>
+          </a:effectRef>
+          <a:fontRef idx="minor">
+            <a:schemeClr val="tx1"/>
+          </a:fontRef>
+        </p:style>
+      </p:cxnSp>
+      <p:sp>
+        <p:nvSpPr>
+          <p:cNvPr id="59" name="テキスト ボックス 58">
+            <a:extLst>
+              <a:ext uri="{FF2B5EF4-FFF2-40B4-BE49-F238E27FC236}">
+                <a16:creationId xmlns:a16="http://schemas.microsoft.com/office/drawing/2014/main" id="{B6D073DF-5CFE-4F76-875A-22183B3B15AC}"/>
+              </a:ext>
+            </a:extLst>
+          </p:cNvPr>
+          <p:cNvSpPr txBox="1"/>
+          <p:nvPr/>
+        </p:nvSpPr>
+        <p:spPr>
+          <a:xfrm>
+            <a:off x="2212002" y="426444"/>
+            <a:ext cx="442750" cy="461665"/>
+          </a:xfrm>
+          <a:prstGeom prst="rect">
+            <a:avLst/>
+          </a:prstGeom>
+          <a:noFill/>
+        </p:spPr>
+        <p:txBody>
+          <a:bodyPr wrap="none" rtlCol="0">
+            <a:spAutoFit/>
+          </a:bodyPr>
+          <a:lstStyle/>
+          <a:p>
+            <a:r>
+              <a:rPr lang="en-US" altLang="ja-JP" sz="2400" b="1" dirty="0">
+                <a:latin typeface="Georgia" panose="02040502050405020303" pitchFamily="18" charset="0"/>
+              </a:rPr>
+              <a:t>N</a:t>
+            </a:r>
+            <a:endParaRPr kumimoji="1" lang="ja-JP" altLang="en-US" sz="2400" b="1" dirty="0">
+              <a:latin typeface="Georgia" panose="02040502050405020303" pitchFamily="18" charset="0"/>
+            </a:endParaRPr>
+          </a:p>
+        </p:txBody>
+      </p:sp>
+      <p:sp>
+        <p:nvSpPr>
+          <p:cNvPr id="62" name="テキスト ボックス 61">
+            <a:extLst>
+              <a:ext uri="{FF2B5EF4-FFF2-40B4-BE49-F238E27FC236}">
+                <a16:creationId xmlns:a16="http://schemas.microsoft.com/office/drawing/2014/main" id="{C597223E-4A96-43CD-B173-B1519D614EF1}"/>
+              </a:ext>
+            </a:extLst>
+          </p:cNvPr>
+          <p:cNvSpPr txBox="1"/>
+          <p:nvPr/>
+        </p:nvSpPr>
+        <p:spPr>
+          <a:xfrm>
+            <a:off x="1165002" y="471459"/>
+            <a:ext cx="396262" cy="461665"/>
+          </a:xfrm>
+          <a:prstGeom prst="rect">
+            <a:avLst/>
+          </a:prstGeom>
+          <a:noFill/>
+        </p:spPr>
+        <p:txBody>
+          <a:bodyPr wrap="none" rtlCol="0">
+            <a:spAutoFit/>
+          </a:bodyPr>
+          <a:lstStyle/>
+          <a:p>
+            <a:r>
+              <a:rPr lang="en-US" altLang="ja-JP" sz="2400" b="1" dirty="0">
+                <a:latin typeface="Georgia" panose="02040502050405020303" pitchFamily="18" charset="0"/>
+              </a:rPr>
+              <a:t>L</a:t>
+            </a:r>
+            <a:endParaRPr kumimoji="1" lang="ja-JP" altLang="en-US" sz="2400" b="1" dirty="0">
+              <a:latin typeface="Georgia" panose="02040502050405020303" pitchFamily="18" charset="0"/>
+            </a:endParaRPr>
+          </a:p>
+        </p:txBody>
+      </p:sp>
+      <p:sp>
+        <p:nvSpPr>
+          <p:cNvPr id="2" name="正方形/長方形 1">
+            <a:extLst>
+              <a:ext uri="{FF2B5EF4-FFF2-40B4-BE49-F238E27FC236}">
+                <a16:creationId xmlns:a16="http://schemas.microsoft.com/office/drawing/2014/main" id="{E1F045DB-DE58-4D52-B934-B7EEF9E208CD}"/>
+              </a:ext>
+            </a:extLst>
+          </p:cNvPr>
+          <p:cNvSpPr/>
+          <p:nvPr/>
+        </p:nvSpPr>
+        <p:spPr>
+          <a:xfrm>
+            <a:off x="3771298" y="1714874"/>
+            <a:ext cx="2475329" cy="2310370"/>
+          </a:xfrm>
+          <a:prstGeom prst="rect">
+            <a:avLst/>
+          </a:prstGeom>
+          <a:noFill/>
+          <a:ln w="28575">
+            <a:solidFill>
+              <a:schemeClr val="tx1"/>
+            </a:solidFill>
+            <a:prstDash val="dash"/>
+          </a:ln>
+        </p:spPr>
+        <p:style>
+          <a:lnRef idx="2">
+            <a:schemeClr val="accent1">
+              <a:shade val="50000"/>
+            </a:schemeClr>
+          </a:lnRef>
+          <a:fillRef idx="1">
+            <a:schemeClr val="accent1"/>
+          </a:fillRef>
+          <a:effectRef idx="0">
+            <a:schemeClr val="accent1"/>
+          </a:effectRef>
+          <a:fontRef idx="minor">
+            <a:schemeClr val="lt1"/>
+          </a:fontRef>
+        </p:style>
+        <p:txBody>
+          <a:bodyPr rtlCol="0" anchor="ctr"/>
+          <a:lstStyle/>
+          <a:p>
+            <a:pPr algn="ctr"/>
+            <a:endParaRPr kumimoji="1" lang="ja-JP" altLang="en-US"/>
+          </a:p>
+        </p:txBody>
+      </p:sp>
+      <p:sp>
+        <p:nvSpPr>
+          <p:cNvPr id="33" name="楕円 32">
+            <a:extLst>
+              <a:ext uri="{FF2B5EF4-FFF2-40B4-BE49-F238E27FC236}">
+                <a16:creationId xmlns:a16="http://schemas.microsoft.com/office/drawing/2014/main" id="{A57367C7-59F6-4678-B4BE-DEBB72E03F5D}"/>
+              </a:ext>
+            </a:extLst>
+          </p:cNvPr>
+          <p:cNvSpPr/>
+          <p:nvPr/>
+        </p:nvSpPr>
+        <p:spPr>
+          <a:xfrm>
+            <a:off x="7712625" y="504387"/>
+            <a:ext cx="786798" cy="818707"/>
+          </a:xfrm>
+          <a:prstGeom prst="ellipse">
+            <a:avLst/>
+          </a:prstGeom>
+          <a:solidFill>
+            <a:schemeClr val="bg1"/>
+          </a:solidFill>
+          <a:ln w="38100">
+            <a:solidFill>
+              <a:schemeClr val="bg2">
+                <a:lumMod val="10000"/>
+              </a:schemeClr>
+            </a:solidFill>
+          </a:ln>
+        </p:spPr>
+        <p:style>
+          <a:lnRef idx="2">
+            <a:schemeClr val="accent1">
+              <a:shade val="50000"/>
+            </a:schemeClr>
+          </a:lnRef>
+          <a:fillRef idx="1">
+            <a:schemeClr val="accent1"/>
+          </a:fillRef>
+          <a:effectRef idx="0">
+            <a:schemeClr val="accent1"/>
+          </a:effectRef>
+          <a:fontRef idx="minor">
+            <a:schemeClr val="lt1"/>
+          </a:fontRef>
+        </p:style>
+        <p:txBody>
+          <a:bodyPr rtlCol="0" anchor="ctr"/>
+          <a:lstStyle/>
+          <a:p>
+            <a:pPr algn="ctr"/>
+            <a:r>
+              <a:rPr kumimoji="1" lang="en-US" altLang="ja-JP" sz="3600" dirty="0">
+                <a:solidFill>
+                  <a:schemeClr val="tx1"/>
+                </a:solidFill>
+                <a:latin typeface="+mn-ea"/>
+              </a:rPr>
+              <a:t>R</a:t>
+            </a:r>
+            <a:endParaRPr kumimoji="1" lang="ja-JP" altLang="en-US" sz="3600" dirty="0">
+              <a:solidFill>
+                <a:schemeClr val="tx1"/>
+              </a:solidFill>
+              <a:latin typeface="+mn-ea"/>
+            </a:endParaRPr>
+          </a:p>
+        </p:txBody>
+      </p:sp>
+      <p:sp>
+        <p:nvSpPr>
+          <p:cNvPr id="36" name="テキスト ボックス 35">
+            <a:extLst>
+              <a:ext uri="{FF2B5EF4-FFF2-40B4-BE49-F238E27FC236}">
+                <a16:creationId xmlns:a16="http://schemas.microsoft.com/office/drawing/2014/main" id="{9F387A9B-0B18-4A08-811A-25BF24578311}"/>
+              </a:ext>
+            </a:extLst>
+          </p:cNvPr>
+          <p:cNvSpPr txBox="1"/>
+          <p:nvPr/>
+        </p:nvSpPr>
+        <p:spPr>
+          <a:xfrm>
+            <a:off x="5170822" y="6463054"/>
+            <a:ext cx="613925" cy="461665"/>
+          </a:xfrm>
+          <a:prstGeom prst="rect">
+            <a:avLst/>
+          </a:prstGeom>
+          <a:noFill/>
+        </p:spPr>
+        <p:txBody>
+          <a:bodyPr wrap="square" rtlCol="0">
+            <a:spAutoFit/>
+          </a:bodyPr>
+          <a:lstStyle/>
+          <a:p>
+            <a:r>
+              <a:rPr kumimoji="1" lang="ja-JP" altLang="en-US" sz="2400" b="1" dirty="0">
+                <a:latin typeface="Georgia" panose="02040502050405020303" pitchFamily="18" charset="0"/>
+              </a:rPr>
+              <a:t>３</a:t>
+            </a:r>
+          </a:p>
+        </p:txBody>
+      </p:sp>
+      <p:sp>
+        <p:nvSpPr>
+          <p:cNvPr id="50" name="楕円 49">
+            <a:extLst>
+              <a:ext uri="{FF2B5EF4-FFF2-40B4-BE49-F238E27FC236}">
+                <a16:creationId xmlns:a16="http://schemas.microsoft.com/office/drawing/2014/main" id="{0E6AE58C-B8AE-4BBF-A398-08B7B1C8BBBA}"/>
+              </a:ext>
+            </a:extLst>
+          </p:cNvPr>
+          <p:cNvSpPr/>
+          <p:nvPr/>
+        </p:nvSpPr>
+        <p:spPr>
+          <a:xfrm flipV="1">
+            <a:off x="4316579" y="5464546"/>
+            <a:ext cx="176092" cy="182966"/>
+          </a:xfrm>
+          <a:prstGeom prst="ellipse">
+            <a:avLst/>
+          </a:prstGeom>
+          <a:noFill/>
+          <a:ln w="28575">
+            <a:solidFill>
+              <a:schemeClr val="tx1"/>
+            </a:solidFill>
+          </a:ln>
+        </p:spPr>
+        <p:style>
+          <a:lnRef idx="2">
+            <a:schemeClr val="accent1">
+              <a:shade val="50000"/>
+            </a:schemeClr>
+          </a:lnRef>
+          <a:fillRef idx="1">
+            <a:schemeClr val="accent1"/>
+          </a:fillRef>
+          <a:effectRef idx="0">
+            <a:schemeClr val="accent1"/>
+          </a:effectRef>
+          <a:fontRef idx="minor">
+            <a:schemeClr val="lt1"/>
+          </a:fontRef>
+        </p:style>
+        <p:txBody>
+          <a:bodyPr rtlCol="0" anchor="ctr"/>
+          <a:lstStyle/>
+          <a:p>
+            <a:pPr algn="ctr"/>
+            <a:endParaRPr kumimoji="1" lang="ja-JP" altLang="en-US"/>
+          </a:p>
+        </p:txBody>
+      </p:sp>
+      <p:sp>
+        <p:nvSpPr>
+          <p:cNvPr id="51" name="楕円 50">
+            <a:extLst>
+              <a:ext uri="{FF2B5EF4-FFF2-40B4-BE49-F238E27FC236}">
+                <a16:creationId xmlns:a16="http://schemas.microsoft.com/office/drawing/2014/main" id="{51D120D4-9BB6-4405-B9B8-394F9DF7DD75}"/>
+              </a:ext>
+            </a:extLst>
+          </p:cNvPr>
+          <p:cNvSpPr/>
+          <p:nvPr/>
+        </p:nvSpPr>
+        <p:spPr>
+          <a:xfrm flipV="1">
+            <a:off x="5301693" y="5471271"/>
+            <a:ext cx="176092" cy="182966"/>
+          </a:xfrm>
+          <a:prstGeom prst="ellipse">
+            <a:avLst/>
+          </a:prstGeom>
+          <a:noFill/>
+          <a:ln w="28575">
+            <a:solidFill>
+              <a:schemeClr val="tx1"/>
+            </a:solidFill>
+          </a:ln>
+        </p:spPr>
+        <p:style>
+          <a:lnRef idx="2">
+            <a:schemeClr val="accent1">
+              <a:shade val="50000"/>
+            </a:schemeClr>
+          </a:lnRef>
+          <a:fillRef idx="1">
+            <a:schemeClr val="accent1"/>
+          </a:fillRef>
+          <a:effectRef idx="0">
+            <a:schemeClr val="accent1"/>
+          </a:effectRef>
+          <a:fontRef idx="minor">
+            <a:schemeClr val="lt1"/>
+          </a:fontRef>
+        </p:style>
+        <p:txBody>
+          <a:bodyPr rtlCol="0" anchor="ctr"/>
+          <a:lstStyle/>
+          <a:p>
+            <a:pPr algn="ctr"/>
+            <a:endParaRPr kumimoji="1" lang="ja-JP" altLang="en-US"/>
+          </a:p>
+        </p:txBody>
+      </p:sp>
+      <p:sp>
+        <p:nvSpPr>
+          <p:cNvPr id="53" name="楕円 52">
+            <a:extLst>
+              <a:ext uri="{FF2B5EF4-FFF2-40B4-BE49-F238E27FC236}">
+                <a16:creationId xmlns:a16="http://schemas.microsoft.com/office/drawing/2014/main" id="{2EA199F2-CF06-4564-A1F0-15043C763B27}"/>
+              </a:ext>
+            </a:extLst>
+          </p:cNvPr>
+          <p:cNvSpPr/>
+          <p:nvPr/>
+        </p:nvSpPr>
+        <p:spPr>
+          <a:xfrm flipV="1">
+            <a:off x="5309852" y="6276187"/>
+            <a:ext cx="176092" cy="182966"/>
+          </a:xfrm>
+          <a:prstGeom prst="ellipse">
+            <a:avLst/>
+          </a:prstGeom>
+          <a:noFill/>
+          <a:ln w="28575">
+            <a:solidFill>
+              <a:schemeClr val="tx1"/>
+            </a:solidFill>
+          </a:ln>
+        </p:spPr>
+        <p:style>
+          <a:lnRef idx="2">
+            <a:schemeClr val="accent1">
+              <a:shade val="50000"/>
+            </a:schemeClr>
+          </a:lnRef>
+          <a:fillRef idx="1">
+            <a:schemeClr val="accent1"/>
+          </a:fillRef>
+          <a:effectRef idx="0">
+            <a:schemeClr val="accent1"/>
+          </a:effectRef>
+          <a:fontRef idx="minor">
+            <a:schemeClr val="lt1"/>
+          </a:fontRef>
+        </p:style>
+        <p:txBody>
+          <a:bodyPr rtlCol="0" anchor="ctr"/>
+          <a:lstStyle/>
+          <a:p>
+            <a:pPr algn="ctr"/>
+            <a:endParaRPr kumimoji="1" lang="ja-JP" altLang="en-US"/>
+          </a:p>
+        </p:txBody>
+      </p:sp>
+      <p:sp>
+        <p:nvSpPr>
+          <p:cNvPr id="54" name="テキスト ボックス 53">
+            <a:extLst>
+              <a:ext uri="{FF2B5EF4-FFF2-40B4-BE49-F238E27FC236}">
+                <a16:creationId xmlns:a16="http://schemas.microsoft.com/office/drawing/2014/main" id="{BA1E2811-B16C-4689-AF90-13ED22539C0E}"/>
+              </a:ext>
+            </a:extLst>
+          </p:cNvPr>
+          <p:cNvSpPr txBox="1"/>
+          <p:nvPr/>
+        </p:nvSpPr>
+        <p:spPr>
+          <a:xfrm>
+            <a:off x="5188508" y="5605954"/>
+            <a:ext cx="492443" cy="461665"/>
+          </a:xfrm>
+          <a:prstGeom prst="rect">
+            <a:avLst/>
+          </a:prstGeom>
+          <a:noFill/>
+        </p:spPr>
+        <p:txBody>
+          <a:bodyPr wrap="none" rtlCol="0">
+            <a:spAutoFit/>
+          </a:bodyPr>
+          <a:lstStyle/>
+          <a:p>
+            <a:r>
+              <a:rPr kumimoji="1" lang="ja-JP" altLang="en-US" sz="2400" b="1" dirty="0">
+                <a:latin typeface="Georgia" panose="02040502050405020303" pitchFamily="18" charset="0"/>
+              </a:rPr>
+              <a:t>１</a:t>
+            </a:r>
+          </a:p>
+        </p:txBody>
+      </p:sp>
+      <p:sp>
+        <p:nvSpPr>
+          <p:cNvPr id="58" name="テキスト ボックス 57">
+            <a:extLst>
+              <a:ext uri="{FF2B5EF4-FFF2-40B4-BE49-F238E27FC236}">
+                <a16:creationId xmlns:a16="http://schemas.microsoft.com/office/drawing/2014/main" id="{51C1CBDB-90FC-4542-B0FD-933A668C30D5}"/>
+              </a:ext>
+            </a:extLst>
+          </p:cNvPr>
+          <p:cNvSpPr txBox="1"/>
+          <p:nvPr/>
+        </p:nvSpPr>
+        <p:spPr>
+          <a:xfrm>
+            <a:off x="4167519" y="5661537"/>
+            <a:ext cx="613925" cy="461665"/>
+          </a:xfrm>
+          <a:prstGeom prst="rect">
+            <a:avLst/>
+          </a:prstGeom>
+          <a:noFill/>
+        </p:spPr>
+        <p:txBody>
+          <a:bodyPr wrap="square" rtlCol="0">
+            <a:spAutoFit/>
+          </a:bodyPr>
+          <a:lstStyle/>
+          <a:p>
+            <a:r>
+              <a:rPr lang="en-US" altLang="ja-JP" sz="2400" b="1" dirty="0">
+                <a:latin typeface="+mn-ea"/>
+              </a:rPr>
+              <a:t>2</a:t>
+            </a:r>
+            <a:endParaRPr kumimoji="1" lang="ja-JP" altLang="en-US" sz="2400" b="1" dirty="0">
+              <a:latin typeface="+mn-ea"/>
+            </a:endParaRPr>
+          </a:p>
+        </p:txBody>
+      </p:sp>
+      <p:cxnSp>
+        <p:nvCxnSpPr>
+          <p:cNvPr id="63" name="直線コネクタ 62">
+            <a:extLst>
+              <a:ext uri="{FF2B5EF4-FFF2-40B4-BE49-F238E27FC236}">
+                <a16:creationId xmlns:a16="http://schemas.microsoft.com/office/drawing/2014/main" id="{92474C64-50E3-4D44-AF1A-7DC1D9CBA9D7}"/>
+              </a:ext>
+            </a:extLst>
+          </p:cNvPr>
+          <p:cNvCxnSpPr>
+            <a:cxnSpLocks/>
+          </p:cNvCxnSpPr>
+          <p:nvPr/>
+        </p:nvCxnSpPr>
+        <p:spPr>
+          <a:xfrm flipH="1" flipV="1">
+            <a:off x="4345241" y="5605954"/>
+            <a:ext cx="986772" cy="732934"/>
+          </a:xfrm>
+          <a:prstGeom prst="line">
+            <a:avLst/>
+          </a:prstGeom>
+          <a:ln w="57150">
+            <a:solidFill>
+              <a:schemeClr val="bg2">
+                <a:lumMod val="10000"/>
+              </a:schemeClr>
+            </a:solidFill>
+          </a:ln>
+        </p:spPr>
+        <p:style>
+          <a:lnRef idx="1">
+            <a:schemeClr val="accent1"/>
+          </a:lnRef>
+          <a:fillRef idx="0">
+            <a:schemeClr val="accent1"/>
+          </a:fillRef>
+          <a:effectRef idx="0">
+            <a:schemeClr val="accent1"/>
+          </a:effectRef>
+          <a:fontRef idx="minor">
+            <a:schemeClr val="tx1"/>
+          </a:fontRef>
+        </p:style>
+      </p:cxnSp>
+      <p:sp>
+        <p:nvSpPr>
+          <p:cNvPr id="64" name="楕円 63">
+            <a:extLst>
+              <a:ext uri="{FF2B5EF4-FFF2-40B4-BE49-F238E27FC236}">
+                <a16:creationId xmlns:a16="http://schemas.microsoft.com/office/drawing/2014/main" id="{CC331A1D-8DCA-4BA8-90B8-9DCC3392B5AC}"/>
+              </a:ext>
+            </a:extLst>
+          </p:cNvPr>
+          <p:cNvSpPr/>
+          <p:nvPr/>
+        </p:nvSpPr>
+        <p:spPr>
+          <a:xfrm flipV="1">
+            <a:off x="4292158" y="6295057"/>
+            <a:ext cx="176092" cy="182966"/>
+          </a:xfrm>
+          <a:prstGeom prst="ellipse">
+            <a:avLst/>
+          </a:prstGeom>
+          <a:noFill/>
+          <a:ln w="28575">
+            <a:solidFill>
+              <a:schemeClr val="tx1"/>
+            </a:solidFill>
+          </a:ln>
+        </p:spPr>
+        <p:style>
+          <a:lnRef idx="2">
+            <a:schemeClr val="accent1">
+              <a:shade val="50000"/>
+            </a:schemeClr>
+          </a:lnRef>
+          <a:fillRef idx="1">
+            <a:schemeClr val="accent1"/>
+          </a:fillRef>
+          <a:effectRef idx="0">
+            <a:schemeClr val="accent1"/>
+          </a:effectRef>
+          <a:fontRef idx="minor">
+            <a:schemeClr val="lt1"/>
+          </a:fontRef>
+        </p:style>
+        <p:txBody>
+          <a:bodyPr rtlCol="0" anchor="ctr"/>
+          <a:lstStyle/>
+          <a:p>
+            <a:pPr algn="ctr"/>
+            <a:endParaRPr kumimoji="1" lang="ja-JP" altLang="en-US"/>
+          </a:p>
+        </p:txBody>
+      </p:sp>
+      <p:cxnSp>
+        <p:nvCxnSpPr>
+          <p:cNvPr id="65" name="直線コネクタ 64">
+            <a:extLst>
+              <a:ext uri="{FF2B5EF4-FFF2-40B4-BE49-F238E27FC236}">
+                <a16:creationId xmlns:a16="http://schemas.microsoft.com/office/drawing/2014/main" id="{4289E5F4-26FF-4518-B229-840F9FCAF956}"/>
+              </a:ext>
+            </a:extLst>
+          </p:cNvPr>
+          <p:cNvCxnSpPr>
+            <a:cxnSpLocks/>
+          </p:cNvCxnSpPr>
+          <p:nvPr/>
+        </p:nvCxnSpPr>
+        <p:spPr>
+          <a:xfrm flipH="1">
+            <a:off x="4333610" y="5593343"/>
+            <a:ext cx="1101120" cy="842236"/>
+          </a:xfrm>
+          <a:prstGeom prst="line">
+            <a:avLst/>
+          </a:prstGeom>
+          <a:ln w="57150">
+            <a:solidFill>
+              <a:schemeClr val="bg2">
+                <a:lumMod val="10000"/>
+              </a:schemeClr>
+            </a:solidFill>
+          </a:ln>
+        </p:spPr>
+        <p:style>
+          <a:lnRef idx="1">
+            <a:schemeClr val="accent1"/>
+          </a:lnRef>
+          <a:fillRef idx="0">
+            <a:schemeClr val="accent1"/>
+          </a:fillRef>
+          <a:effectRef idx="0">
+            <a:schemeClr val="accent1"/>
+          </a:effectRef>
+          <a:fontRef idx="minor">
+            <a:schemeClr val="tx1"/>
+          </a:fontRef>
+        </p:style>
+      </p:cxnSp>
+      <p:sp>
+        <p:nvSpPr>
+          <p:cNvPr id="66" name="テキスト ボックス 65">
+            <a:extLst>
+              <a:ext uri="{FF2B5EF4-FFF2-40B4-BE49-F238E27FC236}">
+                <a16:creationId xmlns:a16="http://schemas.microsoft.com/office/drawing/2014/main" id="{79E382B4-1689-458A-A5EA-F7C158E1EEC9}"/>
+              </a:ext>
+            </a:extLst>
+          </p:cNvPr>
+          <p:cNvSpPr txBox="1"/>
+          <p:nvPr/>
+        </p:nvSpPr>
+        <p:spPr>
+          <a:xfrm>
+            <a:off x="4145890" y="6475527"/>
+            <a:ext cx="613925" cy="461665"/>
+          </a:xfrm>
+          <a:prstGeom prst="rect">
+            <a:avLst/>
+          </a:prstGeom>
+          <a:noFill/>
+        </p:spPr>
+        <p:txBody>
+          <a:bodyPr wrap="square" rtlCol="0">
+            <a:spAutoFit/>
+          </a:bodyPr>
+          <a:lstStyle/>
+          <a:p>
+            <a:r>
+              <a:rPr kumimoji="1" lang="en-US" altLang="ja-JP" sz="2400" b="1" dirty="0">
+                <a:latin typeface="+mn-ea"/>
+              </a:rPr>
+              <a:t>4</a:t>
+            </a:r>
+            <a:endParaRPr kumimoji="1" lang="ja-JP" altLang="en-US" sz="2400" b="1" dirty="0">
+              <a:latin typeface="+mn-ea"/>
+            </a:endParaRPr>
+          </a:p>
+        </p:txBody>
+      </p:sp>
+      <p:cxnSp>
+        <p:nvCxnSpPr>
+          <p:cNvPr id="67" name="直線コネクタ 66">
+            <a:extLst>
+              <a:ext uri="{FF2B5EF4-FFF2-40B4-BE49-F238E27FC236}">
+                <a16:creationId xmlns:a16="http://schemas.microsoft.com/office/drawing/2014/main" id="{79EC70EB-0F5E-487B-A66E-AC9420AD73D8}"/>
+              </a:ext>
+            </a:extLst>
+          </p:cNvPr>
+          <p:cNvCxnSpPr>
+            <a:cxnSpLocks/>
+          </p:cNvCxnSpPr>
+          <p:nvPr/>
+        </p:nvCxnSpPr>
+        <p:spPr>
+          <a:xfrm flipH="1">
+            <a:off x="2364744" y="2427036"/>
+            <a:ext cx="5406594" cy="11271"/>
+          </a:xfrm>
+          <a:prstGeom prst="line">
+            <a:avLst/>
+          </a:prstGeom>
+          <a:ln w="57150">
+            <a:solidFill>
+              <a:schemeClr val="accent1">
+                <a:lumMod val="60000"/>
+                <a:lumOff val="40000"/>
+              </a:schemeClr>
+            </a:solidFill>
+          </a:ln>
+        </p:spPr>
+        <p:style>
+          <a:lnRef idx="1">
+            <a:schemeClr val="accent1"/>
+          </a:lnRef>
+          <a:fillRef idx="0">
+            <a:schemeClr val="accent1"/>
+          </a:fillRef>
+          <a:effectRef idx="0">
+            <a:schemeClr val="accent1"/>
+          </a:effectRef>
+          <a:fontRef idx="minor">
+            <a:schemeClr val="tx1"/>
+          </a:fontRef>
+        </p:style>
+      </p:cxnSp>
+      <p:sp>
+        <p:nvSpPr>
+          <p:cNvPr id="69" name="テキスト ボックス 68">
+            <a:extLst>
+              <a:ext uri="{FF2B5EF4-FFF2-40B4-BE49-F238E27FC236}">
+                <a16:creationId xmlns:a16="http://schemas.microsoft.com/office/drawing/2014/main" id="{C660B72D-A885-4C19-8986-25B03BD48A2F}"/>
+              </a:ext>
+            </a:extLst>
+          </p:cNvPr>
+          <p:cNvSpPr txBox="1"/>
+          <p:nvPr/>
+        </p:nvSpPr>
+        <p:spPr>
+          <a:xfrm>
+            <a:off x="4657929" y="6429364"/>
+            <a:ext cx="570990" cy="461665"/>
+          </a:xfrm>
+          <a:prstGeom prst="rect">
+            <a:avLst/>
+          </a:prstGeom>
+          <a:noFill/>
+        </p:spPr>
+        <p:txBody>
+          <a:bodyPr wrap="none" rtlCol="0">
+            <a:spAutoFit/>
+          </a:bodyPr>
+          <a:lstStyle/>
+          <a:p>
+            <a:r>
+              <a:rPr kumimoji="1" lang="ja-JP" altLang="en-US" sz="2400" b="1" dirty="0">
+                <a:latin typeface="Georgia" panose="02040502050405020303" pitchFamily="18" charset="0"/>
+              </a:rPr>
+              <a:t>イ </a:t>
+            </a:r>
+          </a:p>
+        </p:txBody>
+      </p:sp>
+      <p:sp>
+        <p:nvSpPr>
+          <p:cNvPr id="70" name="テキスト ボックス 69">
+            <a:extLst>
+              <a:ext uri="{FF2B5EF4-FFF2-40B4-BE49-F238E27FC236}">
+                <a16:creationId xmlns:a16="http://schemas.microsoft.com/office/drawing/2014/main" id="{A232B7DF-7609-4913-8F44-8398CA7AE264}"/>
+              </a:ext>
+            </a:extLst>
+          </p:cNvPr>
+          <p:cNvSpPr txBox="1"/>
+          <p:nvPr/>
+        </p:nvSpPr>
+        <p:spPr>
+          <a:xfrm>
+            <a:off x="1457649" y="6327591"/>
+            <a:ext cx="570990" cy="461665"/>
+          </a:xfrm>
+          <a:prstGeom prst="rect">
+            <a:avLst/>
+          </a:prstGeom>
+          <a:noFill/>
+        </p:spPr>
+        <p:txBody>
+          <a:bodyPr wrap="none" rtlCol="0">
+            <a:spAutoFit/>
+          </a:bodyPr>
+          <a:lstStyle/>
+          <a:p>
+            <a:r>
+              <a:rPr kumimoji="1" lang="ja-JP" altLang="en-US" sz="2400" b="1" dirty="0">
+                <a:latin typeface="Georgia" panose="02040502050405020303" pitchFamily="18" charset="0"/>
+              </a:rPr>
+              <a:t>イ </a:t>
+            </a:r>
+          </a:p>
+        </p:txBody>
+      </p:sp>
+      <p:cxnSp>
+        <p:nvCxnSpPr>
+          <p:cNvPr id="74" name="直線コネクタ 73">
+            <a:extLst>
+              <a:ext uri="{FF2B5EF4-FFF2-40B4-BE49-F238E27FC236}">
+                <a16:creationId xmlns:a16="http://schemas.microsoft.com/office/drawing/2014/main" id="{C5AB5F50-8DC1-4D82-9FEA-1D42B7D85A03}"/>
+              </a:ext>
+            </a:extLst>
+          </p:cNvPr>
+          <p:cNvCxnSpPr>
+            <a:cxnSpLocks/>
+          </p:cNvCxnSpPr>
+          <p:nvPr/>
+        </p:nvCxnSpPr>
+        <p:spPr>
+          <a:xfrm flipH="1">
+            <a:off x="2409686" y="1118922"/>
+            <a:ext cx="23691" cy="1319385"/>
+          </a:xfrm>
+          <a:prstGeom prst="line">
+            <a:avLst/>
+          </a:prstGeom>
+          <a:ln w="57150">
+            <a:solidFill>
+              <a:schemeClr val="accent1">
+                <a:lumMod val="60000"/>
+                <a:lumOff val="40000"/>
+              </a:schemeClr>
+            </a:solidFill>
+          </a:ln>
+        </p:spPr>
+        <p:style>
+          <a:lnRef idx="1">
+            <a:schemeClr val="accent1"/>
+          </a:lnRef>
+          <a:fillRef idx="0">
+            <a:schemeClr val="accent1"/>
+          </a:fillRef>
+          <a:effectRef idx="0">
+            <a:schemeClr val="accent1"/>
+          </a:effectRef>
+          <a:fontRef idx="minor">
+            <a:schemeClr val="tx1"/>
+          </a:fontRef>
+        </p:style>
+      </p:cxnSp>
+      <p:cxnSp>
+        <p:nvCxnSpPr>
+          <p:cNvPr id="37" name="直線コネクタ 36">
+            <a:extLst>
+              <a:ext uri="{FF2B5EF4-FFF2-40B4-BE49-F238E27FC236}">
+                <a16:creationId xmlns:a16="http://schemas.microsoft.com/office/drawing/2014/main" id="{F6105164-0353-4AE6-BBAE-4A06DADE9DEA}"/>
+              </a:ext>
+            </a:extLst>
+          </p:cNvPr>
+          <p:cNvCxnSpPr>
+            <a:cxnSpLocks/>
+            <a:stCxn id="44" idx="3"/>
+          </p:cNvCxnSpPr>
+          <p:nvPr/>
+        </p:nvCxnSpPr>
+        <p:spPr>
+          <a:xfrm>
+            <a:off x="4604321" y="1151425"/>
+            <a:ext cx="11500" cy="1286882"/>
+          </a:xfrm>
+          <a:prstGeom prst="line">
+            <a:avLst/>
+          </a:prstGeom>
+          <a:ln w="57150">
+            <a:solidFill>
+              <a:schemeClr val="accent1">
+                <a:lumMod val="60000"/>
+                <a:lumOff val="40000"/>
+              </a:schemeClr>
+            </a:solidFill>
+          </a:ln>
+        </p:spPr>
+        <p:style>
+          <a:lnRef idx="1">
+            <a:schemeClr val="accent1"/>
+          </a:lnRef>
+          <a:fillRef idx="0">
+            <a:schemeClr val="accent1"/>
+          </a:fillRef>
+          <a:effectRef idx="0">
+            <a:schemeClr val="accent1"/>
+          </a:effectRef>
+          <a:fontRef idx="minor">
+            <a:schemeClr val="tx1"/>
+          </a:fontRef>
+        </p:style>
+      </p:cxnSp>
+      <p:cxnSp>
+        <p:nvCxnSpPr>
+          <p:cNvPr id="45" name="直線コネクタ 44">
+            <a:extLst>
+              <a:ext uri="{FF2B5EF4-FFF2-40B4-BE49-F238E27FC236}">
+                <a16:creationId xmlns:a16="http://schemas.microsoft.com/office/drawing/2014/main" id="{6AFEADCC-78D8-4A03-829F-EACEC518C176}"/>
+              </a:ext>
+            </a:extLst>
+          </p:cNvPr>
+          <p:cNvCxnSpPr>
+            <a:cxnSpLocks/>
+          </p:cNvCxnSpPr>
+          <p:nvPr/>
+        </p:nvCxnSpPr>
+        <p:spPr>
+          <a:xfrm flipH="1">
+            <a:off x="7771338" y="1147130"/>
+            <a:ext cx="23691" cy="1319385"/>
+          </a:xfrm>
+          <a:prstGeom prst="line">
+            <a:avLst/>
+          </a:prstGeom>
+          <a:ln w="57150">
+            <a:solidFill>
+              <a:schemeClr val="accent1">
+                <a:lumMod val="60000"/>
+                <a:lumOff val="40000"/>
+              </a:schemeClr>
+            </a:solidFill>
+          </a:ln>
+        </p:spPr>
+        <p:style>
+          <a:lnRef idx="1">
+            <a:schemeClr val="accent1"/>
+          </a:lnRef>
+          <a:fillRef idx="0">
+            <a:schemeClr val="accent1"/>
+          </a:fillRef>
+          <a:effectRef idx="0">
+            <a:schemeClr val="accent1"/>
+          </a:effectRef>
+          <a:fontRef idx="minor">
+            <a:schemeClr val="tx1"/>
+          </a:fontRef>
+        </p:style>
+      </p:cxnSp>
+      <p:sp>
+        <p:nvSpPr>
+          <p:cNvPr id="46" name="楕円 45">
+            <a:extLst>
+              <a:ext uri="{FF2B5EF4-FFF2-40B4-BE49-F238E27FC236}">
+                <a16:creationId xmlns:a16="http://schemas.microsoft.com/office/drawing/2014/main" id="{2C56A1B3-3223-4417-A5D4-F993D640D73B}"/>
+              </a:ext>
+            </a:extLst>
+          </p:cNvPr>
+          <p:cNvSpPr/>
+          <p:nvPr/>
+        </p:nvSpPr>
+        <p:spPr>
+          <a:xfrm flipV="1">
+            <a:off x="2342136" y="959875"/>
+            <a:ext cx="176092" cy="182966"/>
+          </a:xfrm>
+          <a:prstGeom prst="ellipse">
+            <a:avLst/>
+          </a:prstGeom>
+          <a:noFill/>
+          <a:ln w="28575">
+            <a:solidFill>
+              <a:schemeClr val="tx1"/>
+            </a:solidFill>
+          </a:ln>
+        </p:spPr>
+        <p:style>
+          <a:lnRef idx="2">
+            <a:schemeClr val="accent1">
+              <a:shade val="50000"/>
+            </a:schemeClr>
+          </a:lnRef>
+          <a:fillRef idx="1">
+            <a:schemeClr val="accent1"/>
+          </a:fillRef>
+          <a:effectRef idx="0">
+            <a:schemeClr val="accent1"/>
+          </a:effectRef>
+          <a:fontRef idx="minor">
+            <a:schemeClr val="lt1"/>
+          </a:fontRef>
+        </p:style>
+        <p:txBody>
+          <a:bodyPr rtlCol="0" anchor="ctr"/>
+          <a:lstStyle/>
+          <a:p>
+            <a:pPr algn="ctr"/>
+            <a:endParaRPr kumimoji="1" lang="ja-JP" altLang="en-US"/>
+          </a:p>
+        </p:txBody>
+      </p:sp>
+      <p:sp>
+        <p:nvSpPr>
+          <p:cNvPr id="48" name="楕円 47">
+            <a:extLst>
+              <a:ext uri="{FF2B5EF4-FFF2-40B4-BE49-F238E27FC236}">
+                <a16:creationId xmlns:a16="http://schemas.microsoft.com/office/drawing/2014/main" id="{05968AED-4912-432F-9816-1DF7385C6473}"/>
+              </a:ext>
+            </a:extLst>
+          </p:cNvPr>
+          <p:cNvSpPr/>
+          <p:nvPr/>
+        </p:nvSpPr>
+        <p:spPr>
+          <a:xfrm flipV="1">
+            <a:off x="1275087" y="1008152"/>
+            <a:ext cx="176092" cy="182966"/>
+          </a:xfrm>
+          <a:prstGeom prst="ellipse">
+            <a:avLst/>
+          </a:prstGeom>
+          <a:noFill/>
+          <a:ln w="28575">
+            <a:solidFill>
+              <a:schemeClr val="tx1"/>
+            </a:solidFill>
+          </a:ln>
+        </p:spPr>
+        <p:style>
+          <a:lnRef idx="2">
+            <a:schemeClr val="accent1">
+              <a:shade val="50000"/>
+            </a:schemeClr>
+          </a:lnRef>
+          <a:fillRef idx="1">
+            <a:schemeClr val="accent1"/>
+          </a:fillRef>
+          <a:effectRef idx="0">
+            <a:schemeClr val="accent1"/>
+          </a:effectRef>
+          <a:fontRef idx="minor">
+            <a:schemeClr val="lt1"/>
+          </a:fontRef>
+        </p:style>
+        <p:txBody>
+          <a:bodyPr rtlCol="0" anchor="ctr"/>
+          <a:lstStyle/>
+          <a:p>
+            <a:pPr algn="ctr"/>
+            <a:endParaRPr kumimoji="1" lang="ja-JP" altLang="en-US"/>
+          </a:p>
+        </p:txBody>
+      </p:sp>
+      <p:sp>
+        <p:nvSpPr>
+          <p:cNvPr id="49" name="楕円 48">
+            <a:extLst>
+              <a:ext uri="{FF2B5EF4-FFF2-40B4-BE49-F238E27FC236}">
+                <a16:creationId xmlns:a16="http://schemas.microsoft.com/office/drawing/2014/main" id="{71E9DC06-0264-43BE-9208-309EF0DA5168}"/>
+              </a:ext>
+            </a:extLst>
+          </p:cNvPr>
+          <p:cNvSpPr/>
+          <p:nvPr/>
+        </p:nvSpPr>
+        <p:spPr>
+          <a:xfrm flipV="1">
+            <a:off x="2342136" y="2354558"/>
+            <a:ext cx="176092" cy="182966"/>
+          </a:xfrm>
+          <a:prstGeom prst="ellipse">
+            <a:avLst/>
+          </a:prstGeom>
+          <a:solidFill>
+            <a:schemeClr val="tx1"/>
+          </a:solidFill>
+          <a:ln w="28575">
+            <a:noFill/>
+          </a:ln>
+        </p:spPr>
+        <p:style>
+          <a:lnRef idx="2">
+            <a:schemeClr val="accent1">
+              <a:shade val="50000"/>
+            </a:schemeClr>
+          </a:lnRef>
+          <a:fillRef idx="1">
+            <a:schemeClr val="accent1"/>
+          </a:fillRef>
+          <a:effectRef idx="0">
+            <a:schemeClr val="accent1"/>
+          </a:effectRef>
+          <a:fontRef idx="minor">
+            <a:schemeClr val="lt1"/>
+          </a:fontRef>
+        </p:style>
+        <p:txBody>
+          <a:bodyPr rtlCol="0" anchor="ctr"/>
+          <a:lstStyle/>
+          <a:p>
+            <a:pPr algn="ctr"/>
+            <a:endParaRPr kumimoji="1" lang="ja-JP" altLang="en-US"/>
+          </a:p>
+        </p:txBody>
+      </p:sp>
+      <p:sp>
+        <p:nvSpPr>
+          <p:cNvPr id="52" name="楕円 51">
+            <a:extLst>
+              <a:ext uri="{FF2B5EF4-FFF2-40B4-BE49-F238E27FC236}">
+                <a16:creationId xmlns:a16="http://schemas.microsoft.com/office/drawing/2014/main" id="{BC7CEAD4-CE4B-4CB9-8BC3-1D98E74E1AA3}"/>
+              </a:ext>
+            </a:extLst>
+          </p:cNvPr>
+          <p:cNvSpPr/>
+          <p:nvPr/>
+        </p:nvSpPr>
+        <p:spPr>
+          <a:xfrm flipV="1">
+            <a:off x="4516275" y="2345817"/>
+            <a:ext cx="176092" cy="182966"/>
+          </a:xfrm>
+          <a:prstGeom prst="ellipse">
+            <a:avLst/>
+          </a:prstGeom>
+          <a:solidFill>
+            <a:schemeClr val="tx1"/>
+          </a:solidFill>
+          <a:ln w="28575">
+            <a:noFill/>
+          </a:ln>
+        </p:spPr>
+        <p:style>
+          <a:lnRef idx="2">
+            <a:schemeClr val="accent1">
+              <a:shade val="50000"/>
+            </a:schemeClr>
+          </a:lnRef>
+          <a:fillRef idx="1">
+            <a:schemeClr val="accent1"/>
+          </a:fillRef>
+          <a:effectRef idx="0">
+            <a:schemeClr val="accent1"/>
+          </a:effectRef>
+          <a:fontRef idx="minor">
+            <a:schemeClr val="lt1"/>
+          </a:fontRef>
+        </p:style>
+        <p:txBody>
+          <a:bodyPr rtlCol="0" anchor="ctr"/>
+          <a:lstStyle/>
+          <a:p>
+            <a:pPr algn="ctr"/>
+            <a:endParaRPr kumimoji="1" lang="ja-JP" altLang="en-US"/>
+          </a:p>
+        </p:txBody>
+      </p:sp>
+      <p:cxnSp>
+        <p:nvCxnSpPr>
+          <p:cNvPr id="68" name="直線コネクタ 67">
+            <a:extLst>
+              <a:ext uri="{FF2B5EF4-FFF2-40B4-BE49-F238E27FC236}">
+                <a16:creationId xmlns:a16="http://schemas.microsoft.com/office/drawing/2014/main" id="{C82DCE18-E67E-4B93-A075-8351C29BC415}"/>
+              </a:ext>
+            </a:extLst>
+          </p:cNvPr>
+          <p:cNvCxnSpPr>
+            <a:cxnSpLocks/>
+            <a:endCxn id="57" idx="3"/>
+          </p:cNvCxnSpPr>
+          <p:nvPr/>
+        </p:nvCxnSpPr>
+        <p:spPr>
+          <a:xfrm flipH="1">
+            <a:off x="1327312" y="1189438"/>
+            <a:ext cx="15870" cy="4628689"/>
+          </a:xfrm>
+          <a:prstGeom prst="line">
+            <a:avLst/>
+          </a:prstGeom>
+          <a:ln w="57150">
+            <a:solidFill>
+              <a:schemeClr val="bg2">
+                <a:lumMod val="10000"/>
+              </a:schemeClr>
+            </a:solidFill>
+          </a:ln>
+        </p:spPr>
+        <p:style>
+          <a:lnRef idx="1">
+            <a:schemeClr val="accent1"/>
+          </a:lnRef>
+          <a:fillRef idx="0">
+            <a:schemeClr val="accent1"/>
+          </a:fillRef>
+          <a:effectRef idx="0">
+            <a:schemeClr val="accent1"/>
+          </a:effectRef>
+          <a:fontRef idx="minor">
+            <a:schemeClr val="tx1"/>
+          </a:fontRef>
+        </p:style>
+      </p:cxnSp>
+      <p:cxnSp>
+        <p:nvCxnSpPr>
+          <p:cNvPr id="71" name="直線コネクタ 70">
+            <a:extLst>
+              <a:ext uri="{FF2B5EF4-FFF2-40B4-BE49-F238E27FC236}">
+                <a16:creationId xmlns:a16="http://schemas.microsoft.com/office/drawing/2014/main" id="{E95F0CD3-03A7-4764-86E4-6CA0BEB378BF}"/>
+              </a:ext>
+            </a:extLst>
+          </p:cNvPr>
+          <p:cNvCxnSpPr>
+            <a:cxnSpLocks/>
+          </p:cNvCxnSpPr>
+          <p:nvPr/>
+        </p:nvCxnSpPr>
+        <p:spPr>
+          <a:xfrm>
+            <a:off x="2111281" y="3217501"/>
+            <a:ext cx="0" cy="2261538"/>
+          </a:xfrm>
+          <a:prstGeom prst="line">
+            <a:avLst/>
+          </a:prstGeom>
+          <a:ln w="57150">
+            <a:solidFill>
+              <a:schemeClr val="accent1">
+                <a:lumMod val="60000"/>
+                <a:lumOff val="40000"/>
+              </a:schemeClr>
+            </a:solidFill>
+          </a:ln>
+        </p:spPr>
+        <p:style>
+          <a:lnRef idx="1">
+            <a:schemeClr val="accent1"/>
+          </a:lnRef>
+          <a:fillRef idx="0">
+            <a:schemeClr val="accent1"/>
+          </a:fillRef>
+          <a:effectRef idx="0">
+            <a:schemeClr val="accent1"/>
+          </a:effectRef>
+          <a:fontRef idx="minor">
+            <a:schemeClr val="tx1"/>
+          </a:fontRef>
+        </p:style>
+      </p:cxnSp>
+      <p:cxnSp>
+        <p:nvCxnSpPr>
+          <p:cNvPr id="72" name="直線コネクタ 71">
+            <a:extLst>
+              <a:ext uri="{FF2B5EF4-FFF2-40B4-BE49-F238E27FC236}">
+                <a16:creationId xmlns:a16="http://schemas.microsoft.com/office/drawing/2014/main" id="{964AE56B-0194-41CD-B009-D3041517BCB4}"/>
+              </a:ext>
+            </a:extLst>
+          </p:cNvPr>
+          <p:cNvCxnSpPr>
+            <a:cxnSpLocks/>
+          </p:cNvCxnSpPr>
+          <p:nvPr/>
+        </p:nvCxnSpPr>
+        <p:spPr>
+          <a:xfrm flipV="1">
+            <a:off x="2098707" y="3248020"/>
+            <a:ext cx="2281497" cy="1"/>
+          </a:xfrm>
+          <a:prstGeom prst="line">
+            <a:avLst/>
+          </a:prstGeom>
+          <a:ln w="57150">
+            <a:solidFill>
+              <a:schemeClr val="bg2">
+                <a:lumMod val="10000"/>
+              </a:schemeClr>
+            </a:solidFill>
+          </a:ln>
+        </p:spPr>
+        <p:style>
+          <a:lnRef idx="1">
+            <a:schemeClr val="accent1"/>
+          </a:lnRef>
+          <a:fillRef idx="0">
+            <a:schemeClr val="accent1"/>
+          </a:fillRef>
+          <a:effectRef idx="0">
+            <a:schemeClr val="accent1"/>
+          </a:effectRef>
+          <a:fontRef idx="minor">
+            <a:schemeClr val="tx1"/>
+          </a:fontRef>
+        </p:style>
+      </p:cxnSp>
+      <p:cxnSp>
+        <p:nvCxnSpPr>
+          <p:cNvPr id="73" name="直線コネクタ 72">
+            <a:extLst>
+              <a:ext uri="{FF2B5EF4-FFF2-40B4-BE49-F238E27FC236}">
+                <a16:creationId xmlns:a16="http://schemas.microsoft.com/office/drawing/2014/main" id="{7B4E32A9-9789-4045-87FB-977D2F21D5A9}"/>
+              </a:ext>
+            </a:extLst>
+          </p:cNvPr>
+          <p:cNvCxnSpPr>
+            <a:cxnSpLocks/>
+          </p:cNvCxnSpPr>
+          <p:nvPr/>
+        </p:nvCxnSpPr>
+        <p:spPr>
+          <a:xfrm flipH="1" flipV="1">
+            <a:off x="4404625" y="3248020"/>
+            <a:ext cx="1" cy="2216526"/>
+          </a:xfrm>
+          <a:prstGeom prst="line">
+            <a:avLst/>
+          </a:prstGeom>
+          <a:ln w="57150">
+            <a:solidFill>
+              <a:schemeClr val="accent1">
+                <a:lumMod val="60000"/>
+                <a:lumOff val="40000"/>
+              </a:schemeClr>
+            </a:solidFill>
+          </a:ln>
+        </p:spPr>
+        <p:style>
+          <a:lnRef idx="1">
+            <a:schemeClr val="accent1"/>
+          </a:lnRef>
+          <a:fillRef idx="0">
+            <a:schemeClr val="accent1"/>
+          </a:fillRef>
+          <a:effectRef idx="0">
+            <a:schemeClr val="accent1"/>
+          </a:effectRef>
+          <a:fontRef idx="minor">
+            <a:schemeClr val="tx1"/>
+          </a:fontRef>
+        </p:style>
+      </p:cxnSp>
+      <p:cxnSp>
+        <p:nvCxnSpPr>
+          <p:cNvPr id="75" name="直線コネクタ 74">
+            <a:extLst>
+              <a:ext uri="{FF2B5EF4-FFF2-40B4-BE49-F238E27FC236}">
+                <a16:creationId xmlns:a16="http://schemas.microsoft.com/office/drawing/2014/main" id="{8EA2F334-AE35-4C7F-A14E-E3D110756FD0}"/>
+              </a:ext>
+            </a:extLst>
+          </p:cNvPr>
+          <p:cNvCxnSpPr>
+            <a:cxnSpLocks/>
+          </p:cNvCxnSpPr>
+          <p:nvPr/>
+        </p:nvCxnSpPr>
+        <p:spPr>
+          <a:xfrm flipV="1">
+            <a:off x="2100013" y="6243213"/>
+            <a:ext cx="309673" cy="30616"/>
+          </a:xfrm>
+          <a:prstGeom prst="line">
+            <a:avLst/>
+          </a:prstGeom>
+          <a:ln w="57150">
+            <a:solidFill>
+              <a:schemeClr val="bg2">
+                <a:lumMod val="10000"/>
+              </a:schemeClr>
+            </a:solidFill>
+          </a:ln>
+        </p:spPr>
+        <p:style>
+          <a:lnRef idx="1">
+            <a:schemeClr val="accent1"/>
+          </a:lnRef>
+          <a:fillRef idx="0">
+            <a:schemeClr val="accent1"/>
+          </a:fillRef>
+          <a:effectRef idx="0">
+            <a:schemeClr val="accent1"/>
+          </a:effectRef>
+          <a:fontRef idx="minor">
+            <a:schemeClr val="tx1"/>
+          </a:fontRef>
+        </p:style>
+      </p:cxnSp>
+      <p:cxnSp>
+        <p:nvCxnSpPr>
+          <p:cNvPr id="77" name="直線コネクタ 76">
+            <a:extLst>
+              <a:ext uri="{FF2B5EF4-FFF2-40B4-BE49-F238E27FC236}">
+                <a16:creationId xmlns:a16="http://schemas.microsoft.com/office/drawing/2014/main" id="{438736FF-76AC-4194-A4F8-A820ED9D43C4}"/>
+              </a:ext>
+            </a:extLst>
+          </p:cNvPr>
+          <p:cNvCxnSpPr>
+            <a:cxnSpLocks/>
+          </p:cNvCxnSpPr>
+          <p:nvPr/>
+        </p:nvCxnSpPr>
+        <p:spPr>
+          <a:xfrm flipV="1">
+            <a:off x="2430182" y="3721605"/>
+            <a:ext cx="1646725" cy="6431"/>
+          </a:xfrm>
+          <a:prstGeom prst="line">
+            <a:avLst/>
+          </a:prstGeom>
+          <a:ln w="57150">
+            <a:solidFill>
+              <a:srgbClr val="FF0000"/>
+            </a:solidFill>
+          </a:ln>
+        </p:spPr>
+        <p:style>
+          <a:lnRef idx="1">
+            <a:schemeClr val="accent1"/>
+          </a:lnRef>
+          <a:fillRef idx="0">
+            <a:schemeClr val="accent1"/>
+          </a:fillRef>
+          <a:effectRef idx="0">
+            <a:schemeClr val="accent1"/>
+          </a:effectRef>
+          <a:fontRef idx="minor">
+            <a:schemeClr val="tx1"/>
+          </a:fontRef>
+        </p:style>
+      </p:cxnSp>
+      <p:cxnSp>
+        <p:nvCxnSpPr>
+          <p:cNvPr id="78" name="直線コネクタ 77">
+            <a:extLst>
+              <a:ext uri="{FF2B5EF4-FFF2-40B4-BE49-F238E27FC236}">
+                <a16:creationId xmlns:a16="http://schemas.microsoft.com/office/drawing/2014/main" id="{72B0FDB3-115C-4EBA-8C33-A47884E476FB}"/>
+              </a:ext>
+            </a:extLst>
+          </p:cNvPr>
+          <p:cNvCxnSpPr>
+            <a:cxnSpLocks/>
+          </p:cNvCxnSpPr>
+          <p:nvPr/>
+        </p:nvCxnSpPr>
+        <p:spPr>
+          <a:xfrm flipH="1">
+            <a:off x="2409686" y="3710883"/>
+            <a:ext cx="22791" cy="2514007"/>
+          </a:xfrm>
+          <a:prstGeom prst="line">
+            <a:avLst/>
+          </a:prstGeom>
+          <a:ln w="57150">
+            <a:solidFill>
+              <a:srgbClr val="FF0000"/>
+            </a:solidFill>
+          </a:ln>
+        </p:spPr>
+        <p:style>
+          <a:lnRef idx="1">
+            <a:schemeClr val="accent1"/>
+          </a:lnRef>
+          <a:fillRef idx="0">
+            <a:schemeClr val="accent1"/>
+          </a:fillRef>
+          <a:effectRef idx="0">
+            <a:schemeClr val="accent1"/>
+          </a:effectRef>
+          <a:fontRef idx="minor">
+            <a:schemeClr val="tx1"/>
+          </a:fontRef>
+        </p:style>
+      </p:cxnSp>
+      <p:cxnSp>
+        <p:nvCxnSpPr>
+          <p:cNvPr id="79" name="直線コネクタ 78">
+            <a:extLst>
+              <a:ext uri="{FF2B5EF4-FFF2-40B4-BE49-F238E27FC236}">
+                <a16:creationId xmlns:a16="http://schemas.microsoft.com/office/drawing/2014/main" id="{ABD20D33-3A2C-452B-A50F-03CC5D5AFBEB}"/>
+              </a:ext>
+            </a:extLst>
+          </p:cNvPr>
+          <p:cNvCxnSpPr>
+            <a:cxnSpLocks/>
+          </p:cNvCxnSpPr>
+          <p:nvPr/>
+        </p:nvCxnSpPr>
+        <p:spPr>
+          <a:xfrm flipH="1">
+            <a:off x="4052737" y="3700666"/>
+            <a:ext cx="3193" cy="2667004"/>
+          </a:xfrm>
+          <a:prstGeom prst="line">
+            <a:avLst/>
+          </a:prstGeom>
+          <a:ln w="57150">
+            <a:solidFill>
+              <a:schemeClr val="bg2">
+                <a:lumMod val="10000"/>
+              </a:schemeClr>
+            </a:solidFill>
+          </a:ln>
+        </p:spPr>
+        <p:style>
+          <a:lnRef idx="1">
+            <a:schemeClr val="accent1"/>
+          </a:lnRef>
+          <a:fillRef idx="0">
+            <a:schemeClr val="accent1"/>
+          </a:fillRef>
+          <a:effectRef idx="0">
+            <a:schemeClr val="accent1"/>
+          </a:effectRef>
+          <a:fontRef idx="minor">
+            <a:schemeClr val="tx1"/>
+          </a:fontRef>
+        </p:style>
+      </p:cxnSp>
+      <p:cxnSp>
+        <p:nvCxnSpPr>
+          <p:cNvPr id="80" name="直線コネクタ 79">
+            <a:extLst>
+              <a:ext uri="{FF2B5EF4-FFF2-40B4-BE49-F238E27FC236}">
+                <a16:creationId xmlns:a16="http://schemas.microsoft.com/office/drawing/2014/main" id="{7BBFC855-C677-4351-9D56-AA4156259422}"/>
+              </a:ext>
+            </a:extLst>
+          </p:cNvPr>
+          <p:cNvCxnSpPr>
+            <a:cxnSpLocks/>
+          </p:cNvCxnSpPr>
+          <p:nvPr/>
+        </p:nvCxnSpPr>
+        <p:spPr>
+          <a:xfrm>
+            <a:off x="4034688" y="6359375"/>
+            <a:ext cx="298922" cy="14917"/>
+          </a:xfrm>
+          <a:prstGeom prst="line">
+            <a:avLst/>
+          </a:prstGeom>
+          <a:ln w="57150">
+            <a:solidFill>
+              <a:schemeClr val="bg2">
+                <a:lumMod val="10000"/>
+              </a:schemeClr>
+            </a:solidFill>
+          </a:ln>
+        </p:spPr>
+        <p:style>
+          <a:lnRef idx="1">
+            <a:schemeClr val="accent1"/>
+          </a:lnRef>
+          <a:fillRef idx="0">
+            <a:schemeClr val="accent1"/>
+          </a:fillRef>
+          <a:effectRef idx="0">
+            <a:schemeClr val="accent1"/>
+          </a:effectRef>
+          <a:fontRef idx="minor">
+            <a:schemeClr val="tx1"/>
+          </a:fontRef>
+        </p:style>
+      </p:cxnSp>
+      <p:cxnSp>
+        <p:nvCxnSpPr>
+          <p:cNvPr id="81" name="直線コネクタ 80">
+            <a:extLst>
+              <a:ext uri="{FF2B5EF4-FFF2-40B4-BE49-F238E27FC236}">
+                <a16:creationId xmlns:a16="http://schemas.microsoft.com/office/drawing/2014/main" id="{8F24629C-B294-4103-8002-B641D18F016D}"/>
+              </a:ext>
+            </a:extLst>
+          </p:cNvPr>
+          <p:cNvCxnSpPr>
+            <a:cxnSpLocks/>
+          </p:cNvCxnSpPr>
+          <p:nvPr/>
+        </p:nvCxnSpPr>
+        <p:spPr>
+          <a:xfrm flipV="1">
+            <a:off x="5332013" y="3259532"/>
+            <a:ext cx="2094422" cy="1"/>
+          </a:xfrm>
+          <a:prstGeom prst="line">
+            <a:avLst/>
+          </a:prstGeom>
+          <a:ln w="57150">
+            <a:solidFill>
+              <a:schemeClr val="accent1">
+                <a:lumMod val="60000"/>
+                <a:lumOff val="40000"/>
+              </a:schemeClr>
+            </a:solidFill>
+          </a:ln>
+        </p:spPr>
+        <p:style>
+          <a:lnRef idx="1">
+            <a:schemeClr val="accent1"/>
+          </a:lnRef>
+          <a:fillRef idx="0">
+            <a:schemeClr val="accent1"/>
+          </a:fillRef>
+          <a:effectRef idx="0">
+            <a:schemeClr val="accent1"/>
+          </a:effectRef>
+          <a:fontRef idx="minor">
+            <a:schemeClr val="tx1"/>
+          </a:fontRef>
+        </p:style>
+      </p:cxnSp>
+      <p:cxnSp>
+        <p:nvCxnSpPr>
+          <p:cNvPr id="82" name="直線コネクタ 81">
+            <a:extLst>
+              <a:ext uri="{FF2B5EF4-FFF2-40B4-BE49-F238E27FC236}">
+                <a16:creationId xmlns:a16="http://schemas.microsoft.com/office/drawing/2014/main" id="{E9875BB4-21D1-4E54-BFD8-8F1E6CB02D9A}"/>
+              </a:ext>
+            </a:extLst>
+          </p:cNvPr>
+          <p:cNvCxnSpPr>
+            <a:cxnSpLocks/>
+            <a:stCxn id="51" idx="3"/>
+          </p:cNvCxnSpPr>
+          <p:nvPr/>
+        </p:nvCxnSpPr>
+        <p:spPr>
+          <a:xfrm flipV="1">
+            <a:off x="5327481" y="3248020"/>
+            <a:ext cx="6369" cy="2250046"/>
+          </a:xfrm>
+          <a:prstGeom prst="line">
+            <a:avLst/>
+          </a:prstGeom>
+          <a:ln w="57150">
+            <a:solidFill>
+              <a:schemeClr val="accent1">
+                <a:lumMod val="60000"/>
+                <a:lumOff val="40000"/>
+              </a:schemeClr>
+            </a:solidFill>
+          </a:ln>
+        </p:spPr>
+        <p:style>
+          <a:lnRef idx="1">
+            <a:schemeClr val="accent1"/>
+          </a:lnRef>
+          <a:fillRef idx="0">
+            <a:schemeClr val="accent1"/>
+          </a:fillRef>
+          <a:effectRef idx="0">
+            <a:schemeClr val="accent1"/>
+          </a:effectRef>
+          <a:fontRef idx="minor">
+            <a:schemeClr val="tx1"/>
+          </a:fontRef>
+        </p:style>
+      </p:cxnSp>
+      <p:cxnSp>
+        <p:nvCxnSpPr>
+          <p:cNvPr id="83" name="直線コネクタ 82">
+            <a:extLst>
+              <a:ext uri="{FF2B5EF4-FFF2-40B4-BE49-F238E27FC236}">
+                <a16:creationId xmlns:a16="http://schemas.microsoft.com/office/drawing/2014/main" id="{6F4158CD-4B31-4D35-982E-231754026017}"/>
+              </a:ext>
+            </a:extLst>
+          </p:cNvPr>
+          <p:cNvCxnSpPr>
+            <a:cxnSpLocks/>
+          </p:cNvCxnSpPr>
+          <p:nvPr/>
+        </p:nvCxnSpPr>
+        <p:spPr>
+          <a:xfrm flipH="1" flipV="1">
+            <a:off x="7426435" y="3264780"/>
+            <a:ext cx="1" cy="2216526"/>
+          </a:xfrm>
+          <a:prstGeom prst="line">
+            <a:avLst/>
+          </a:prstGeom>
+          <a:ln w="57150">
+            <a:solidFill>
+              <a:schemeClr val="accent1">
+                <a:lumMod val="60000"/>
+                <a:lumOff val="40000"/>
+              </a:schemeClr>
+            </a:solidFill>
+          </a:ln>
+        </p:spPr>
+        <p:style>
+          <a:lnRef idx="1">
+            <a:schemeClr val="accent1"/>
+          </a:lnRef>
+          <a:fillRef idx="0">
+            <a:schemeClr val="accent1"/>
+          </a:fillRef>
+          <a:effectRef idx="0">
+            <a:schemeClr val="accent1"/>
+          </a:effectRef>
+          <a:fontRef idx="minor">
+            <a:schemeClr val="tx1"/>
+          </a:fontRef>
+        </p:style>
+      </p:cxnSp>
+      <p:cxnSp>
+        <p:nvCxnSpPr>
+          <p:cNvPr id="84" name="直線コネクタ 83">
+            <a:extLst>
+              <a:ext uri="{FF2B5EF4-FFF2-40B4-BE49-F238E27FC236}">
+                <a16:creationId xmlns:a16="http://schemas.microsoft.com/office/drawing/2014/main" id="{E31E23AB-0ACF-480D-8EFB-A62CD1195D41}"/>
+              </a:ext>
+            </a:extLst>
+          </p:cNvPr>
+          <p:cNvCxnSpPr>
+            <a:cxnSpLocks/>
+          </p:cNvCxnSpPr>
+          <p:nvPr/>
+        </p:nvCxnSpPr>
+        <p:spPr>
+          <a:xfrm flipV="1">
+            <a:off x="5739077" y="3601601"/>
+            <a:ext cx="15812" cy="2724757"/>
+          </a:xfrm>
+          <a:prstGeom prst="line">
+            <a:avLst/>
+          </a:prstGeom>
+          <a:ln w="57150">
+            <a:solidFill>
+              <a:schemeClr val="bg2">
+                <a:lumMod val="10000"/>
+              </a:schemeClr>
+            </a:solidFill>
+          </a:ln>
+        </p:spPr>
+        <p:style>
+          <a:lnRef idx="1">
+            <a:schemeClr val="accent1"/>
+          </a:lnRef>
+          <a:fillRef idx="0">
+            <a:schemeClr val="accent1"/>
+          </a:fillRef>
+          <a:effectRef idx="0">
+            <a:schemeClr val="accent1"/>
+          </a:effectRef>
+          <a:fontRef idx="minor">
+            <a:schemeClr val="tx1"/>
+          </a:fontRef>
+        </p:style>
+      </p:cxnSp>
+      <p:cxnSp>
+        <p:nvCxnSpPr>
+          <p:cNvPr id="85" name="直線コネクタ 84">
+            <a:extLst>
+              <a:ext uri="{FF2B5EF4-FFF2-40B4-BE49-F238E27FC236}">
+                <a16:creationId xmlns:a16="http://schemas.microsoft.com/office/drawing/2014/main" id="{607C55D6-F4B5-40CC-BD04-A2B9B2878AF8}"/>
+              </a:ext>
+            </a:extLst>
+          </p:cNvPr>
+          <p:cNvCxnSpPr>
+            <a:cxnSpLocks/>
+          </p:cNvCxnSpPr>
+          <p:nvPr/>
+        </p:nvCxnSpPr>
+        <p:spPr>
+          <a:xfrm flipV="1">
+            <a:off x="7005295" y="3636354"/>
+            <a:ext cx="7906" cy="2760193"/>
+          </a:xfrm>
+          <a:prstGeom prst="line">
+            <a:avLst/>
+          </a:prstGeom>
+          <a:ln w="57150">
+            <a:solidFill>
+              <a:srgbClr val="FF0000"/>
+            </a:solidFill>
+          </a:ln>
+        </p:spPr>
+        <p:style>
+          <a:lnRef idx="1">
+            <a:schemeClr val="accent1"/>
+          </a:lnRef>
+          <a:fillRef idx="0">
+            <a:schemeClr val="accent1"/>
+          </a:fillRef>
+          <a:effectRef idx="0">
+            <a:schemeClr val="accent1"/>
+          </a:effectRef>
+          <a:fontRef idx="minor">
+            <a:schemeClr val="tx1"/>
+          </a:fontRef>
+        </p:style>
+      </p:cxnSp>
+      <p:cxnSp>
+        <p:nvCxnSpPr>
+          <p:cNvPr id="86" name="直線コネクタ 85">
+            <a:extLst>
+              <a:ext uri="{FF2B5EF4-FFF2-40B4-BE49-F238E27FC236}">
+                <a16:creationId xmlns:a16="http://schemas.microsoft.com/office/drawing/2014/main" id="{0C1B2CC8-0658-473C-B681-9167936B7E76}"/>
+              </a:ext>
+            </a:extLst>
+          </p:cNvPr>
+          <p:cNvCxnSpPr>
+            <a:cxnSpLocks/>
+          </p:cNvCxnSpPr>
+          <p:nvPr/>
+        </p:nvCxnSpPr>
+        <p:spPr>
+          <a:xfrm>
+            <a:off x="5753260" y="3618977"/>
+            <a:ext cx="1252035" cy="0"/>
+          </a:xfrm>
+          <a:prstGeom prst="line">
+            <a:avLst/>
+          </a:prstGeom>
+          <a:ln w="57150">
+            <a:solidFill>
+              <a:srgbClr val="FF0000"/>
+            </a:solidFill>
+          </a:ln>
+        </p:spPr>
+        <p:style>
+          <a:lnRef idx="1">
+            <a:schemeClr val="accent1"/>
+          </a:lnRef>
+          <a:fillRef idx="0">
+            <a:schemeClr val="accent1"/>
+          </a:fillRef>
+          <a:effectRef idx="0">
+            <a:schemeClr val="accent1"/>
+          </a:effectRef>
+          <a:fontRef idx="minor">
+            <a:schemeClr val="tx1"/>
+          </a:fontRef>
+        </p:style>
+      </p:cxnSp>
+      <p:cxnSp>
+        <p:nvCxnSpPr>
+          <p:cNvPr id="87" name="直線コネクタ 86">
+            <a:extLst>
+              <a:ext uri="{FF2B5EF4-FFF2-40B4-BE49-F238E27FC236}">
+                <a16:creationId xmlns:a16="http://schemas.microsoft.com/office/drawing/2014/main" id="{32443AEB-30C6-4389-BDB3-443901F77B33}"/>
+              </a:ext>
+            </a:extLst>
+          </p:cNvPr>
+          <p:cNvCxnSpPr>
+            <a:cxnSpLocks/>
+          </p:cNvCxnSpPr>
+          <p:nvPr/>
+        </p:nvCxnSpPr>
+        <p:spPr>
+          <a:xfrm flipV="1">
+            <a:off x="5434729" y="6316373"/>
+            <a:ext cx="304348" cy="57919"/>
+          </a:xfrm>
+          <a:prstGeom prst="line">
+            <a:avLst/>
+          </a:prstGeom>
+          <a:ln w="57150">
+            <a:solidFill>
+              <a:schemeClr val="bg2">
+                <a:lumMod val="10000"/>
+              </a:schemeClr>
+            </a:solidFill>
+          </a:ln>
+        </p:spPr>
+        <p:style>
+          <a:lnRef idx="1">
+            <a:schemeClr val="accent1"/>
+          </a:lnRef>
+          <a:fillRef idx="0">
+            <a:schemeClr val="accent1"/>
+          </a:fillRef>
+          <a:effectRef idx="0">
+            <a:schemeClr val="accent1"/>
+          </a:effectRef>
+          <a:fontRef idx="minor">
+            <a:schemeClr val="tx1"/>
+          </a:fontRef>
+        </p:style>
+      </p:cxnSp>
+      <p:cxnSp>
+        <p:nvCxnSpPr>
+          <p:cNvPr id="88" name="直線コネクタ 87">
+            <a:extLst>
+              <a:ext uri="{FF2B5EF4-FFF2-40B4-BE49-F238E27FC236}">
+                <a16:creationId xmlns:a16="http://schemas.microsoft.com/office/drawing/2014/main" id="{BDF0B4CA-1B55-47E8-8C9E-6C6E792B00E0}"/>
+              </a:ext>
+            </a:extLst>
+          </p:cNvPr>
+          <p:cNvCxnSpPr>
+            <a:cxnSpLocks/>
+          </p:cNvCxnSpPr>
+          <p:nvPr/>
+        </p:nvCxnSpPr>
+        <p:spPr>
+          <a:xfrm>
+            <a:off x="6991192" y="6358915"/>
+            <a:ext cx="379823" cy="0"/>
+          </a:xfrm>
+          <a:prstGeom prst="line">
+            <a:avLst/>
+          </a:prstGeom>
+          <a:ln w="57150">
+            <a:solidFill>
+              <a:srgbClr val="FF0000"/>
+            </a:solidFill>
+          </a:ln>
+        </p:spPr>
+        <p:style>
+          <a:lnRef idx="1">
+            <a:schemeClr val="accent1"/>
+          </a:lnRef>
+          <a:fillRef idx="0">
+            <a:schemeClr val="accent1"/>
+          </a:fillRef>
+          <a:effectRef idx="0">
+            <a:schemeClr val="accent1"/>
+          </a:effectRef>
+          <a:fontRef idx="minor">
+            <a:schemeClr val="tx1"/>
+          </a:fontRef>
+        </p:style>
+      </p:cxnSp>
+      <p:sp>
+        <p:nvSpPr>
+          <p:cNvPr id="90" name="楕円 89">
+            <a:extLst>
+              <a:ext uri="{FF2B5EF4-FFF2-40B4-BE49-F238E27FC236}">
+                <a16:creationId xmlns:a16="http://schemas.microsoft.com/office/drawing/2014/main" id="{D0C264CE-6252-4EC4-A590-32D557305714}"/>
+              </a:ext>
+            </a:extLst>
+          </p:cNvPr>
+          <p:cNvSpPr/>
+          <p:nvPr/>
+        </p:nvSpPr>
+        <p:spPr>
+          <a:xfrm flipV="1">
+            <a:off x="5260432" y="3168101"/>
+            <a:ext cx="176092" cy="182966"/>
+          </a:xfrm>
+          <a:prstGeom prst="ellipse">
+            <a:avLst/>
+          </a:prstGeom>
+          <a:solidFill>
+            <a:schemeClr val="tx1"/>
+          </a:solidFill>
+          <a:ln w="28575">
+            <a:noFill/>
+          </a:ln>
+        </p:spPr>
+        <p:style>
+          <a:lnRef idx="2">
+            <a:schemeClr val="accent1">
+              <a:shade val="50000"/>
+            </a:schemeClr>
+          </a:lnRef>
+          <a:fillRef idx="1">
+            <a:schemeClr val="accent1"/>
+          </a:fillRef>
+          <a:effectRef idx="0">
+            <a:schemeClr val="accent1"/>
+          </a:effectRef>
+          <a:fontRef idx="minor">
+            <a:schemeClr val="lt1"/>
+          </a:fontRef>
+        </p:style>
+        <p:txBody>
+          <a:bodyPr rtlCol="0" anchor="ctr"/>
+          <a:lstStyle/>
+          <a:p>
+            <a:pPr algn="ctr"/>
+            <a:endParaRPr kumimoji="1" lang="ja-JP" altLang="en-US"/>
+          </a:p>
+        </p:txBody>
+      </p:sp>
+      <p:sp>
+        <p:nvSpPr>
+          <p:cNvPr id="91" name="楕円 90">
+            <a:extLst>
+              <a:ext uri="{FF2B5EF4-FFF2-40B4-BE49-F238E27FC236}">
+                <a16:creationId xmlns:a16="http://schemas.microsoft.com/office/drawing/2014/main" id="{B6AFE238-77EF-42AA-865D-E3D9CB2D0653}"/>
+              </a:ext>
+            </a:extLst>
+          </p:cNvPr>
+          <p:cNvSpPr/>
+          <p:nvPr/>
+        </p:nvSpPr>
+        <p:spPr>
+          <a:xfrm flipV="1">
+            <a:off x="5666843" y="3554797"/>
+            <a:ext cx="176092" cy="182966"/>
+          </a:xfrm>
+          <a:prstGeom prst="ellipse">
+            <a:avLst/>
+          </a:prstGeom>
+          <a:solidFill>
+            <a:schemeClr val="tx1"/>
+          </a:solidFill>
+          <a:ln w="28575">
+            <a:noFill/>
+          </a:ln>
+        </p:spPr>
+        <p:style>
+          <a:lnRef idx="2">
+            <a:schemeClr val="accent1">
+              <a:shade val="50000"/>
+            </a:schemeClr>
+          </a:lnRef>
+          <a:fillRef idx="1">
+            <a:schemeClr val="accent1"/>
+          </a:fillRef>
+          <a:effectRef idx="0">
+            <a:schemeClr val="accent1"/>
+          </a:effectRef>
+          <a:fontRef idx="minor">
+            <a:schemeClr val="lt1"/>
+          </a:fontRef>
+        </p:style>
+        <p:txBody>
+          <a:bodyPr rtlCol="0" anchor="ctr"/>
+          <a:lstStyle/>
+          <a:p>
+            <a:pPr algn="ctr"/>
+            <a:endParaRPr kumimoji="1" lang="ja-JP" altLang="en-US"/>
+          </a:p>
+        </p:txBody>
+      </p:sp>
+      <p:sp>
+        <p:nvSpPr>
+          <p:cNvPr id="92" name="楕円 91">
+            <a:extLst>
+              <a:ext uri="{FF2B5EF4-FFF2-40B4-BE49-F238E27FC236}">
+                <a16:creationId xmlns:a16="http://schemas.microsoft.com/office/drawing/2014/main" id="{EE7A284B-C6D6-4829-B257-4BD37A69C9AE}"/>
+              </a:ext>
+            </a:extLst>
+          </p:cNvPr>
+          <p:cNvSpPr/>
+          <p:nvPr/>
+        </p:nvSpPr>
+        <p:spPr>
+          <a:xfrm flipV="1">
+            <a:off x="4307127" y="3157544"/>
+            <a:ext cx="176092" cy="182966"/>
+          </a:xfrm>
+          <a:prstGeom prst="ellipse">
+            <a:avLst/>
+          </a:prstGeom>
+          <a:solidFill>
+            <a:schemeClr val="tx1"/>
+          </a:solidFill>
+          <a:ln w="28575">
+            <a:noFill/>
+          </a:ln>
+        </p:spPr>
+        <p:style>
+          <a:lnRef idx="2">
+            <a:schemeClr val="accent1">
+              <a:shade val="50000"/>
+            </a:schemeClr>
+          </a:lnRef>
+          <a:fillRef idx="1">
+            <a:schemeClr val="accent1"/>
+          </a:fillRef>
+          <a:effectRef idx="0">
+            <a:schemeClr val="accent1"/>
+          </a:effectRef>
+          <a:fontRef idx="minor">
+            <a:schemeClr val="lt1"/>
+          </a:fontRef>
+        </p:style>
+        <p:txBody>
+          <a:bodyPr rtlCol="0" anchor="ctr"/>
+          <a:lstStyle/>
+          <a:p>
+            <a:pPr algn="ctr"/>
+            <a:endParaRPr kumimoji="1" lang="ja-JP" altLang="en-US"/>
+          </a:p>
+        </p:txBody>
+      </p:sp>
+      <p:sp>
+        <p:nvSpPr>
+          <p:cNvPr id="93" name="楕円 92">
+            <a:extLst>
+              <a:ext uri="{FF2B5EF4-FFF2-40B4-BE49-F238E27FC236}">
+                <a16:creationId xmlns:a16="http://schemas.microsoft.com/office/drawing/2014/main" id="{8E89A5EC-6E2D-42DC-AF63-A8F2299CA2C1}"/>
+              </a:ext>
+            </a:extLst>
+          </p:cNvPr>
+          <p:cNvSpPr/>
+          <p:nvPr/>
+        </p:nvSpPr>
+        <p:spPr>
+          <a:xfrm flipV="1">
+            <a:off x="3941150" y="3636553"/>
+            <a:ext cx="176092" cy="182966"/>
+          </a:xfrm>
+          <a:prstGeom prst="ellipse">
+            <a:avLst/>
+          </a:prstGeom>
+          <a:solidFill>
+            <a:schemeClr val="tx1"/>
+          </a:solidFill>
+          <a:ln w="28575">
+            <a:noFill/>
+          </a:ln>
+        </p:spPr>
+        <p:style>
+          <a:lnRef idx="2">
+            <a:schemeClr val="accent1">
+              <a:shade val="50000"/>
+            </a:schemeClr>
+          </a:lnRef>
+          <a:fillRef idx="1">
+            <a:schemeClr val="accent1"/>
+          </a:fillRef>
+          <a:effectRef idx="0">
+            <a:schemeClr val="accent1"/>
+          </a:effectRef>
+          <a:fontRef idx="minor">
+            <a:schemeClr val="lt1"/>
+          </a:fontRef>
+        </p:style>
+        <p:txBody>
+          <a:bodyPr rtlCol="0" anchor="ctr"/>
+          <a:lstStyle/>
+          <a:p>
+            <a:pPr algn="ctr"/>
+            <a:endParaRPr kumimoji="1" lang="ja-JP" altLang="en-US"/>
+          </a:p>
+        </p:txBody>
+      </p:sp>
+      <p:sp>
+        <p:nvSpPr>
+          <p:cNvPr id="94" name="楕円 93">
+            <a:extLst>
+              <a:ext uri="{FF2B5EF4-FFF2-40B4-BE49-F238E27FC236}">
+                <a16:creationId xmlns:a16="http://schemas.microsoft.com/office/drawing/2014/main" id="{E031DF84-3212-4C4D-9090-01E15753E814}"/>
+              </a:ext>
+            </a:extLst>
+          </p:cNvPr>
+          <p:cNvSpPr/>
+          <p:nvPr/>
+        </p:nvSpPr>
+        <p:spPr>
+          <a:xfrm flipV="1">
+            <a:off x="2035910" y="3177828"/>
+            <a:ext cx="176092" cy="182966"/>
+          </a:xfrm>
+          <a:prstGeom prst="ellipse">
+            <a:avLst/>
+          </a:prstGeom>
+          <a:solidFill>
+            <a:schemeClr val="tx1"/>
+          </a:solidFill>
+          <a:ln w="28575">
+            <a:noFill/>
+          </a:ln>
+        </p:spPr>
+        <p:style>
+          <a:lnRef idx="2">
+            <a:schemeClr val="accent1">
+              <a:shade val="50000"/>
+            </a:schemeClr>
+          </a:lnRef>
+          <a:fillRef idx="1">
+            <a:schemeClr val="accent1"/>
+          </a:fillRef>
+          <a:effectRef idx="0">
+            <a:schemeClr val="accent1"/>
+          </a:effectRef>
+          <a:fontRef idx="minor">
+            <a:schemeClr val="lt1"/>
+          </a:fontRef>
+        </p:style>
+        <p:txBody>
+          <a:bodyPr rtlCol="0" anchor="ctr"/>
+          <a:lstStyle/>
+          <a:p>
+            <a:pPr algn="ctr"/>
+            <a:endParaRPr kumimoji="1" lang="ja-JP" altLang="en-US"/>
+          </a:p>
+        </p:txBody>
+      </p:sp>
+      <p:sp>
+        <p:nvSpPr>
+          <p:cNvPr id="95" name="楕円 94">
+            <a:extLst>
+              <a:ext uri="{FF2B5EF4-FFF2-40B4-BE49-F238E27FC236}">
+                <a16:creationId xmlns:a16="http://schemas.microsoft.com/office/drawing/2014/main" id="{5050A814-448E-47DD-BFB5-4B07083BD999}"/>
+              </a:ext>
+            </a:extLst>
+          </p:cNvPr>
+          <p:cNvSpPr/>
+          <p:nvPr/>
+        </p:nvSpPr>
+        <p:spPr>
+          <a:xfrm flipV="1">
+            <a:off x="2371463" y="3639485"/>
+            <a:ext cx="176092" cy="182966"/>
+          </a:xfrm>
+          <a:prstGeom prst="ellipse">
+            <a:avLst/>
+          </a:prstGeom>
+          <a:solidFill>
+            <a:schemeClr val="tx1"/>
+          </a:solidFill>
+          <a:ln w="28575">
+            <a:noFill/>
+          </a:ln>
+        </p:spPr>
+        <p:style>
+          <a:lnRef idx="2">
+            <a:schemeClr val="accent1">
+              <a:shade val="50000"/>
+            </a:schemeClr>
+          </a:lnRef>
+          <a:fillRef idx="1">
+            <a:schemeClr val="accent1"/>
+          </a:fillRef>
+          <a:effectRef idx="0">
+            <a:schemeClr val="accent1"/>
+          </a:effectRef>
+          <a:fontRef idx="minor">
+            <a:schemeClr val="lt1"/>
+          </a:fontRef>
+        </p:style>
+        <p:txBody>
+          <a:bodyPr rtlCol="0" anchor="ctr"/>
+          <a:lstStyle/>
+          <a:p>
+            <a:pPr algn="ctr"/>
+            <a:endParaRPr kumimoji="1" lang="ja-JP" altLang="en-US"/>
+          </a:p>
+        </p:txBody>
+      </p:sp>
+      <p:sp>
+        <p:nvSpPr>
+          <p:cNvPr id="96" name="テキスト ボックス 95">
+            <a:extLst>
+              <a:ext uri="{FF2B5EF4-FFF2-40B4-BE49-F238E27FC236}">
+                <a16:creationId xmlns:a16="http://schemas.microsoft.com/office/drawing/2014/main" id="{B7F9BD6F-4BF4-4DBE-8E3B-13C4FBD11A98}"/>
+              </a:ext>
+            </a:extLst>
+          </p:cNvPr>
+          <p:cNvSpPr txBox="1"/>
+          <p:nvPr/>
+        </p:nvSpPr>
+        <p:spPr>
+          <a:xfrm>
+            <a:off x="5309852" y="566982"/>
+            <a:ext cx="570990" cy="461665"/>
+          </a:xfrm>
+          <a:prstGeom prst="rect">
+            <a:avLst/>
+          </a:prstGeom>
+          <a:noFill/>
+        </p:spPr>
+        <p:txBody>
+          <a:bodyPr wrap="none" rtlCol="0">
+            <a:spAutoFit/>
+          </a:bodyPr>
+          <a:lstStyle/>
+          <a:p>
+            <a:r>
+              <a:rPr kumimoji="1" lang="ja-JP" altLang="en-US" sz="2400" b="1" dirty="0">
+                <a:latin typeface="Georgia" panose="02040502050405020303" pitchFamily="18" charset="0"/>
+              </a:rPr>
+              <a:t>イ </a:t>
+            </a:r>
+          </a:p>
+        </p:txBody>
+      </p:sp>
+      <p:sp>
+        <p:nvSpPr>
+          <p:cNvPr id="97" name="テキスト ボックス 96">
+            <a:extLst>
+              <a:ext uri="{FF2B5EF4-FFF2-40B4-BE49-F238E27FC236}">
+                <a16:creationId xmlns:a16="http://schemas.microsoft.com/office/drawing/2014/main" id="{214B47CA-4484-4FA1-AC3B-ED7C2A036186}"/>
+              </a:ext>
+            </a:extLst>
+          </p:cNvPr>
+          <p:cNvSpPr txBox="1"/>
+          <p:nvPr/>
+        </p:nvSpPr>
+        <p:spPr>
+          <a:xfrm>
+            <a:off x="8574991" y="660596"/>
+            <a:ext cx="570990" cy="461665"/>
+          </a:xfrm>
+          <a:prstGeom prst="rect">
+            <a:avLst/>
+          </a:prstGeom>
+          <a:noFill/>
+        </p:spPr>
+        <p:txBody>
+          <a:bodyPr wrap="none" rtlCol="0">
+            <a:spAutoFit/>
+          </a:bodyPr>
+          <a:lstStyle/>
+          <a:p>
+            <a:r>
+              <a:rPr kumimoji="1" lang="ja-JP" altLang="en-US" sz="2400" b="1" dirty="0">
+                <a:latin typeface="Georgia" panose="02040502050405020303" pitchFamily="18" charset="0"/>
+              </a:rPr>
+              <a:t>イ </a:t>
+            </a:r>
+          </a:p>
+        </p:txBody>
+      </p:sp>
+      <p:cxnSp>
+        <p:nvCxnSpPr>
+          <p:cNvPr id="76" name="直線コネクタ 75">
+            <a:extLst>
+              <a:ext uri="{FF2B5EF4-FFF2-40B4-BE49-F238E27FC236}">
+                <a16:creationId xmlns:a16="http://schemas.microsoft.com/office/drawing/2014/main" id="{50556CB6-2A95-4B12-9388-6DBA573A86AC}"/>
+              </a:ext>
+            </a:extLst>
+          </p:cNvPr>
+          <p:cNvCxnSpPr>
+            <a:cxnSpLocks/>
+          </p:cNvCxnSpPr>
+          <p:nvPr/>
+        </p:nvCxnSpPr>
+        <p:spPr>
+          <a:xfrm flipH="1" flipV="1">
+            <a:off x="8194070" y="3007151"/>
+            <a:ext cx="35328" cy="2863155"/>
+          </a:xfrm>
+          <a:prstGeom prst="line">
+            <a:avLst/>
+          </a:prstGeom>
+          <a:ln w="57150">
+            <a:solidFill>
+              <a:schemeClr val="bg2">
+                <a:lumMod val="10000"/>
+              </a:schemeClr>
+            </a:solidFill>
+          </a:ln>
+        </p:spPr>
+        <p:style>
+          <a:lnRef idx="1">
+            <a:schemeClr val="accent1"/>
+          </a:lnRef>
+          <a:fillRef idx="0">
+            <a:schemeClr val="accent1"/>
+          </a:fillRef>
+          <a:effectRef idx="0">
+            <a:schemeClr val="accent1"/>
+          </a:effectRef>
+          <a:fontRef idx="minor">
+            <a:schemeClr val="tx1"/>
+          </a:fontRef>
+        </p:style>
+      </p:cxnSp>
+      <p:cxnSp>
+        <p:nvCxnSpPr>
+          <p:cNvPr id="98" name="直線コネクタ 97">
+            <a:extLst>
+              <a:ext uri="{FF2B5EF4-FFF2-40B4-BE49-F238E27FC236}">
+                <a16:creationId xmlns:a16="http://schemas.microsoft.com/office/drawing/2014/main" id="{D086DB3C-57B5-4ECF-AB9E-CF27F477E120}"/>
+              </a:ext>
+            </a:extLst>
+          </p:cNvPr>
+          <p:cNvCxnSpPr>
+            <a:cxnSpLocks/>
+          </p:cNvCxnSpPr>
+          <p:nvPr/>
+        </p:nvCxnSpPr>
+        <p:spPr>
+          <a:xfrm>
+            <a:off x="5068041" y="2998137"/>
+            <a:ext cx="3126029" cy="35269"/>
+          </a:xfrm>
+          <a:prstGeom prst="line">
+            <a:avLst/>
+          </a:prstGeom>
+          <a:ln w="57150">
+            <a:solidFill>
+              <a:schemeClr val="bg2">
+                <a:lumMod val="10000"/>
+              </a:schemeClr>
+            </a:solidFill>
+          </a:ln>
+        </p:spPr>
+        <p:style>
+          <a:lnRef idx="1">
+            <a:schemeClr val="accent1"/>
+          </a:lnRef>
+          <a:fillRef idx="0">
+            <a:schemeClr val="accent1"/>
+          </a:fillRef>
+          <a:effectRef idx="0">
+            <a:schemeClr val="accent1"/>
+          </a:effectRef>
+          <a:fontRef idx="minor">
+            <a:schemeClr val="tx1"/>
+          </a:fontRef>
+        </p:style>
+      </p:cxnSp>
+      <p:cxnSp>
+        <p:nvCxnSpPr>
+          <p:cNvPr id="99" name="直線コネクタ 98">
+            <a:extLst>
+              <a:ext uri="{FF2B5EF4-FFF2-40B4-BE49-F238E27FC236}">
+                <a16:creationId xmlns:a16="http://schemas.microsoft.com/office/drawing/2014/main" id="{13FCAFEC-5DD4-42BA-9527-CE0E8FFE7A09}"/>
+              </a:ext>
+            </a:extLst>
+          </p:cNvPr>
+          <p:cNvCxnSpPr>
+            <a:cxnSpLocks/>
+          </p:cNvCxnSpPr>
+          <p:nvPr/>
+        </p:nvCxnSpPr>
+        <p:spPr>
+          <a:xfrm flipH="1" flipV="1">
+            <a:off x="5103544" y="1198560"/>
+            <a:ext cx="20589" cy="1808591"/>
+          </a:xfrm>
+          <a:prstGeom prst="line">
+            <a:avLst/>
+          </a:prstGeom>
+          <a:ln w="57150">
+            <a:solidFill>
+              <a:schemeClr val="bg2">
+                <a:lumMod val="10000"/>
+              </a:schemeClr>
+            </a:solidFill>
+          </a:ln>
+        </p:spPr>
+        <p:style>
+          <a:lnRef idx="1">
+            <a:schemeClr val="accent1"/>
+          </a:lnRef>
+          <a:fillRef idx="0">
+            <a:schemeClr val="accent1"/>
+          </a:fillRef>
+          <a:effectRef idx="0">
+            <a:schemeClr val="accent1"/>
+          </a:effectRef>
+          <a:fontRef idx="minor">
+            <a:schemeClr val="tx1"/>
+          </a:fontRef>
+        </p:style>
+      </p:cxnSp>
+      <p:cxnSp>
+        <p:nvCxnSpPr>
+          <p:cNvPr id="100" name="直線コネクタ 99">
+            <a:extLst>
+              <a:ext uri="{FF2B5EF4-FFF2-40B4-BE49-F238E27FC236}">
+                <a16:creationId xmlns:a16="http://schemas.microsoft.com/office/drawing/2014/main" id="{F021A824-4712-4B1C-BC4A-36064C0E1676}"/>
+              </a:ext>
+            </a:extLst>
+          </p:cNvPr>
+          <p:cNvCxnSpPr>
+            <a:cxnSpLocks/>
+          </p:cNvCxnSpPr>
+          <p:nvPr/>
+        </p:nvCxnSpPr>
+        <p:spPr>
+          <a:xfrm flipV="1">
+            <a:off x="5092743" y="2715269"/>
+            <a:ext cx="3310271" cy="2576"/>
+          </a:xfrm>
+          <a:prstGeom prst="line">
+            <a:avLst/>
+          </a:prstGeom>
+          <a:ln w="57150">
+            <a:solidFill>
+              <a:schemeClr val="bg2">
+                <a:lumMod val="10000"/>
+              </a:schemeClr>
+            </a:solidFill>
+          </a:ln>
+        </p:spPr>
+        <p:style>
+          <a:lnRef idx="1">
+            <a:schemeClr val="accent1"/>
+          </a:lnRef>
+          <a:fillRef idx="0">
+            <a:schemeClr val="accent1"/>
+          </a:fillRef>
+          <a:effectRef idx="0">
+            <a:schemeClr val="accent1"/>
+          </a:effectRef>
+          <a:fontRef idx="minor">
+            <a:schemeClr val="tx1"/>
+          </a:fontRef>
+        </p:style>
+      </p:cxnSp>
+      <p:cxnSp>
+        <p:nvCxnSpPr>
+          <p:cNvPr id="101" name="直線コネクタ 100">
+            <a:extLst>
+              <a:ext uri="{FF2B5EF4-FFF2-40B4-BE49-F238E27FC236}">
+                <a16:creationId xmlns:a16="http://schemas.microsoft.com/office/drawing/2014/main" id="{887B2574-9C11-41DE-B7B9-18BD41EFBBFE}"/>
+              </a:ext>
+            </a:extLst>
+          </p:cNvPr>
+          <p:cNvCxnSpPr>
+            <a:cxnSpLocks/>
+          </p:cNvCxnSpPr>
+          <p:nvPr/>
+        </p:nvCxnSpPr>
+        <p:spPr>
+          <a:xfrm flipV="1">
+            <a:off x="8385131" y="1189439"/>
+            <a:ext cx="17883" cy="1511148"/>
+          </a:xfrm>
+          <a:prstGeom prst="line">
+            <a:avLst/>
+          </a:prstGeom>
+          <a:ln w="57150">
+            <a:solidFill>
+              <a:schemeClr val="bg2">
+                <a:lumMod val="10000"/>
+              </a:schemeClr>
+            </a:solidFill>
+          </a:ln>
+        </p:spPr>
+        <p:style>
+          <a:lnRef idx="1">
+            <a:schemeClr val="accent1"/>
+          </a:lnRef>
+          <a:fillRef idx="0">
+            <a:schemeClr val="accent1"/>
+          </a:fillRef>
+          <a:effectRef idx="0">
+            <a:schemeClr val="accent1"/>
+          </a:effectRef>
+          <a:fontRef idx="minor">
+            <a:schemeClr val="tx1"/>
+          </a:fontRef>
+        </p:style>
+      </p:cxnSp>
+      <p:sp>
+        <p:nvSpPr>
+          <p:cNvPr id="102" name="楕円 101">
+            <a:extLst>
+              <a:ext uri="{FF2B5EF4-FFF2-40B4-BE49-F238E27FC236}">
+                <a16:creationId xmlns:a16="http://schemas.microsoft.com/office/drawing/2014/main" id="{45B2C634-9EFA-41A1-AF99-1DAB586C74F3}"/>
+              </a:ext>
+            </a:extLst>
+          </p:cNvPr>
+          <p:cNvSpPr/>
+          <p:nvPr/>
+        </p:nvSpPr>
+        <p:spPr>
+          <a:xfrm flipV="1">
+            <a:off x="5036087" y="2623786"/>
+            <a:ext cx="176092" cy="182966"/>
+          </a:xfrm>
+          <a:prstGeom prst="ellipse">
+            <a:avLst/>
+          </a:prstGeom>
+          <a:solidFill>
+            <a:schemeClr val="tx1"/>
+          </a:solidFill>
+          <a:ln w="28575">
+            <a:noFill/>
+          </a:ln>
+        </p:spPr>
+        <p:style>
+          <a:lnRef idx="2">
+            <a:schemeClr val="accent1">
+              <a:shade val="50000"/>
+            </a:schemeClr>
+          </a:lnRef>
+          <a:fillRef idx="1">
+            <a:schemeClr val="accent1"/>
+          </a:fillRef>
+          <a:effectRef idx="0">
+            <a:schemeClr val="accent1"/>
+          </a:effectRef>
+          <a:fontRef idx="minor">
+            <a:schemeClr val="lt1"/>
+          </a:fontRef>
+        </p:style>
+        <p:txBody>
+          <a:bodyPr rtlCol="0" anchor="ctr"/>
+          <a:lstStyle/>
+          <a:p>
+            <a:pPr algn="ctr"/>
+            <a:endParaRPr kumimoji="1" lang="ja-JP" altLang="en-US"/>
+          </a:p>
+        </p:txBody>
+      </p:sp>
+      <p:sp>
+        <p:nvSpPr>
+          <p:cNvPr id="103" name="楕円 102">
+            <a:extLst>
+              <a:ext uri="{FF2B5EF4-FFF2-40B4-BE49-F238E27FC236}">
+                <a16:creationId xmlns:a16="http://schemas.microsoft.com/office/drawing/2014/main" id="{C56C1344-7850-4A82-8A55-D0134437B9BC}"/>
+              </a:ext>
+            </a:extLst>
+          </p:cNvPr>
+          <p:cNvSpPr/>
+          <p:nvPr/>
+        </p:nvSpPr>
+        <p:spPr>
+          <a:xfrm flipV="1">
+            <a:off x="1247201" y="2715481"/>
+            <a:ext cx="176092" cy="182966"/>
+          </a:xfrm>
+          <a:prstGeom prst="ellipse">
+            <a:avLst/>
+          </a:prstGeom>
+          <a:solidFill>
+            <a:schemeClr val="tx1"/>
+          </a:solidFill>
+          <a:ln w="28575">
+            <a:noFill/>
+          </a:ln>
+        </p:spPr>
+        <p:style>
+          <a:lnRef idx="2">
+            <a:schemeClr val="accent1">
+              <a:shade val="50000"/>
+            </a:schemeClr>
+          </a:lnRef>
+          <a:fillRef idx="1">
+            <a:schemeClr val="accent1"/>
+          </a:fillRef>
+          <a:effectRef idx="0">
+            <a:schemeClr val="accent1"/>
+          </a:effectRef>
+          <a:fontRef idx="minor">
+            <a:schemeClr val="lt1"/>
+          </a:fontRef>
+        </p:style>
+        <p:txBody>
+          <a:bodyPr rtlCol="0" anchor="ctr"/>
+          <a:lstStyle/>
+          <a:p>
+            <a:pPr algn="ctr"/>
+            <a:endParaRPr kumimoji="1" lang="ja-JP" altLang="en-US"/>
+          </a:p>
+        </p:txBody>
+      </p:sp>
+      <p:sp>
+        <p:nvSpPr>
+          <p:cNvPr id="104" name="テキスト ボックス 103">
+            <a:extLst>
+              <a:ext uri="{FF2B5EF4-FFF2-40B4-BE49-F238E27FC236}">
+                <a16:creationId xmlns:a16="http://schemas.microsoft.com/office/drawing/2014/main" id="{7F2A47B6-E0F7-4958-B592-EE104E5FB183}"/>
+              </a:ext>
+            </a:extLst>
+          </p:cNvPr>
+          <p:cNvSpPr txBox="1"/>
+          <p:nvPr/>
+        </p:nvSpPr>
+        <p:spPr>
+          <a:xfrm>
+            <a:off x="2478319" y="1298807"/>
+            <a:ext cx="1415772" cy="461665"/>
+          </a:xfrm>
+          <a:prstGeom prst="rect">
+            <a:avLst/>
+          </a:prstGeom>
+          <a:noFill/>
+        </p:spPr>
+        <p:txBody>
+          <a:bodyPr wrap="none" rtlCol="0">
+            <a:spAutoFit/>
+          </a:bodyPr>
+          <a:lstStyle/>
+          <a:p>
+            <a:r>
+              <a:rPr lang="ja-JP" altLang="en-US" sz="2400" b="1" dirty="0">
+                <a:solidFill>
+                  <a:srgbClr val="FF0000"/>
+                </a:solidFill>
+                <a:latin typeface="Georgia" panose="02040502050405020303" pitchFamily="18" charset="0"/>
+              </a:rPr>
+              <a:t>刻印：小</a:t>
+            </a:r>
+            <a:endParaRPr kumimoji="1" lang="ja-JP" altLang="en-US" sz="2400" b="1" dirty="0">
+              <a:solidFill>
+                <a:srgbClr val="FF0000"/>
+              </a:solidFill>
+              <a:latin typeface="Georgia" panose="02040502050405020303" pitchFamily="18" charset="0"/>
+            </a:endParaRPr>
+          </a:p>
+        </p:txBody>
+      </p:sp>
+      <p:cxnSp>
+        <p:nvCxnSpPr>
+          <p:cNvPr id="105" name="直線矢印コネクタ 104">
+            <a:extLst>
+              <a:ext uri="{FF2B5EF4-FFF2-40B4-BE49-F238E27FC236}">
+                <a16:creationId xmlns:a16="http://schemas.microsoft.com/office/drawing/2014/main" id="{DD279B81-4FD4-4DE5-A87B-62935EED0170}"/>
+              </a:ext>
+            </a:extLst>
+          </p:cNvPr>
+          <p:cNvCxnSpPr>
+            <a:cxnSpLocks/>
+          </p:cNvCxnSpPr>
+          <p:nvPr/>
+        </p:nvCxnSpPr>
+        <p:spPr>
+          <a:xfrm flipH="1">
+            <a:off x="1490337" y="1778614"/>
+            <a:ext cx="1095348" cy="867335"/>
+          </a:xfrm>
+          <a:prstGeom prst="straightConnector1">
+            <a:avLst/>
+          </a:prstGeom>
+          <a:ln w="38100">
+            <a:solidFill>
+              <a:srgbClr val="FF0000"/>
+            </a:solidFill>
+            <a:tailEnd type="triangle"/>
+          </a:ln>
+        </p:spPr>
+        <p:style>
+          <a:lnRef idx="3">
+            <a:schemeClr val="dk1"/>
+          </a:lnRef>
+          <a:fillRef idx="0">
+            <a:schemeClr val="dk1"/>
+          </a:fillRef>
+          <a:effectRef idx="2">
+            <a:schemeClr val="dk1"/>
+          </a:effectRef>
+          <a:fontRef idx="minor">
+            <a:schemeClr val="tx1"/>
+          </a:fontRef>
+        </p:style>
+      </p:cxnSp>
+      <p:cxnSp>
+        <p:nvCxnSpPr>
+          <p:cNvPr id="106" name="直線矢印コネクタ 105">
+            <a:extLst>
+              <a:ext uri="{FF2B5EF4-FFF2-40B4-BE49-F238E27FC236}">
+                <a16:creationId xmlns:a16="http://schemas.microsoft.com/office/drawing/2014/main" id="{B31FFADC-66D4-4BA3-92F3-A44B1C377A4F}"/>
+              </a:ext>
+            </a:extLst>
+          </p:cNvPr>
+          <p:cNvCxnSpPr>
+            <a:cxnSpLocks/>
+          </p:cNvCxnSpPr>
+          <p:nvPr/>
+        </p:nvCxnSpPr>
+        <p:spPr>
+          <a:xfrm flipH="1">
+            <a:off x="2559781" y="1760472"/>
+            <a:ext cx="446402" cy="556760"/>
+          </a:xfrm>
+          <a:prstGeom prst="straightConnector1">
+            <a:avLst/>
+          </a:prstGeom>
+          <a:ln w="38100">
+            <a:solidFill>
+              <a:srgbClr val="FF0000"/>
+            </a:solidFill>
+            <a:tailEnd type="triangle"/>
+          </a:ln>
+        </p:spPr>
+        <p:style>
+          <a:lnRef idx="3">
+            <a:schemeClr val="dk1"/>
+          </a:lnRef>
+          <a:fillRef idx="0">
+            <a:schemeClr val="dk1"/>
+          </a:fillRef>
+          <a:effectRef idx="2">
+            <a:schemeClr val="dk1"/>
+          </a:effectRef>
+          <a:fontRef idx="minor">
+            <a:schemeClr val="tx1"/>
+          </a:fontRef>
+        </p:style>
+      </p:cxnSp>
+      <p:sp>
+        <p:nvSpPr>
+          <p:cNvPr id="107" name="テキスト ボックス 106">
+            <a:extLst>
+              <a:ext uri="{FF2B5EF4-FFF2-40B4-BE49-F238E27FC236}">
+                <a16:creationId xmlns:a16="http://schemas.microsoft.com/office/drawing/2014/main" id="{5E84D1CE-37F2-4A5B-A457-023259349960}"/>
+              </a:ext>
+            </a:extLst>
+          </p:cNvPr>
+          <p:cNvSpPr txBox="1"/>
+          <p:nvPr/>
+        </p:nvSpPr>
+        <p:spPr>
+          <a:xfrm>
+            <a:off x="2548919" y="4478311"/>
+            <a:ext cx="1415772" cy="461665"/>
+          </a:xfrm>
+          <a:prstGeom prst="rect">
+            <a:avLst/>
+          </a:prstGeom>
+          <a:noFill/>
+        </p:spPr>
+        <p:txBody>
+          <a:bodyPr wrap="none" rtlCol="0">
+            <a:spAutoFit/>
+          </a:bodyPr>
+          <a:lstStyle/>
+          <a:p>
+            <a:r>
+              <a:rPr lang="ja-JP" altLang="en-US" sz="2400" b="1" dirty="0">
+                <a:solidFill>
+                  <a:srgbClr val="FF0000"/>
+                </a:solidFill>
+                <a:latin typeface="Georgia" panose="02040502050405020303" pitchFamily="18" charset="0"/>
+              </a:rPr>
+              <a:t>刻印：○</a:t>
+            </a:r>
+            <a:endParaRPr kumimoji="1" lang="ja-JP" altLang="en-US" sz="2400" b="1" dirty="0">
+              <a:solidFill>
+                <a:srgbClr val="FF0000"/>
+              </a:solidFill>
+              <a:latin typeface="Georgia" panose="02040502050405020303" pitchFamily="18" charset="0"/>
+            </a:endParaRPr>
+          </a:p>
+        </p:txBody>
+      </p:sp>
+      <p:cxnSp>
+        <p:nvCxnSpPr>
+          <p:cNvPr id="108" name="直線矢印コネクタ 107">
+            <a:extLst>
+              <a:ext uri="{FF2B5EF4-FFF2-40B4-BE49-F238E27FC236}">
+                <a16:creationId xmlns:a16="http://schemas.microsoft.com/office/drawing/2014/main" id="{22704802-B96E-40FD-87CC-6B530F9EF6EE}"/>
+              </a:ext>
+            </a:extLst>
+          </p:cNvPr>
+          <p:cNvCxnSpPr>
+            <a:cxnSpLocks/>
+          </p:cNvCxnSpPr>
+          <p:nvPr/>
+        </p:nvCxnSpPr>
+        <p:spPr>
+          <a:xfrm flipH="1" flipV="1">
+            <a:off x="2600068" y="3809415"/>
+            <a:ext cx="454786" cy="583307"/>
+          </a:xfrm>
+          <a:prstGeom prst="straightConnector1">
+            <a:avLst/>
+          </a:prstGeom>
+          <a:ln w="38100">
+            <a:solidFill>
+              <a:srgbClr val="FF0000"/>
+            </a:solidFill>
+            <a:tailEnd type="triangle"/>
+          </a:ln>
+        </p:spPr>
+        <p:style>
+          <a:lnRef idx="3">
+            <a:schemeClr val="dk1"/>
+          </a:lnRef>
+          <a:fillRef idx="0">
+            <a:schemeClr val="dk1"/>
+          </a:fillRef>
+          <a:effectRef idx="2">
+            <a:schemeClr val="dk1"/>
+          </a:effectRef>
+          <a:fontRef idx="minor">
+            <a:schemeClr val="tx1"/>
+          </a:fontRef>
+        </p:style>
+      </p:cxnSp>
+      <p:cxnSp>
+        <p:nvCxnSpPr>
+          <p:cNvPr id="109" name="直線矢印コネクタ 108">
+            <a:extLst>
+              <a:ext uri="{FF2B5EF4-FFF2-40B4-BE49-F238E27FC236}">
+                <a16:creationId xmlns:a16="http://schemas.microsoft.com/office/drawing/2014/main" id="{B2D2BB5B-8D2E-4D03-921D-E73BC65EFC99}"/>
+              </a:ext>
+            </a:extLst>
+          </p:cNvPr>
+          <p:cNvCxnSpPr>
+            <a:cxnSpLocks/>
+          </p:cNvCxnSpPr>
+          <p:nvPr/>
+        </p:nvCxnSpPr>
+        <p:spPr>
+          <a:xfrm flipH="1" flipV="1">
+            <a:off x="2169353" y="3493284"/>
+            <a:ext cx="623689" cy="1005493"/>
+          </a:xfrm>
+          <a:prstGeom prst="straightConnector1">
+            <a:avLst/>
+          </a:prstGeom>
+          <a:ln w="38100">
+            <a:solidFill>
+              <a:srgbClr val="FF0000"/>
+            </a:solidFill>
+            <a:tailEnd type="triangle"/>
+          </a:ln>
+        </p:spPr>
+        <p:style>
+          <a:lnRef idx="3">
+            <a:schemeClr val="dk1"/>
+          </a:lnRef>
+          <a:fillRef idx="0">
+            <a:schemeClr val="dk1"/>
+          </a:fillRef>
+          <a:effectRef idx="2">
+            <a:schemeClr val="dk1"/>
+          </a:effectRef>
+          <a:fontRef idx="minor">
+            <a:schemeClr val="tx1"/>
+          </a:fontRef>
+        </p:style>
+      </p:cxnSp>
+      <p:sp>
+        <p:nvSpPr>
+          <p:cNvPr id="111" name="テキスト ボックス 110">
+            <a:extLst>
+              <a:ext uri="{FF2B5EF4-FFF2-40B4-BE49-F238E27FC236}">
+                <a16:creationId xmlns:a16="http://schemas.microsoft.com/office/drawing/2014/main" id="{1EE11247-0330-440D-BC49-F3DE455423FC}"/>
+              </a:ext>
+            </a:extLst>
+          </p:cNvPr>
+          <p:cNvSpPr txBox="1"/>
+          <p:nvPr/>
+        </p:nvSpPr>
+        <p:spPr>
+          <a:xfrm>
+            <a:off x="5226337" y="1175032"/>
+            <a:ext cx="1915909" cy="461665"/>
+          </a:xfrm>
+          <a:prstGeom prst="rect">
+            <a:avLst/>
+          </a:prstGeom>
+          <a:noFill/>
+        </p:spPr>
+        <p:txBody>
+          <a:bodyPr wrap="none" rtlCol="0">
+            <a:spAutoFit/>
+          </a:bodyPr>
+          <a:lstStyle/>
+          <a:p>
+            <a:r>
+              <a:rPr lang="ja-JP" altLang="en-US" sz="2400" b="1" dirty="0">
+                <a:solidFill>
+                  <a:srgbClr val="FF0000"/>
+                </a:solidFill>
+                <a:latin typeface="Georgia" panose="02040502050405020303" pitchFamily="18" charset="0"/>
+              </a:rPr>
+              <a:t>コネクタ：</a:t>
+            </a:r>
+            <a:r>
+              <a:rPr lang="en-US" altLang="ja-JP" sz="2400" b="1" dirty="0">
+                <a:solidFill>
+                  <a:srgbClr val="FF0000"/>
+                </a:solidFill>
+                <a:latin typeface="+mn-ea"/>
+              </a:rPr>
+              <a:t>3</a:t>
+            </a:r>
+            <a:endParaRPr kumimoji="1" lang="ja-JP" altLang="en-US" sz="2400" b="1" dirty="0">
+              <a:solidFill>
+                <a:srgbClr val="FF0000"/>
+              </a:solidFill>
+              <a:latin typeface="+mn-ea"/>
+            </a:endParaRPr>
+          </a:p>
+        </p:txBody>
+      </p:sp>
+      <p:cxnSp>
+        <p:nvCxnSpPr>
+          <p:cNvPr id="112" name="直線矢印コネクタ 111">
+            <a:extLst>
+              <a:ext uri="{FF2B5EF4-FFF2-40B4-BE49-F238E27FC236}">
+                <a16:creationId xmlns:a16="http://schemas.microsoft.com/office/drawing/2014/main" id="{4365925E-1F92-4522-8FFC-9F17E5C1A69B}"/>
+              </a:ext>
+            </a:extLst>
+          </p:cNvPr>
+          <p:cNvCxnSpPr>
+            <a:cxnSpLocks/>
+          </p:cNvCxnSpPr>
+          <p:nvPr/>
+        </p:nvCxnSpPr>
+        <p:spPr>
+          <a:xfrm flipH="1">
+            <a:off x="4712987" y="1667310"/>
+            <a:ext cx="940401" cy="606922"/>
+          </a:xfrm>
+          <a:prstGeom prst="straightConnector1">
+            <a:avLst/>
+          </a:prstGeom>
+          <a:ln w="38100">
+            <a:solidFill>
+              <a:srgbClr val="FF0000"/>
+            </a:solidFill>
+            <a:tailEnd type="triangle"/>
+          </a:ln>
+        </p:spPr>
+        <p:style>
+          <a:lnRef idx="3">
+            <a:schemeClr val="dk1"/>
+          </a:lnRef>
+          <a:fillRef idx="0">
+            <a:schemeClr val="dk1"/>
+          </a:fillRef>
+          <a:effectRef idx="2">
+            <a:schemeClr val="dk1"/>
+          </a:effectRef>
+          <a:fontRef idx="minor">
+            <a:schemeClr val="tx1"/>
+          </a:fontRef>
+        </p:style>
+      </p:cxnSp>
+      <p:cxnSp>
+        <p:nvCxnSpPr>
+          <p:cNvPr id="113" name="直線矢印コネクタ 112">
+            <a:extLst>
+              <a:ext uri="{FF2B5EF4-FFF2-40B4-BE49-F238E27FC236}">
+                <a16:creationId xmlns:a16="http://schemas.microsoft.com/office/drawing/2014/main" id="{6A8BDBE4-E9DF-4CBA-9B19-81DA9D63EEB8}"/>
+              </a:ext>
+            </a:extLst>
+          </p:cNvPr>
+          <p:cNvCxnSpPr>
+            <a:cxnSpLocks/>
+            <a:stCxn id="111" idx="2"/>
+          </p:cNvCxnSpPr>
+          <p:nvPr/>
+        </p:nvCxnSpPr>
+        <p:spPr>
+          <a:xfrm flipH="1">
+            <a:off x="5244238" y="1636697"/>
+            <a:ext cx="940054" cy="938555"/>
+          </a:xfrm>
+          <a:prstGeom prst="straightConnector1">
+            <a:avLst/>
+          </a:prstGeom>
+          <a:ln w="38100">
+            <a:solidFill>
+              <a:srgbClr val="FF0000"/>
+            </a:solidFill>
+            <a:tailEnd type="triangle"/>
+          </a:ln>
+        </p:spPr>
+        <p:style>
+          <a:lnRef idx="3">
+            <a:schemeClr val="dk1"/>
+          </a:lnRef>
+          <a:fillRef idx="0">
+            <a:schemeClr val="dk1"/>
+          </a:fillRef>
+          <a:effectRef idx="2">
+            <a:schemeClr val="dk1"/>
+          </a:effectRef>
+          <a:fontRef idx="minor">
+            <a:schemeClr val="tx1"/>
+          </a:fontRef>
+        </p:style>
+      </p:cxnSp>
+      <p:sp>
+        <p:nvSpPr>
+          <p:cNvPr id="114" name="テキスト ボックス 113">
+            <a:extLst>
+              <a:ext uri="{FF2B5EF4-FFF2-40B4-BE49-F238E27FC236}">
+                <a16:creationId xmlns:a16="http://schemas.microsoft.com/office/drawing/2014/main" id="{9879E7B0-3BF3-47AA-9C34-D31969C3CC3C}"/>
+              </a:ext>
+            </a:extLst>
+          </p:cNvPr>
+          <p:cNvSpPr txBox="1"/>
+          <p:nvPr/>
+        </p:nvSpPr>
+        <p:spPr>
+          <a:xfrm>
+            <a:off x="4660225" y="4240826"/>
+            <a:ext cx="1915909" cy="461665"/>
+          </a:xfrm>
+          <a:prstGeom prst="rect">
+            <a:avLst/>
+          </a:prstGeom>
+          <a:noFill/>
+        </p:spPr>
+        <p:txBody>
+          <a:bodyPr wrap="none" rtlCol="0">
+            <a:spAutoFit/>
+          </a:bodyPr>
+          <a:lstStyle/>
+          <a:p>
+            <a:r>
+              <a:rPr lang="ja-JP" altLang="en-US" sz="2400" b="1" dirty="0">
+                <a:solidFill>
+                  <a:srgbClr val="FF0000"/>
+                </a:solidFill>
+                <a:latin typeface="Georgia" panose="02040502050405020303" pitchFamily="18" charset="0"/>
+              </a:rPr>
+              <a:t>コネクタ：</a:t>
+            </a:r>
+            <a:r>
+              <a:rPr lang="en-US" altLang="ja-JP" sz="2400" b="1" dirty="0">
+                <a:solidFill>
+                  <a:srgbClr val="FF0000"/>
+                </a:solidFill>
+                <a:latin typeface="+mn-ea"/>
+              </a:rPr>
+              <a:t>2</a:t>
+            </a:r>
+            <a:endParaRPr kumimoji="1" lang="ja-JP" altLang="en-US" sz="2400" b="1" dirty="0">
+              <a:solidFill>
+                <a:srgbClr val="FF0000"/>
+              </a:solidFill>
+              <a:latin typeface="+mn-ea"/>
+            </a:endParaRPr>
+          </a:p>
+        </p:txBody>
+      </p:sp>
+      <p:cxnSp>
+        <p:nvCxnSpPr>
+          <p:cNvPr id="115" name="直線矢印コネクタ 114">
+            <a:extLst>
+              <a:ext uri="{FF2B5EF4-FFF2-40B4-BE49-F238E27FC236}">
+                <a16:creationId xmlns:a16="http://schemas.microsoft.com/office/drawing/2014/main" id="{21679448-7611-4DC9-A462-72D7A79FAB36}"/>
+              </a:ext>
+            </a:extLst>
+          </p:cNvPr>
+          <p:cNvCxnSpPr>
+            <a:cxnSpLocks/>
+          </p:cNvCxnSpPr>
+          <p:nvPr/>
+        </p:nvCxnSpPr>
+        <p:spPr>
+          <a:xfrm flipH="1" flipV="1">
+            <a:off x="5887622" y="3793214"/>
+            <a:ext cx="53838" cy="423415"/>
+          </a:xfrm>
+          <a:prstGeom prst="straightConnector1">
+            <a:avLst/>
+          </a:prstGeom>
+          <a:ln w="38100">
+            <a:solidFill>
+              <a:srgbClr val="FF0000"/>
+            </a:solidFill>
+            <a:tailEnd type="triangle"/>
+          </a:ln>
+        </p:spPr>
+        <p:style>
+          <a:lnRef idx="3">
+            <a:schemeClr val="dk1"/>
+          </a:lnRef>
+          <a:fillRef idx="0">
+            <a:schemeClr val="dk1"/>
+          </a:fillRef>
+          <a:effectRef idx="2">
+            <a:schemeClr val="dk1"/>
+          </a:effectRef>
+          <a:fontRef idx="minor">
+            <a:schemeClr val="tx1"/>
+          </a:fontRef>
+        </p:style>
+      </p:cxnSp>
+      <p:cxnSp>
+        <p:nvCxnSpPr>
+          <p:cNvPr id="116" name="直線矢印コネクタ 115">
+            <a:extLst>
+              <a:ext uri="{FF2B5EF4-FFF2-40B4-BE49-F238E27FC236}">
+                <a16:creationId xmlns:a16="http://schemas.microsoft.com/office/drawing/2014/main" id="{0186B6F9-A1DC-42CA-968F-49F96975E88E}"/>
+              </a:ext>
+            </a:extLst>
+          </p:cNvPr>
+          <p:cNvCxnSpPr>
+            <a:cxnSpLocks/>
+          </p:cNvCxnSpPr>
+          <p:nvPr/>
+        </p:nvCxnSpPr>
+        <p:spPr>
+          <a:xfrm flipH="1" flipV="1">
+            <a:off x="5394694" y="3439829"/>
+            <a:ext cx="230401" cy="827707"/>
+          </a:xfrm>
+          <a:prstGeom prst="straightConnector1">
+            <a:avLst/>
+          </a:prstGeom>
+          <a:ln w="38100">
+            <a:solidFill>
+              <a:srgbClr val="FF0000"/>
+            </a:solidFill>
+            <a:tailEnd type="triangle"/>
+          </a:ln>
+        </p:spPr>
+        <p:style>
+          <a:lnRef idx="3">
+            <a:schemeClr val="dk1"/>
+          </a:lnRef>
+          <a:fillRef idx="0">
+            <a:schemeClr val="dk1"/>
+          </a:fillRef>
+          <a:effectRef idx="2">
+            <a:schemeClr val="dk1"/>
+          </a:effectRef>
+          <a:fontRef idx="minor">
+            <a:schemeClr val="tx1"/>
+          </a:fontRef>
+        </p:style>
+      </p:cxnSp>
+      <p:cxnSp>
+        <p:nvCxnSpPr>
+          <p:cNvPr id="117" name="直線矢印コネクタ 116">
+            <a:extLst>
+              <a:ext uri="{FF2B5EF4-FFF2-40B4-BE49-F238E27FC236}">
+                <a16:creationId xmlns:a16="http://schemas.microsoft.com/office/drawing/2014/main" id="{C32F8B8D-BF1F-4522-885E-8039D70CF588}"/>
+              </a:ext>
+            </a:extLst>
+          </p:cNvPr>
+          <p:cNvCxnSpPr>
+            <a:cxnSpLocks/>
+          </p:cNvCxnSpPr>
+          <p:nvPr/>
+        </p:nvCxnSpPr>
+        <p:spPr>
+          <a:xfrm flipH="1" flipV="1">
+            <a:off x="4622377" y="3450703"/>
+            <a:ext cx="551449" cy="799775"/>
+          </a:xfrm>
+          <a:prstGeom prst="straightConnector1">
+            <a:avLst/>
+          </a:prstGeom>
+          <a:ln w="38100">
+            <a:solidFill>
+              <a:srgbClr val="FF0000"/>
+            </a:solidFill>
+            <a:tailEnd type="triangle"/>
+          </a:ln>
+        </p:spPr>
+        <p:style>
+          <a:lnRef idx="3">
+            <a:schemeClr val="dk1"/>
+          </a:lnRef>
+          <a:fillRef idx="0">
+            <a:schemeClr val="dk1"/>
+          </a:fillRef>
+          <a:effectRef idx="2">
+            <a:schemeClr val="dk1"/>
+          </a:effectRef>
+          <a:fontRef idx="minor">
+            <a:schemeClr val="tx1"/>
+          </a:fontRef>
+        </p:style>
+      </p:cxnSp>
+      <p:cxnSp>
+        <p:nvCxnSpPr>
+          <p:cNvPr id="118" name="直線矢印コネクタ 117">
+            <a:extLst>
+              <a:ext uri="{FF2B5EF4-FFF2-40B4-BE49-F238E27FC236}">
+                <a16:creationId xmlns:a16="http://schemas.microsoft.com/office/drawing/2014/main" id="{90086B12-866F-4169-AB75-90549CF35410}"/>
+              </a:ext>
+            </a:extLst>
+          </p:cNvPr>
+          <p:cNvCxnSpPr>
+            <a:cxnSpLocks/>
+          </p:cNvCxnSpPr>
+          <p:nvPr/>
+        </p:nvCxnSpPr>
+        <p:spPr>
+          <a:xfrm flipH="1" flipV="1">
+            <a:off x="4254718" y="3694905"/>
+            <a:ext cx="697141" cy="536457"/>
+          </a:xfrm>
+          <a:prstGeom prst="straightConnector1">
+            <a:avLst/>
+          </a:prstGeom>
+          <a:ln w="38100">
+            <a:solidFill>
+              <a:srgbClr val="FF0000"/>
+            </a:solidFill>
+            <a:tailEnd type="triangle"/>
+          </a:ln>
+        </p:spPr>
+        <p:style>
+          <a:lnRef idx="3">
+            <a:schemeClr val="dk1"/>
+          </a:lnRef>
+          <a:fillRef idx="0">
+            <a:schemeClr val="dk1"/>
+          </a:fillRef>
+          <a:effectRef idx="2">
+            <a:schemeClr val="dk1"/>
+          </a:effectRef>
+          <a:fontRef idx="minor">
+            <a:schemeClr val="tx1"/>
+          </a:fontRef>
+        </p:style>
+      </p:cxnSp>
+      <p:sp>
+        <p:nvSpPr>
+          <p:cNvPr id="89" name="テキスト ボックス 68">
+            <a:extLst>
+              <a:ext uri="{FF2B5EF4-FFF2-40B4-BE49-F238E27FC236}">
+                <a16:creationId xmlns:a16="http://schemas.microsoft.com/office/drawing/2014/main" id="{F0772998-95C0-4017-A475-A115BF6009FE}"/>
+              </a:ext>
+            </a:extLst>
+          </p:cNvPr>
+          <p:cNvSpPr txBox="1"/>
+          <p:nvPr/>
+        </p:nvSpPr>
+        <p:spPr>
+          <a:xfrm>
+            <a:off x="367843" y="1284325"/>
+            <a:ext cx="2020105" cy="830997"/>
+          </a:xfrm>
+          <a:prstGeom prst="rect">
+            <a:avLst/>
+          </a:prstGeom>
+          <a:noFill/>
+        </p:spPr>
+        <p:txBody>
+          <a:bodyPr wrap="none" rtlCol="0">
+            <a:spAutoFit/>
+          </a:bodyPr>
+          <a:lstStyle>
+            <a:defPPr>
+              <a:defRPr lang="ja-JP"/>
+            </a:defPPr>
+            <a:lvl1pPr marL="0" algn="l" defTabSz="914400" rtl="0" eaLnBrk="1" latinLnBrk="0" hangingPunct="1">
+              <a:defRPr kumimoji="1" sz="1800" kern="1200">
+                <a:solidFill>
+                  <a:schemeClr val="tx1"/>
+                </a:solidFill>
+                <a:latin typeface="+mn-lt"/>
+                <a:ea typeface="+mn-ea"/>
+                <a:cs typeface="+mn-cs"/>
+              </a:defRPr>
+            </a:lvl1pPr>
+            <a:lvl2pPr marL="457200" algn="l" defTabSz="914400" rtl="0" eaLnBrk="1" latinLnBrk="0" hangingPunct="1">
+              <a:defRPr kumimoji="1" sz="1800" kern="1200">
+                <a:solidFill>
+                  <a:schemeClr val="tx1"/>
+                </a:solidFill>
+                <a:latin typeface="+mn-lt"/>
+                <a:ea typeface="+mn-ea"/>
+                <a:cs typeface="+mn-cs"/>
+              </a:defRPr>
+            </a:lvl2pPr>
+            <a:lvl3pPr marL="914400" algn="l" defTabSz="914400" rtl="0" eaLnBrk="1" latinLnBrk="0" hangingPunct="1">
+              <a:defRPr kumimoji="1" sz="1800" kern="1200">
+                <a:solidFill>
+                  <a:schemeClr val="tx1"/>
+                </a:solidFill>
+                <a:latin typeface="+mn-lt"/>
+                <a:ea typeface="+mn-ea"/>
+                <a:cs typeface="+mn-cs"/>
+              </a:defRPr>
+            </a:lvl3pPr>
+            <a:lvl4pPr marL="1371600" algn="l" defTabSz="914400" rtl="0" eaLnBrk="1" latinLnBrk="0" hangingPunct="1">
+              <a:defRPr kumimoji="1" sz="1800" kern="1200">
+                <a:solidFill>
+                  <a:schemeClr val="tx1"/>
+                </a:solidFill>
+                <a:latin typeface="+mn-lt"/>
+                <a:ea typeface="+mn-ea"/>
+                <a:cs typeface="+mn-cs"/>
+              </a:defRPr>
+            </a:lvl4pPr>
+            <a:lvl5pPr marL="1828800" algn="l" defTabSz="914400" rtl="0" eaLnBrk="1" latinLnBrk="0" hangingPunct="1">
+              <a:defRPr kumimoji="1" sz="1800" kern="1200">
+                <a:solidFill>
+                  <a:schemeClr val="tx1"/>
+                </a:solidFill>
+                <a:latin typeface="+mn-lt"/>
+                <a:ea typeface="+mn-ea"/>
+                <a:cs typeface="+mn-cs"/>
+              </a:defRPr>
+            </a:lvl5pPr>
+            <a:lvl6pPr marL="2286000" algn="l" defTabSz="914400" rtl="0" eaLnBrk="1" latinLnBrk="0" hangingPunct="1">
+              <a:defRPr kumimoji="1" sz="1800" kern="1200">
+                <a:solidFill>
+                  <a:schemeClr val="tx1"/>
+                </a:solidFill>
+                <a:latin typeface="+mn-lt"/>
+                <a:ea typeface="+mn-ea"/>
+                <a:cs typeface="+mn-cs"/>
+              </a:defRPr>
+            </a:lvl6pPr>
+            <a:lvl7pPr marL="2743200" algn="l" defTabSz="914400" rtl="0" eaLnBrk="1" latinLnBrk="0" hangingPunct="1">
+              <a:defRPr kumimoji="1" sz="1800" kern="1200">
+                <a:solidFill>
+                  <a:schemeClr val="tx1"/>
+                </a:solidFill>
+                <a:latin typeface="+mn-lt"/>
+                <a:ea typeface="+mn-ea"/>
+                <a:cs typeface="+mn-cs"/>
+              </a:defRPr>
+            </a:lvl7pPr>
+            <a:lvl8pPr marL="3200400" algn="l" defTabSz="914400" rtl="0" eaLnBrk="1" latinLnBrk="0" hangingPunct="1">
+              <a:defRPr kumimoji="1" sz="1800" kern="1200">
+                <a:solidFill>
+                  <a:schemeClr val="tx1"/>
+                </a:solidFill>
+                <a:latin typeface="+mn-lt"/>
+                <a:ea typeface="+mn-ea"/>
+                <a:cs typeface="+mn-cs"/>
+              </a:defRPr>
+            </a:lvl8pPr>
+            <a:lvl9pPr marL="3657600" algn="l" defTabSz="914400" rtl="0" eaLnBrk="1" latinLnBrk="0" hangingPunct="1">
+              <a:defRPr kumimoji="1" sz="1800" kern="1200">
+                <a:solidFill>
+                  <a:schemeClr val="tx1"/>
+                </a:solidFill>
+                <a:latin typeface="+mn-lt"/>
+                <a:ea typeface="+mn-ea"/>
+                <a:cs typeface="+mn-cs"/>
+              </a:defRPr>
+            </a:lvl9pPr>
+          </a:lstStyle>
+          <a:p>
+            <a:r>
+              <a:rPr kumimoji="1" lang="en-US" altLang="ja-JP" sz="2400" b="1" dirty="0">
+                <a:solidFill>
+                  <a:schemeClr val="accent6">
+                    <a:lumMod val="60000"/>
+                    <a:lumOff val="40000"/>
+                  </a:schemeClr>
+                </a:solidFill>
+                <a:latin typeface="+mn-ea"/>
+              </a:rPr>
+              <a:t>150+100</a:t>
+            </a:r>
+          </a:p>
+          <a:p>
+            <a:r>
+              <a:rPr lang="en-US" altLang="ja-JP" sz="2400" b="1" dirty="0">
+                <a:solidFill>
+                  <a:schemeClr val="accent6">
+                    <a:lumMod val="60000"/>
+                    <a:lumOff val="40000"/>
+                  </a:schemeClr>
+                </a:solidFill>
+                <a:latin typeface="+mn-ea"/>
+              </a:rPr>
+              <a:t>(VVF2.0-2C)</a:t>
+            </a:r>
+            <a:endParaRPr kumimoji="1" lang="ja-JP" altLang="en-US" sz="2400" b="1" dirty="0">
+              <a:solidFill>
+                <a:schemeClr val="accent6">
+                  <a:lumMod val="60000"/>
+                  <a:lumOff val="40000"/>
+                </a:schemeClr>
+              </a:solidFill>
+              <a:latin typeface="+mn-ea"/>
+            </a:endParaRPr>
+          </a:p>
+        </p:txBody>
+      </p:sp>
+      <p:sp>
+        <p:nvSpPr>
+          <p:cNvPr id="110" name="テキスト ボックス 68">
+            <a:extLst>
+              <a:ext uri="{FF2B5EF4-FFF2-40B4-BE49-F238E27FC236}">
+                <a16:creationId xmlns:a16="http://schemas.microsoft.com/office/drawing/2014/main" id="{2FCD1535-C8B8-4996-8B3E-2C2CD5A1781A}"/>
+              </a:ext>
+            </a:extLst>
+          </p:cNvPr>
+          <p:cNvSpPr txBox="1"/>
+          <p:nvPr/>
+        </p:nvSpPr>
+        <p:spPr>
+          <a:xfrm>
+            <a:off x="328256" y="4697972"/>
+            <a:ext cx="2230098" cy="461665"/>
+          </a:xfrm>
+          <a:prstGeom prst="rect">
+            <a:avLst/>
+          </a:prstGeom>
+          <a:noFill/>
+        </p:spPr>
+        <p:txBody>
+          <a:bodyPr wrap="none" rtlCol="0">
+            <a:spAutoFit/>
+          </a:bodyPr>
+          <a:lstStyle>
+            <a:defPPr>
+              <a:defRPr lang="ja-JP"/>
+            </a:defPPr>
+            <a:lvl1pPr marL="0" algn="l" defTabSz="914400" rtl="0" eaLnBrk="1" latinLnBrk="0" hangingPunct="1">
+              <a:defRPr kumimoji="1" sz="1800" kern="1200">
+                <a:solidFill>
+                  <a:schemeClr val="tx1"/>
+                </a:solidFill>
+                <a:latin typeface="+mn-lt"/>
+                <a:ea typeface="+mn-ea"/>
+                <a:cs typeface="+mn-cs"/>
+              </a:defRPr>
+            </a:lvl1pPr>
+            <a:lvl2pPr marL="457200" algn="l" defTabSz="914400" rtl="0" eaLnBrk="1" latinLnBrk="0" hangingPunct="1">
+              <a:defRPr kumimoji="1" sz="1800" kern="1200">
+                <a:solidFill>
+                  <a:schemeClr val="tx1"/>
+                </a:solidFill>
+                <a:latin typeface="+mn-lt"/>
+                <a:ea typeface="+mn-ea"/>
+                <a:cs typeface="+mn-cs"/>
+              </a:defRPr>
+            </a:lvl2pPr>
+            <a:lvl3pPr marL="914400" algn="l" defTabSz="914400" rtl="0" eaLnBrk="1" latinLnBrk="0" hangingPunct="1">
+              <a:defRPr kumimoji="1" sz="1800" kern="1200">
+                <a:solidFill>
+                  <a:schemeClr val="tx1"/>
+                </a:solidFill>
+                <a:latin typeface="+mn-lt"/>
+                <a:ea typeface="+mn-ea"/>
+                <a:cs typeface="+mn-cs"/>
+              </a:defRPr>
+            </a:lvl3pPr>
+            <a:lvl4pPr marL="1371600" algn="l" defTabSz="914400" rtl="0" eaLnBrk="1" latinLnBrk="0" hangingPunct="1">
+              <a:defRPr kumimoji="1" sz="1800" kern="1200">
+                <a:solidFill>
+                  <a:schemeClr val="tx1"/>
+                </a:solidFill>
+                <a:latin typeface="+mn-lt"/>
+                <a:ea typeface="+mn-ea"/>
+                <a:cs typeface="+mn-cs"/>
+              </a:defRPr>
+            </a:lvl4pPr>
+            <a:lvl5pPr marL="1828800" algn="l" defTabSz="914400" rtl="0" eaLnBrk="1" latinLnBrk="0" hangingPunct="1">
+              <a:defRPr kumimoji="1" sz="1800" kern="1200">
+                <a:solidFill>
+                  <a:schemeClr val="tx1"/>
+                </a:solidFill>
+                <a:latin typeface="+mn-lt"/>
+                <a:ea typeface="+mn-ea"/>
+                <a:cs typeface="+mn-cs"/>
+              </a:defRPr>
+            </a:lvl5pPr>
+            <a:lvl6pPr marL="2286000" algn="l" defTabSz="914400" rtl="0" eaLnBrk="1" latinLnBrk="0" hangingPunct="1">
+              <a:defRPr kumimoji="1" sz="1800" kern="1200">
+                <a:solidFill>
+                  <a:schemeClr val="tx1"/>
+                </a:solidFill>
+                <a:latin typeface="+mn-lt"/>
+                <a:ea typeface="+mn-ea"/>
+                <a:cs typeface="+mn-cs"/>
+              </a:defRPr>
+            </a:lvl6pPr>
+            <a:lvl7pPr marL="2743200" algn="l" defTabSz="914400" rtl="0" eaLnBrk="1" latinLnBrk="0" hangingPunct="1">
+              <a:defRPr kumimoji="1" sz="1800" kern="1200">
+                <a:solidFill>
+                  <a:schemeClr val="tx1"/>
+                </a:solidFill>
+                <a:latin typeface="+mn-lt"/>
+                <a:ea typeface="+mn-ea"/>
+                <a:cs typeface="+mn-cs"/>
+              </a:defRPr>
+            </a:lvl7pPr>
+            <a:lvl8pPr marL="3200400" algn="l" defTabSz="914400" rtl="0" eaLnBrk="1" latinLnBrk="0" hangingPunct="1">
+              <a:defRPr kumimoji="1" sz="1800" kern="1200">
+                <a:solidFill>
+                  <a:schemeClr val="tx1"/>
+                </a:solidFill>
+                <a:latin typeface="+mn-lt"/>
+                <a:ea typeface="+mn-ea"/>
+                <a:cs typeface="+mn-cs"/>
+              </a:defRPr>
+            </a:lvl8pPr>
+            <a:lvl9pPr marL="3657600" algn="l" defTabSz="914400" rtl="0" eaLnBrk="1" latinLnBrk="0" hangingPunct="1">
+              <a:defRPr kumimoji="1" sz="1800" kern="1200">
+                <a:solidFill>
+                  <a:schemeClr val="tx1"/>
+                </a:solidFill>
+                <a:latin typeface="+mn-lt"/>
+                <a:ea typeface="+mn-ea"/>
+                <a:cs typeface="+mn-cs"/>
+              </a:defRPr>
+            </a:lvl9pPr>
+          </a:lstStyle>
+          <a:p>
+            <a:r>
+              <a:rPr kumimoji="1" lang="en-US" altLang="ja-JP" sz="2400" b="1" dirty="0">
+                <a:solidFill>
+                  <a:schemeClr val="accent6">
+                    <a:lumMod val="60000"/>
+                    <a:lumOff val="40000"/>
+                  </a:schemeClr>
+                </a:solidFill>
+                <a:latin typeface="+mn-ea"/>
+              </a:rPr>
+              <a:t>100+150+100</a:t>
+            </a:r>
+            <a:endParaRPr kumimoji="1" lang="ja-JP" altLang="en-US" sz="2400" b="1" dirty="0">
+              <a:solidFill>
+                <a:schemeClr val="accent6">
+                  <a:lumMod val="60000"/>
+                  <a:lumOff val="40000"/>
+                </a:schemeClr>
+              </a:solidFill>
+              <a:latin typeface="+mn-ea"/>
+            </a:endParaRPr>
+          </a:p>
+        </p:txBody>
+      </p:sp>
+      <p:sp>
+        <p:nvSpPr>
+          <p:cNvPr id="119" name="テキスト ボックス 68">
+            <a:extLst>
+              <a:ext uri="{FF2B5EF4-FFF2-40B4-BE49-F238E27FC236}">
+                <a16:creationId xmlns:a16="http://schemas.microsoft.com/office/drawing/2014/main" id="{CFAED823-9C51-4E37-9E5B-E768B3F22484}"/>
+              </a:ext>
+            </a:extLst>
+          </p:cNvPr>
+          <p:cNvSpPr txBox="1"/>
+          <p:nvPr/>
+        </p:nvSpPr>
+        <p:spPr>
+          <a:xfrm>
+            <a:off x="2286177" y="2659318"/>
+            <a:ext cx="2230098" cy="461665"/>
+          </a:xfrm>
+          <a:prstGeom prst="rect">
+            <a:avLst/>
+          </a:prstGeom>
+          <a:noFill/>
+        </p:spPr>
+        <p:txBody>
+          <a:bodyPr wrap="none" rtlCol="0">
+            <a:spAutoFit/>
+          </a:bodyPr>
+          <a:lstStyle>
+            <a:defPPr>
+              <a:defRPr lang="ja-JP"/>
+            </a:defPPr>
+            <a:lvl1pPr marL="0" algn="l" defTabSz="914400" rtl="0" eaLnBrk="1" latinLnBrk="0" hangingPunct="1">
+              <a:defRPr kumimoji="1" sz="1800" kern="1200">
+                <a:solidFill>
+                  <a:schemeClr val="tx1"/>
+                </a:solidFill>
+                <a:latin typeface="+mn-lt"/>
+                <a:ea typeface="+mn-ea"/>
+                <a:cs typeface="+mn-cs"/>
+              </a:defRPr>
+            </a:lvl1pPr>
+            <a:lvl2pPr marL="457200" algn="l" defTabSz="914400" rtl="0" eaLnBrk="1" latinLnBrk="0" hangingPunct="1">
+              <a:defRPr kumimoji="1" sz="1800" kern="1200">
+                <a:solidFill>
+                  <a:schemeClr val="tx1"/>
+                </a:solidFill>
+                <a:latin typeface="+mn-lt"/>
+                <a:ea typeface="+mn-ea"/>
+                <a:cs typeface="+mn-cs"/>
+              </a:defRPr>
+            </a:lvl2pPr>
+            <a:lvl3pPr marL="914400" algn="l" defTabSz="914400" rtl="0" eaLnBrk="1" latinLnBrk="0" hangingPunct="1">
+              <a:defRPr kumimoji="1" sz="1800" kern="1200">
+                <a:solidFill>
+                  <a:schemeClr val="tx1"/>
+                </a:solidFill>
+                <a:latin typeface="+mn-lt"/>
+                <a:ea typeface="+mn-ea"/>
+                <a:cs typeface="+mn-cs"/>
+              </a:defRPr>
+            </a:lvl3pPr>
+            <a:lvl4pPr marL="1371600" algn="l" defTabSz="914400" rtl="0" eaLnBrk="1" latinLnBrk="0" hangingPunct="1">
+              <a:defRPr kumimoji="1" sz="1800" kern="1200">
+                <a:solidFill>
+                  <a:schemeClr val="tx1"/>
+                </a:solidFill>
+                <a:latin typeface="+mn-lt"/>
+                <a:ea typeface="+mn-ea"/>
+                <a:cs typeface="+mn-cs"/>
+              </a:defRPr>
+            </a:lvl4pPr>
+            <a:lvl5pPr marL="1828800" algn="l" defTabSz="914400" rtl="0" eaLnBrk="1" latinLnBrk="0" hangingPunct="1">
+              <a:defRPr kumimoji="1" sz="1800" kern="1200">
+                <a:solidFill>
+                  <a:schemeClr val="tx1"/>
+                </a:solidFill>
+                <a:latin typeface="+mn-lt"/>
+                <a:ea typeface="+mn-ea"/>
+                <a:cs typeface="+mn-cs"/>
+              </a:defRPr>
+            </a:lvl5pPr>
+            <a:lvl6pPr marL="2286000" algn="l" defTabSz="914400" rtl="0" eaLnBrk="1" latinLnBrk="0" hangingPunct="1">
+              <a:defRPr kumimoji="1" sz="1800" kern="1200">
+                <a:solidFill>
+                  <a:schemeClr val="tx1"/>
+                </a:solidFill>
+                <a:latin typeface="+mn-lt"/>
+                <a:ea typeface="+mn-ea"/>
+                <a:cs typeface="+mn-cs"/>
+              </a:defRPr>
+            </a:lvl6pPr>
+            <a:lvl7pPr marL="2743200" algn="l" defTabSz="914400" rtl="0" eaLnBrk="1" latinLnBrk="0" hangingPunct="1">
+              <a:defRPr kumimoji="1" sz="1800" kern="1200">
+                <a:solidFill>
+                  <a:schemeClr val="tx1"/>
+                </a:solidFill>
+                <a:latin typeface="+mn-lt"/>
+                <a:ea typeface="+mn-ea"/>
+                <a:cs typeface="+mn-cs"/>
+              </a:defRPr>
+            </a:lvl7pPr>
+            <a:lvl8pPr marL="3200400" algn="l" defTabSz="914400" rtl="0" eaLnBrk="1" latinLnBrk="0" hangingPunct="1">
+              <a:defRPr kumimoji="1" sz="1800" kern="1200">
+                <a:solidFill>
+                  <a:schemeClr val="tx1"/>
+                </a:solidFill>
+                <a:latin typeface="+mn-lt"/>
+                <a:ea typeface="+mn-ea"/>
+                <a:cs typeface="+mn-cs"/>
+              </a:defRPr>
+            </a:lvl8pPr>
+            <a:lvl9pPr marL="3657600" algn="l" defTabSz="914400" rtl="0" eaLnBrk="1" latinLnBrk="0" hangingPunct="1">
+              <a:defRPr kumimoji="1" sz="1800" kern="1200">
+                <a:solidFill>
+                  <a:schemeClr val="tx1"/>
+                </a:solidFill>
+                <a:latin typeface="+mn-lt"/>
+                <a:ea typeface="+mn-ea"/>
+                <a:cs typeface="+mn-cs"/>
+              </a:defRPr>
+            </a:lvl9pPr>
+          </a:lstStyle>
+          <a:p>
+            <a:r>
+              <a:rPr kumimoji="1" lang="en-US" altLang="ja-JP" sz="2400" b="1" dirty="0">
+                <a:solidFill>
+                  <a:schemeClr val="accent6">
+                    <a:lumMod val="60000"/>
+                    <a:lumOff val="40000"/>
+                  </a:schemeClr>
+                </a:solidFill>
+                <a:latin typeface="+mn-ea"/>
+              </a:rPr>
+              <a:t>100+150+100</a:t>
+            </a:r>
+            <a:endParaRPr kumimoji="1" lang="ja-JP" altLang="en-US" sz="2400" b="1" dirty="0">
+              <a:solidFill>
+                <a:schemeClr val="accent6">
+                  <a:lumMod val="60000"/>
+                  <a:lumOff val="40000"/>
+                </a:schemeClr>
+              </a:solidFill>
+              <a:latin typeface="+mn-ea"/>
+            </a:endParaRPr>
+          </a:p>
+        </p:txBody>
+      </p:sp>
+      <p:sp>
+        <p:nvSpPr>
+          <p:cNvPr id="120" name="テキスト ボックス 68">
+            <a:extLst>
+              <a:ext uri="{FF2B5EF4-FFF2-40B4-BE49-F238E27FC236}">
+                <a16:creationId xmlns:a16="http://schemas.microsoft.com/office/drawing/2014/main" id="{ABBA72EC-DA22-40D2-B9DE-68DB9A1A9877}"/>
+              </a:ext>
+            </a:extLst>
+          </p:cNvPr>
+          <p:cNvSpPr txBox="1"/>
+          <p:nvPr/>
+        </p:nvSpPr>
+        <p:spPr>
+          <a:xfrm>
+            <a:off x="2906507" y="4838719"/>
+            <a:ext cx="2230098" cy="461665"/>
+          </a:xfrm>
+          <a:prstGeom prst="rect">
+            <a:avLst/>
+          </a:prstGeom>
+          <a:noFill/>
+        </p:spPr>
+        <p:txBody>
+          <a:bodyPr wrap="none" rtlCol="0">
+            <a:spAutoFit/>
+          </a:bodyPr>
+          <a:lstStyle>
+            <a:defPPr>
+              <a:defRPr lang="ja-JP"/>
+            </a:defPPr>
+            <a:lvl1pPr marL="0" algn="l" defTabSz="914400" rtl="0" eaLnBrk="1" latinLnBrk="0" hangingPunct="1">
+              <a:defRPr kumimoji="1" sz="1800" kern="1200">
+                <a:solidFill>
+                  <a:schemeClr val="tx1"/>
+                </a:solidFill>
+                <a:latin typeface="+mn-lt"/>
+                <a:ea typeface="+mn-ea"/>
+                <a:cs typeface="+mn-cs"/>
+              </a:defRPr>
+            </a:lvl1pPr>
+            <a:lvl2pPr marL="457200" algn="l" defTabSz="914400" rtl="0" eaLnBrk="1" latinLnBrk="0" hangingPunct="1">
+              <a:defRPr kumimoji="1" sz="1800" kern="1200">
+                <a:solidFill>
+                  <a:schemeClr val="tx1"/>
+                </a:solidFill>
+                <a:latin typeface="+mn-lt"/>
+                <a:ea typeface="+mn-ea"/>
+                <a:cs typeface="+mn-cs"/>
+              </a:defRPr>
+            </a:lvl2pPr>
+            <a:lvl3pPr marL="914400" algn="l" defTabSz="914400" rtl="0" eaLnBrk="1" latinLnBrk="0" hangingPunct="1">
+              <a:defRPr kumimoji="1" sz="1800" kern="1200">
+                <a:solidFill>
+                  <a:schemeClr val="tx1"/>
+                </a:solidFill>
+                <a:latin typeface="+mn-lt"/>
+                <a:ea typeface="+mn-ea"/>
+                <a:cs typeface="+mn-cs"/>
+              </a:defRPr>
+            </a:lvl3pPr>
+            <a:lvl4pPr marL="1371600" algn="l" defTabSz="914400" rtl="0" eaLnBrk="1" latinLnBrk="0" hangingPunct="1">
+              <a:defRPr kumimoji="1" sz="1800" kern="1200">
+                <a:solidFill>
+                  <a:schemeClr val="tx1"/>
+                </a:solidFill>
+                <a:latin typeface="+mn-lt"/>
+                <a:ea typeface="+mn-ea"/>
+                <a:cs typeface="+mn-cs"/>
+              </a:defRPr>
+            </a:lvl4pPr>
+            <a:lvl5pPr marL="1828800" algn="l" defTabSz="914400" rtl="0" eaLnBrk="1" latinLnBrk="0" hangingPunct="1">
+              <a:defRPr kumimoji="1" sz="1800" kern="1200">
+                <a:solidFill>
+                  <a:schemeClr val="tx1"/>
+                </a:solidFill>
+                <a:latin typeface="+mn-lt"/>
+                <a:ea typeface="+mn-ea"/>
+                <a:cs typeface="+mn-cs"/>
+              </a:defRPr>
+            </a:lvl5pPr>
+            <a:lvl6pPr marL="2286000" algn="l" defTabSz="914400" rtl="0" eaLnBrk="1" latinLnBrk="0" hangingPunct="1">
+              <a:defRPr kumimoji="1" sz="1800" kern="1200">
+                <a:solidFill>
+                  <a:schemeClr val="tx1"/>
+                </a:solidFill>
+                <a:latin typeface="+mn-lt"/>
+                <a:ea typeface="+mn-ea"/>
+                <a:cs typeface="+mn-cs"/>
+              </a:defRPr>
+            </a:lvl6pPr>
+            <a:lvl7pPr marL="2743200" algn="l" defTabSz="914400" rtl="0" eaLnBrk="1" latinLnBrk="0" hangingPunct="1">
+              <a:defRPr kumimoji="1" sz="1800" kern="1200">
+                <a:solidFill>
+                  <a:schemeClr val="tx1"/>
+                </a:solidFill>
+                <a:latin typeface="+mn-lt"/>
+                <a:ea typeface="+mn-ea"/>
+                <a:cs typeface="+mn-cs"/>
+              </a:defRPr>
+            </a:lvl7pPr>
+            <a:lvl8pPr marL="3200400" algn="l" defTabSz="914400" rtl="0" eaLnBrk="1" latinLnBrk="0" hangingPunct="1">
+              <a:defRPr kumimoji="1" sz="1800" kern="1200">
+                <a:solidFill>
+                  <a:schemeClr val="tx1"/>
+                </a:solidFill>
+                <a:latin typeface="+mn-lt"/>
+                <a:ea typeface="+mn-ea"/>
+                <a:cs typeface="+mn-cs"/>
+              </a:defRPr>
+            </a:lvl8pPr>
+            <a:lvl9pPr marL="3657600" algn="l" defTabSz="914400" rtl="0" eaLnBrk="1" latinLnBrk="0" hangingPunct="1">
+              <a:defRPr kumimoji="1" sz="1800" kern="1200">
+                <a:solidFill>
+                  <a:schemeClr val="tx1"/>
+                </a:solidFill>
+                <a:latin typeface="+mn-lt"/>
+                <a:ea typeface="+mn-ea"/>
+                <a:cs typeface="+mn-cs"/>
+              </a:defRPr>
+            </a:lvl9pPr>
+          </a:lstStyle>
+          <a:p>
+            <a:r>
+              <a:rPr kumimoji="1" lang="en-US" altLang="ja-JP" sz="2400" b="1" dirty="0">
+                <a:solidFill>
+                  <a:schemeClr val="accent6">
+                    <a:lumMod val="60000"/>
+                    <a:lumOff val="40000"/>
+                  </a:schemeClr>
+                </a:solidFill>
+                <a:latin typeface="+mn-ea"/>
+              </a:rPr>
+              <a:t>100+150+100</a:t>
+            </a:r>
+            <a:endParaRPr kumimoji="1" lang="ja-JP" altLang="en-US" sz="2400" b="1" dirty="0">
+              <a:solidFill>
+                <a:schemeClr val="accent6">
+                  <a:lumMod val="60000"/>
+                  <a:lumOff val="40000"/>
+                </a:schemeClr>
+              </a:solidFill>
+              <a:latin typeface="+mn-ea"/>
+            </a:endParaRPr>
+          </a:p>
+        </p:txBody>
+      </p:sp>
+      <p:sp>
+        <p:nvSpPr>
+          <p:cNvPr id="121" name="テキスト ボックス 68">
+            <a:extLst>
+              <a:ext uri="{FF2B5EF4-FFF2-40B4-BE49-F238E27FC236}">
+                <a16:creationId xmlns:a16="http://schemas.microsoft.com/office/drawing/2014/main" id="{94983E3B-6F69-4895-859D-CA78E561BDEC}"/>
+              </a:ext>
+            </a:extLst>
+          </p:cNvPr>
+          <p:cNvSpPr txBox="1"/>
+          <p:nvPr/>
+        </p:nvSpPr>
+        <p:spPr>
+          <a:xfrm>
+            <a:off x="6629580" y="3880609"/>
+            <a:ext cx="2230098" cy="461665"/>
+          </a:xfrm>
+          <a:prstGeom prst="rect">
+            <a:avLst/>
+          </a:prstGeom>
+          <a:noFill/>
+        </p:spPr>
+        <p:txBody>
+          <a:bodyPr wrap="none" rtlCol="0">
+            <a:spAutoFit/>
+          </a:bodyPr>
+          <a:lstStyle>
+            <a:defPPr>
+              <a:defRPr lang="ja-JP"/>
+            </a:defPPr>
+            <a:lvl1pPr marL="0" algn="l" defTabSz="914400" rtl="0" eaLnBrk="1" latinLnBrk="0" hangingPunct="1">
+              <a:defRPr kumimoji="1" sz="1800" kern="1200">
+                <a:solidFill>
+                  <a:schemeClr val="tx1"/>
+                </a:solidFill>
+                <a:latin typeface="+mn-lt"/>
+                <a:ea typeface="+mn-ea"/>
+                <a:cs typeface="+mn-cs"/>
+              </a:defRPr>
+            </a:lvl1pPr>
+            <a:lvl2pPr marL="457200" algn="l" defTabSz="914400" rtl="0" eaLnBrk="1" latinLnBrk="0" hangingPunct="1">
+              <a:defRPr kumimoji="1" sz="1800" kern="1200">
+                <a:solidFill>
+                  <a:schemeClr val="tx1"/>
+                </a:solidFill>
+                <a:latin typeface="+mn-lt"/>
+                <a:ea typeface="+mn-ea"/>
+                <a:cs typeface="+mn-cs"/>
+              </a:defRPr>
+            </a:lvl2pPr>
+            <a:lvl3pPr marL="914400" algn="l" defTabSz="914400" rtl="0" eaLnBrk="1" latinLnBrk="0" hangingPunct="1">
+              <a:defRPr kumimoji="1" sz="1800" kern="1200">
+                <a:solidFill>
+                  <a:schemeClr val="tx1"/>
+                </a:solidFill>
+                <a:latin typeface="+mn-lt"/>
+                <a:ea typeface="+mn-ea"/>
+                <a:cs typeface="+mn-cs"/>
+              </a:defRPr>
+            </a:lvl3pPr>
+            <a:lvl4pPr marL="1371600" algn="l" defTabSz="914400" rtl="0" eaLnBrk="1" latinLnBrk="0" hangingPunct="1">
+              <a:defRPr kumimoji="1" sz="1800" kern="1200">
+                <a:solidFill>
+                  <a:schemeClr val="tx1"/>
+                </a:solidFill>
+                <a:latin typeface="+mn-lt"/>
+                <a:ea typeface="+mn-ea"/>
+                <a:cs typeface="+mn-cs"/>
+              </a:defRPr>
+            </a:lvl4pPr>
+            <a:lvl5pPr marL="1828800" algn="l" defTabSz="914400" rtl="0" eaLnBrk="1" latinLnBrk="0" hangingPunct="1">
+              <a:defRPr kumimoji="1" sz="1800" kern="1200">
+                <a:solidFill>
+                  <a:schemeClr val="tx1"/>
+                </a:solidFill>
+                <a:latin typeface="+mn-lt"/>
+                <a:ea typeface="+mn-ea"/>
+                <a:cs typeface="+mn-cs"/>
+              </a:defRPr>
+            </a:lvl5pPr>
+            <a:lvl6pPr marL="2286000" algn="l" defTabSz="914400" rtl="0" eaLnBrk="1" latinLnBrk="0" hangingPunct="1">
+              <a:defRPr kumimoji="1" sz="1800" kern="1200">
+                <a:solidFill>
+                  <a:schemeClr val="tx1"/>
+                </a:solidFill>
+                <a:latin typeface="+mn-lt"/>
+                <a:ea typeface="+mn-ea"/>
+                <a:cs typeface="+mn-cs"/>
+              </a:defRPr>
+            </a:lvl6pPr>
+            <a:lvl7pPr marL="2743200" algn="l" defTabSz="914400" rtl="0" eaLnBrk="1" latinLnBrk="0" hangingPunct="1">
+              <a:defRPr kumimoji="1" sz="1800" kern="1200">
+                <a:solidFill>
+                  <a:schemeClr val="tx1"/>
+                </a:solidFill>
+                <a:latin typeface="+mn-lt"/>
+                <a:ea typeface="+mn-ea"/>
+                <a:cs typeface="+mn-cs"/>
+              </a:defRPr>
+            </a:lvl7pPr>
+            <a:lvl8pPr marL="3200400" algn="l" defTabSz="914400" rtl="0" eaLnBrk="1" latinLnBrk="0" hangingPunct="1">
+              <a:defRPr kumimoji="1" sz="1800" kern="1200">
+                <a:solidFill>
+                  <a:schemeClr val="tx1"/>
+                </a:solidFill>
+                <a:latin typeface="+mn-lt"/>
+                <a:ea typeface="+mn-ea"/>
+                <a:cs typeface="+mn-cs"/>
+              </a:defRPr>
+            </a:lvl8pPr>
+            <a:lvl9pPr marL="3657600" algn="l" defTabSz="914400" rtl="0" eaLnBrk="1" latinLnBrk="0" hangingPunct="1">
+              <a:defRPr kumimoji="1" sz="1800" kern="1200">
+                <a:solidFill>
+                  <a:schemeClr val="tx1"/>
+                </a:solidFill>
+                <a:latin typeface="+mn-lt"/>
+                <a:ea typeface="+mn-ea"/>
+                <a:cs typeface="+mn-cs"/>
+              </a:defRPr>
+            </a:lvl9pPr>
+          </a:lstStyle>
+          <a:p>
+            <a:r>
+              <a:rPr kumimoji="1" lang="en-US" altLang="ja-JP" sz="2400" b="1" dirty="0">
+                <a:solidFill>
+                  <a:schemeClr val="accent6">
+                    <a:lumMod val="60000"/>
+                    <a:lumOff val="40000"/>
+                  </a:schemeClr>
+                </a:solidFill>
+                <a:latin typeface="+mn-ea"/>
+              </a:rPr>
+              <a:t>100+200+100</a:t>
+            </a:r>
+            <a:endParaRPr kumimoji="1" lang="ja-JP" altLang="en-US" sz="2400" b="1" dirty="0">
+              <a:solidFill>
+                <a:schemeClr val="accent6">
+                  <a:lumMod val="60000"/>
+                  <a:lumOff val="40000"/>
+                </a:schemeClr>
+              </a:solidFill>
+              <a:latin typeface="+mn-ea"/>
+            </a:endParaRPr>
+          </a:p>
+        </p:txBody>
+      </p:sp>
+      <p:sp>
+        <p:nvSpPr>
+          <p:cNvPr id="122" name="テキスト ボックス 68">
+            <a:extLst>
+              <a:ext uri="{FF2B5EF4-FFF2-40B4-BE49-F238E27FC236}">
+                <a16:creationId xmlns:a16="http://schemas.microsoft.com/office/drawing/2014/main" id="{4349F9CF-55B2-47C2-B555-D6938BF7C176}"/>
+              </a:ext>
+            </a:extLst>
+          </p:cNvPr>
+          <p:cNvSpPr txBox="1"/>
+          <p:nvPr/>
+        </p:nvSpPr>
+        <p:spPr>
+          <a:xfrm>
+            <a:off x="3334596" y="1183985"/>
+            <a:ext cx="2053767" cy="461665"/>
+          </a:xfrm>
+          <a:prstGeom prst="rect">
+            <a:avLst/>
+          </a:prstGeom>
+          <a:noFill/>
+        </p:spPr>
+        <p:txBody>
+          <a:bodyPr wrap="none" rtlCol="0">
+            <a:spAutoFit/>
+          </a:bodyPr>
+          <a:lstStyle>
+            <a:defPPr>
+              <a:defRPr lang="ja-JP"/>
+            </a:defPPr>
+            <a:lvl1pPr marL="0" algn="l" defTabSz="914400" rtl="0" eaLnBrk="1" latinLnBrk="0" hangingPunct="1">
+              <a:defRPr kumimoji="1" sz="1800" kern="1200">
+                <a:solidFill>
+                  <a:schemeClr val="tx1"/>
+                </a:solidFill>
+                <a:latin typeface="+mn-lt"/>
+                <a:ea typeface="+mn-ea"/>
+                <a:cs typeface="+mn-cs"/>
+              </a:defRPr>
+            </a:lvl1pPr>
+            <a:lvl2pPr marL="457200" algn="l" defTabSz="914400" rtl="0" eaLnBrk="1" latinLnBrk="0" hangingPunct="1">
+              <a:defRPr kumimoji="1" sz="1800" kern="1200">
+                <a:solidFill>
+                  <a:schemeClr val="tx1"/>
+                </a:solidFill>
+                <a:latin typeface="+mn-lt"/>
+                <a:ea typeface="+mn-ea"/>
+                <a:cs typeface="+mn-cs"/>
+              </a:defRPr>
+            </a:lvl2pPr>
+            <a:lvl3pPr marL="914400" algn="l" defTabSz="914400" rtl="0" eaLnBrk="1" latinLnBrk="0" hangingPunct="1">
+              <a:defRPr kumimoji="1" sz="1800" kern="1200">
+                <a:solidFill>
+                  <a:schemeClr val="tx1"/>
+                </a:solidFill>
+                <a:latin typeface="+mn-lt"/>
+                <a:ea typeface="+mn-ea"/>
+                <a:cs typeface="+mn-cs"/>
+              </a:defRPr>
+            </a:lvl3pPr>
+            <a:lvl4pPr marL="1371600" algn="l" defTabSz="914400" rtl="0" eaLnBrk="1" latinLnBrk="0" hangingPunct="1">
+              <a:defRPr kumimoji="1" sz="1800" kern="1200">
+                <a:solidFill>
+                  <a:schemeClr val="tx1"/>
+                </a:solidFill>
+                <a:latin typeface="+mn-lt"/>
+                <a:ea typeface="+mn-ea"/>
+                <a:cs typeface="+mn-cs"/>
+              </a:defRPr>
+            </a:lvl4pPr>
+            <a:lvl5pPr marL="1828800" algn="l" defTabSz="914400" rtl="0" eaLnBrk="1" latinLnBrk="0" hangingPunct="1">
+              <a:defRPr kumimoji="1" sz="1800" kern="1200">
+                <a:solidFill>
+                  <a:schemeClr val="tx1"/>
+                </a:solidFill>
+                <a:latin typeface="+mn-lt"/>
+                <a:ea typeface="+mn-ea"/>
+                <a:cs typeface="+mn-cs"/>
+              </a:defRPr>
+            </a:lvl5pPr>
+            <a:lvl6pPr marL="2286000" algn="l" defTabSz="914400" rtl="0" eaLnBrk="1" latinLnBrk="0" hangingPunct="1">
+              <a:defRPr kumimoji="1" sz="1800" kern="1200">
+                <a:solidFill>
+                  <a:schemeClr val="tx1"/>
+                </a:solidFill>
+                <a:latin typeface="+mn-lt"/>
+                <a:ea typeface="+mn-ea"/>
+                <a:cs typeface="+mn-cs"/>
+              </a:defRPr>
+            </a:lvl6pPr>
+            <a:lvl7pPr marL="2743200" algn="l" defTabSz="914400" rtl="0" eaLnBrk="1" latinLnBrk="0" hangingPunct="1">
+              <a:defRPr kumimoji="1" sz="1800" kern="1200">
+                <a:solidFill>
+                  <a:schemeClr val="tx1"/>
+                </a:solidFill>
+                <a:latin typeface="+mn-lt"/>
+                <a:ea typeface="+mn-ea"/>
+                <a:cs typeface="+mn-cs"/>
+              </a:defRPr>
+            </a:lvl7pPr>
+            <a:lvl8pPr marL="3200400" algn="l" defTabSz="914400" rtl="0" eaLnBrk="1" latinLnBrk="0" hangingPunct="1">
+              <a:defRPr kumimoji="1" sz="1800" kern="1200">
+                <a:solidFill>
+                  <a:schemeClr val="tx1"/>
+                </a:solidFill>
+                <a:latin typeface="+mn-lt"/>
+                <a:ea typeface="+mn-ea"/>
+                <a:cs typeface="+mn-cs"/>
+              </a:defRPr>
+            </a:lvl8pPr>
+            <a:lvl9pPr marL="3657600" algn="l" defTabSz="914400" rtl="0" eaLnBrk="1" latinLnBrk="0" hangingPunct="1">
+              <a:defRPr kumimoji="1" sz="1800" kern="1200">
+                <a:solidFill>
+                  <a:schemeClr val="tx1"/>
+                </a:solidFill>
+                <a:latin typeface="+mn-lt"/>
+                <a:ea typeface="+mn-ea"/>
+                <a:cs typeface="+mn-cs"/>
+              </a:defRPr>
+            </a:lvl9pPr>
+          </a:lstStyle>
+          <a:p>
+            <a:r>
+              <a:rPr lang="en-US" altLang="ja-JP" sz="2400" b="1" dirty="0">
+                <a:solidFill>
+                  <a:schemeClr val="accent6">
+                    <a:lumMod val="60000"/>
+                    <a:lumOff val="40000"/>
+                  </a:schemeClr>
+                </a:solidFill>
+                <a:latin typeface="+mn-ea"/>
+              </a:rPr>
+              <a:t>5</a:t>
+            </a:r>
+            <a:r>
+              <a:rPr kumimoji="1" lang="en-US" altLang="ja-JP" sz="2400" b="1" dirty="0">
+                <a:solidFill>
+                  <a:schemeClr val="accent6">
+                    <a:lumMod val="60000"/>
+                    <a:lumOff val="40000"/>
+                  </a:schemeClr>
+                </a:solidFill>
+                <a:latin typeface="+mn-ea"/>
+              </a:rPr>
+              <a:t>0+150+100</a:t>
+            </a:r>
+            <a:endParaRPr kumimoji="1" lang="ja-JP" altLang="en-US" sz="2400" b="1" dirty="0">
+              <a:solidFill>
+                <a:schemeClr val="accent6">
+                  <a:lumMod val="60000"/>
+                  <a:lumOff val="40000"/>
+                </a:schemeClr>
+              </a:solidFill>
+              <a:latin typeface="+mn-ea"/>
+            </a:endParaRPr>
+          </a:p>
+        </p:txBody>
+      </p:sp>
+      <p:cxnSp>
+        <p:nvCxnSpPr>
+          <p:cNvPr id="123" name="直線コネクタ 122">
+            <a:extLst>
+              <a:ext uri="{FF2B5EF4-FFF2-40B4-BE49-F238E27FC236}">
+                <a16:creationId xmlns:a16="http://schemas.microsoft.com/office/drawing/2014/main" id="{9CFAA01A-0165-4D37-A587-7746C931DB07}"/>
+              </a:ext>
+            </a:extLst>
+          </p:cNvPr>
+          <p:cNvCxnSpPr>
+            <a:cxnSpLocks/>
+          </p:cNvCxnSpPr>
+          <p:nvPr/>
+        </p:nvCxnSpPr>
+        <p:spPr>
+          <a:xfrm flipV="1">
+            <a:off x="7244450" y="1460638"/>
+            <a:ext cx="1799078" cy="40473"/>
+          </a:xfrm>
+          <a:prstGeom prst="line">
+            <a:avLst/>
+          </a:prstGeom>
+          <a:ln w="57150">
+            <a:solidFill>
+              <a:schemeClr val="bg2">
+                <a:lumMod val="50000"/>
+              </a:schemeClr>
+            </a:solidFill>
+            <a:prstDash val="sysDash"/>
+          </a:ln>
+        </p:spPr>
+        <p:style>
+          <a:lnRef idx="1">
+            <a:schemeClr val="accent1"/>
+          </a:lnRef>
+          <a:fillRef idx="0">
+            <a:schemeClr val="accent1"/>
+          </a:fillRef>
+          <a:effectRef idx="0">
+            <a:schemeClr val="accent1"/>
+          </a:effectRef>
+          <a:fontRef idx="minor">
+            <a:schemeClr val="tx1"/>
+          </a:fontRef>
+        </p:style>
+      </p:cxnSp>
+      <p:sp>
+        <p:nvSpPr>
+          <p:cNvPr id="124" name="テキスト ボックス 68">
+            <a:extLst>
+              <a:ext uri="{FF2B5EF4-FFF2-40B4-BE49-F238E27FC236}">
+                <a16:creationId xmlns:a16="http://schemas.microsoft.com/office/drawing/2014/main" id="{FB4F0F2A-4531-4441-A5E0-DEF735698E9E}"/>
+              </a:ext>
+            </a:extLst>
+          </p:cNvPr>
+          <p:cNvSpPr txBox="1"/>
+          <p:nvPr/>
+        </p:nvSpPr>
+        <p:spPr>
+          <a:xfrm>
+            <a:off x="7370085" y="1690130"/>
+            <a:ext cx="1471878" cy="461665"/>
+          </a:xfrm>
+          <a:prstGeom prst="rect">
+            <a:avLst/>
+          </a:prstGeom>
+          <a:noFill/>
+        </p:spPr>
+        <p:txBody>
+          <a:bodyPr wrap="none" rtlCol="0">
+            <a:spAutoFit/>
+          </a:bodyPr>
+          <a:lstStyle>
+            <a:defPPr>
+              <a:defRPr lang="ja-JP"/>
+            </a:defPPr>
+            <a:lvl1pPr marL="0" algn="l" defTabSz="914400" rtl="0" eaLnBrk="1" latinLnBrk="0" hangingPunct="1">
+              <a:defRPr kumimoji="1" sz="1800" kern="1200">
+                <a:solidFill>
+                  <a:schemeClr val="tx1"/>
+                </a:solidFill>
+                <a:latin typeface="+mn-lt"/>
+                <a:ea typeface="+mn-ea"/>
+                <a:cs typeface="+mn-cs"/>
+              </a:defRPr>
+            </a:lvl1pPr>
+            <a:lvl2pPr marL="457200" algn="l" defTabSz="914400" rtl="0" eaLnBrk="1" latinLnBrk="0" hangingPunct="1">
+              <a:defRPr kumimoji="1" sz="1800" kern="1200">
+                <a:solidFill>
+                  <a:schemeClr val="tx1"/>
+                </a:solidFill>
+                <a:latin typeface="+mn-lt"/>
+                <a:ea typeface="+mn-ea"/>
+                <a:cs typeface="+mn-cs"/>
+              </a:defRPr>
+            </a:lvl2pPr>
+            <a:lvl3pPr marL="914400" algn="l" defTabSz="914400" rtl="0" eaLnBrk="1" latinLnBrk="0" hangingPunct="1">
+              <a:defRPr kumimoji="1" sz="1800" kern="1200">
+                <a:solidFill>
+                  <a:schemeClr val="tx1"/>
+                </a:solidFill>
+                <a:latin typeface="+mn-lt"/>
+                <a:ea typeface="+mn-ea"/>
+                <a:cs typeface="+mn-cs"/>
+              </a:defRPr>
+            </a:lvl3pPr>
+            <a:lvl4pPr marL="1371600" algn="l" defTabSz="914400" rtl="0" eaLnBrk="1" latinLnBrk="0" hangingPunct="1">
+              <a:defRPr kumimoji="1" sz="1800" kern="1200">
+                <a:solidFill>
+                  <a:schemeClr val="tx1"/>
+                </a:solidFill>
+                <a:latin typeface="+mn-lt"/>
+                <a:ea typeface="+mn-ea"/>
+                <a:cs typeface="+mn-cs"/>
+              </a:defRPr>
+            </a:lvl4pPr>
+            <a:lvl5pPr marL="1828800" algn="l" defTabSz="914400" rtl="0" eaLnBrk="1" latinLnBrk="0" hangingPunct="1">
+              <a:defRPr kumimoji="1" sz="1800" kern="1200">
+                <a:solidFill>
+                  <a:schemeClr val="tx1"/>
+                </a:solidFill>
+                <a:latin typeface="+mn-lt"/>
+                <a:ea typeface="+mn-ea"/>
+                <a:cs typeface="+mn-cs"/>
+              </a:defRPr>
+            </a:lvl5pPr>
+            <a:lvl6pPr marL="2286000" algn="l" defTabSz="914400" rtl="0" eaLnBrk="1" latinLnBrk="0" hangingPunct="1">
+              <a:defRPr kumimoji="1" sz="1800" kern="1200">
+                <a:solidFill>
+                  <a:schemeClr val="tx1"/>
+                </a:solidFill>
+                <a:latin typeface="+mn-lt"/>
+                <a:ea typeface="+mn-ea"/>
+                <a:cs typeface="+mn-cs"/>
+              </a:defRPr>
+            </a:lvl6pPr>
+            <a:lvl7pPr marL="2743200" algn="l" defTabSz="914400" rtl="0" eaLnBrk="1" latinLnBrk="0" hangingPunct="1">
+              <a:defRPr kumimoji="1" sz="1800" kern="1200">
+                <a:solidFill>
+                  <a:schemeClr val="tx1"/>
+                </a:solidFill>
+                <a:latin typeface="+mn-lt"/>
+                <a:ea typeface="+mn-ea"/>
+                <a:cs typeface="+mn-cs"/>
+              </a:defRPr>
+            </a:lvl7pPr>
+            <a:lvl8pPr marL="3200400" algn="l" defTabSz="914400" rtl="0" eaLnBrk="1" latinLnBrk="0" hangingPunct="1">
+              <a:defRPr kumimoji="1" sz="1800" kern="1200">
+                <a:solidFill>
+                  <a:schemeClr val="tx1"/>
+                </a:solidFill>
+                <a:latin typeface="+mn-lt"/>
+                <a:ea typeface="+mn-ea"/>
+                <a:cs typeface="+mn-cs"/>
+              </a:defRPr>
+            </a:lvl8pPr>
+            <a:lvl9pPr marL="3657600" algn="l" defTabSz="914400" rtl="0" eaLnBrk="1" latinLnBrk="0" hangingPunct="1">
+              <a:defRPr kumimoji="1" sz="1800" kern="1200">
+                <a:solidFill>
+                  <a:schemeClr val="tx1"/>
+                </a:solidFill>
+                <a:latin typeface="+mn-lt"/>
+                <a:ea typeface="+mn-ea"/>
+                <a:cs typeface="+mn-cs"/>
+              </a:defRPr>
+            </a:lvl9pPr>
+          </a:lstStyle>
+          <a:p>
+            <a:r>
+              <a:rPr kumimoji="1" lang="en-US" altLang="ja-JP" sz="2400" b="1" dirty="0">
+                <a:solidFill>
+                  <a:schemeClr val="accent6">
+                    <a:lumMod val="60000"/>
+                    <a:lumOff val="40000"/>
+                  </a:schemeClr>
+                </a:solidFill>
+                <a:latin typeface="+mn-ea"/>
+              </a:rPr>
+              <a:t>100+200</a:t>
+            </a:r>
+            <a:endParaRPr kumimoji="1" lang="ja-JP" altLang="en-US" sz="2400" b="1" dirty="0">
+              <a:solidFill>
+                <a:schemeClr val="accent6">
+                  <a:lumMod val="60000"/>
+                  <a:lumOff val="40000"/>
+                </a:schemeClr>
+              </a:solidFill>
+              <a:latin typeface="+mn-ea"/>
+            </a:endParaRPr>
+          </a:p>
+        </p:txBody>
+      </p:sp>
+      <p:sp>
+        <p:nvSpPr>
+          <p:cNvPr id="125" name="楕円 124">
+            <a:extLst>
+              <a:ext uri="{FF2B5EF4-FFF2-40B4-BE49-F238E27FC236}">
+                <a16:creationId xmlns:a16="http://schemas.microsoft.com/office/drawing/2014/main" id="{493F1A8D-80BC-4B0A-8211-73CE69510878}"/>
+              </a:ext>
+            </a:extLst>
+          </p:cNvPr>
+          <p:cNvSpPr/>
+          <p:nvPr/>
+        </p:nvSpPr>
+        <p:spPr>
+          <a:xfrm>
+            <a:off x="6779656" y="4709143"/>
+            <a:ext cx="1681500" cy="424552"/>
+          </a:xfrm>
+          <a:prstGeom prst="ellipse">
+            <a:avLst/>
+          </a:prstGeom>
+          <a:noFill/>
+          <a:ln w="28575">
+            <a:solidFill>
+              <a:schemeClr val="accent4">
+                <a:lumMod val="60000"/>
+                <a:lumOff val="40000"/>
+              </a:schemeClr>
+            </a:solidFill>
+            <a:prstDash val="dash"/>
+          </a:ln>
+        </p:spPr>
+        <p:style>
+          <a:lnRef idx="2">
+            <a:schemeClr val="accent1">
+              <a:shade val="50000"/>
+            </a:schemeClr>
+          </a:lnRef>
+          <a:fillRef idx="1">
+            <a:schemeClr val="accent1"/>
+          </a:fillRef>
+          <a:effectRef idx="0">
+            <a:schemeClr val="accent1"/>
+          </a:effectRef>
+          <a:fontRef idx="minor">
+            <a:schemeClr val="lt1"/>
+          </a:fontRef>
+        </p:style>
+        <p:txBody>
+          <a:bodyPr rtlCol="0" anchor="ctr"/>
+          <a:lstStyle/>
+          <a:p>
+            <a:pPr algn="ctr"/>
+            <a:endParaRPr kumimoji="1" lang="ja-JP" altLang="en-US"/>
+          </a:p>
+        </p:txBody>
+      </p:sp>
+      <p:sp>
+        <p:nvSpPr>
+          <p:cNvPr id="126" name="楕円 125">
+            <a:extLst>
+              <a:ext uri="{FF2B5EF4-FFF2-40B4-BE49-F238E27FC236}">
+                <a16:creationId xmlns:a16="http://schemas.microsoft.com/office/drawing/2014/main" id="{55C91BB9-1425-4B54-952C-F6F9D9E2DB0C}"/>
+              </a:ext>
+            </a:extLst>
+          </p:cNvPr>
+          <p:cNvSpPr/>
+          <p:nvPr/>
+        </p:nvSpPr>
+        <p:spPr>
+          <a:xfrm>
+            <a:off x="5087268" y="4667167"/>
+            <a:ext cx="866309" cy="413844"/>
+          </a:xfrm>
+          <a:prstGeom prst="ellipse">
+            <a:avLst/>
+          </a:prstGeom>
+          <a:noFill/>
+          <a:ln w="28575">
+            <a:solidFill>
+              <a:schemeClr val="accent4">
+                <a:lumMod val="60000"/>
+                <a:lumOff val="40000"/>
+              </a:schemeClr>
+            </a:solidFill>
+            <a:prstDash val="dash"/>
+          </a:ln>
+        </p:spPr>
+        <p:style>
+          <a:lnRef idx="2">
+            <a:schemeClr val="accent1">
+              <a:shade val="50000"/>
+            </a:schemeClr>
+          </a:lnRef>
+          <a:fillRef idx="1">
+            <a:schemeClr val="accent1"/>
+          </a:fillRef>
+          <a:effectRef idx="0">
+            <a:schemeClr val="accent1"/>
+          </a:effectRef>
+          <a:fontRef idx="minor">
+            <a:schemeClr val="lt1"/>
+          </a:fontRef>
+        </p:style>
+        <p:txBody>
+          <a:bodyPr rtlCol="0" anchor="ctr"/>
+          <a:lstStyle/>
+          <a:p>
+            <a:pPr algn="ctr"/>
+            <a:endParaRPr kumimoji="1" lang="ja-JP" altLang="en-US"/>
+          </a:p>
+        </p:txBody>
+      </p:sp>
+      <p:sp>
+        <p:nvSpPr>
+          <p:cNvPr id="127" name="楕円 126">
+            <a:extLst>
+              <a:ext uri="{FF2B5EF4-FFF2-40B4-BE49-F238E27FC236}">
+                <a16:creationId xmlns:a16="http://schemas.microsoft.com/office/drawing/2014/main" id="{4B4C8997-6426-4A6E-8910-2B2CC43FE1D1}"/>
+              </a:ext>
+            </a:extLst>
+          </p:cNvPr>
+          <p:cNvSpPr/>
+          <p:nvPr/>
+        </p:nvSpPr>
+        <p:spPr>
+          <a:xfrm>
+            <a:off x="3791620" y="4529443"/>
+            <a:ext cx="866309" cy="413844"/>
+          </a:xfrm>
+          <a:prstGeom prst="ellipse">
+            <a:avLst/>
+          </a:prstGeom>
+          <a:noFill/>
+          <a:ln w="28575">
+            <a:solidFill>
+              <a:schemeClr val="accent4">
+                <a:lumMod val="60000"/>
+                <a:lumOff val="40000"/>
+              </a:schemeClr>
+            </a:solidFill>
+            <a:prstDash val="dash"/>
+          </a:ln>
+        </p:spPr>
+        <p:style>
+          <a:lnRef idx="2">
+            <a:schemeClr val="accent1">
+              <a:shade val="50000"/>
+            </a:schemeClr>
+          </a:lnRef>
+          <a:fillRef idx="1">
+            <a:schemeClr val="accent1"/>
+          </a:fillRef>
+          <a:effectRef idx="0">
+            <a:schemeClr val="accent1"/>
+          </a:effectRef>
+          <a:fontRef idx="minor">
+            <a:schemeClr val="lt1"/>
+          </a:fontRef>
+        </p:style>
+        <p:txBody>
+          <a:bodyPr rtlCol="0" anchor="ctr"/>
+          <a:lstStyle/>
+          <a:p>
+            <a:pPr algn="ctr"/>
+            <a:endParaRPr kumimoji="1" lang="ja-JP" altLang="en-US"/>
+          </a:p>
+        </p:txBody>
+      </p:sp>
+      <p:sp>
+        <p:nvSpPr>
+          <p:cNvPr id="128" name="楕円 127">
+            <a:extLst>
+              <a:ext uri="{FF2B5EF4-FFF2-40B4-BE49-F238E27FC236}">
+                <a16:creationId xmlns:a16="http://schemas.microsoft.com/office/drawing/2014/main" id="{55A693A1-8F10-43E1-BA11-E7353CAE2FA8}"/>
+              </a:ext>
+            </a:extLst>
+          </p:cNvPr>
+          <p:cNvSpPr/>
+          <p:nvPr/>
+        </p:nvSpPr>
+        <p:spPr>
+          <a:xfrm>
+            <a:off x="1803632" y="4305797"/>
+            <a:ext cx="866309" cy="413844"/>
+          </a:xfrm>
+          <a:prstGeom prst="ellipse">
+            <a:avLst/>
+          </a:prstGeom>
+          <a:noFill/>
+          <a:ln w="28575">
+            <a:solidFill>
+              <a:schemeClr val="accent4">
+                <a:lumMod val="60000"/>
+                <a:lumOff val="40000"/>
+              </a:schemeClr>
+            </a:solidFill>
+            <a:prstDash val="dash"/>
+          </a:ln>
+        </p:spPr>
+        <p:style>
+          <a:lnRef idx="2">
+            <a:schemeClr val="accent1">
+              <a:shade val="50000"/>
+            </a:schemeClr>
+          </a:lnRef>
+          <a:fillRef idx="1">
+            <a:schemeClr val="accent1"/>
+          </a:fillRef>
+          <a:effectRef idx="0">
+            <a:schemeClr val="accent1"/>
+          </a:effectRef>
+          <a:fontRef idx="minor">
+            <a:schemeClr val="lt1"/>
+          </a:fontRef>
+        </p:style>
+        <p:txBody>
+          <a:bodyPr rtlCol="0" anchor="ctr"/>
+          <a:lstStyle/>
+          <a:p>
+            <a:pPr algn="ctr"/>
+            <a:endParaRPr kumimoji="1" lang="ja-JP" altLang="en-US"/>
+          </a:p>
+        </p:txBody>
+      </p:sp>
+      <p:sp>
+        <p:nvSpPr>
+          <p:cNvPr id="129" name="楕円 128">
+            <a:extLst>
+              <a:ext uri="{FF2B5EF4-FFF2-40B4-BE49-F238E27FC236}">
+                <a16:creationId xmlns:a16="http://schemas.microsoft.com/office/drawing/2014/main" id="{F83FB2A0-CA47-4C68-8242-34AC61A07599}"/>
+              </a:ext>
+            </a:extLst>
+          </p:cNvPr>
+          <p:cNvSpPr/>
+          <p:nvPr/>
+        </p:nvSpPr>
+        <p:spPr>
+          <a:xfrm>
+            <a:off x="3057424" y="3033406"/>
+            <a:ext cx="477250" cy="980747"/>
+          </a:xfrm>
+          <a:prstGeom prst="ellipse">
+            <a:avLst/>
+          </a:prstGeom>
+          <a:noFill/>
+          <a:ln w="28575">
+            <a:solidFill>
+              <a:schemeClr val="accent4">
+                <a:lumMod val="60000"/>
+                <a:lumOff val="40000"/>
+              </a:schemeClr>
+            </a:solidFill>
+            <a:prstDash val="dash"/>
+          </a:ln>
+        </p:spPr>
+        <p:style>
+          <a:lnRef idx="2">
+            <a:schemeClr val="accent1">
+              <a:shade val="50000"/>
+            </a:schemeClr>
+          </a:lnRef>
+          <a:fillRef idx="1">
+            <a:schemeClr val="accent1"/>
+          </a:fillRef>
+          <a:effectRef idx="0">
+            <a:schemeClr val="accent1"/>
+          </a:effectRef>
+          <a:fontRef idx="minor">
+            <a:schemeClr val="lt1"/>
+          </a:fontRef>
+        </p:style>
+        <p:txBody>
+          <a:bodyPr rtlCol="0" anchor="ctr"/>
+          <a:lstStyle/>
+          <a:p>
+            <a:pPr algn="ctr"/>
+            <a:endParaRPr kumimoji="1" lang="ja-JP" altLang="en-US"/>
+          </a:p>
+        </p:txBody>
+      </p:sp>
+    </p:spTree>
+    <p:extLst>
+      <p:ext uri="{BB962C8B-B14F-4D97-AF65-F5344CB8AC3E}">
+        <p14:creationId xmlns:p14="http://schemas.microsoft.com/office/powerpoint/2010/main" val="2806207867"/>
+      </p:ext>
+    </p:extLst>
+  </p:cSld>
+  <p:clrMapOvr>
+    <a:masterClrMapping/>
+  </p:clrMapOvr>
+</p:sld>
+</file>
+
 <file path=ppt/theme/theme1.xml><?xml version="1.0" encoding="utf-8"?>
 <a:theme xmlns:a="http://schemas.openxmlformats.org/drawingml/2006/main" name="Office テーマ">
   <a:themeElements>

--- a/algorithm/electricity/03_denki-koujishi/01_kakomon/R1_1/02_jitsugi/q07/a07.pptx
+++ b/algorithm/electricity/03_denki-koujishi/01_kakomon/R1_1/02_jitsugi/q07/a07.pptx
@@ -265,7 +265,7 @@
           <a:p>
             <a:fld id="{EA6D781E-2D27-4EF7-AFED-D0940E0D7738}" type="datetimeFigureOut">
               <a:rPr kumimoji="1" lang="ja-JP" altLang="en-US" smtClean="0"/>
-              <a:t>2020/11/23</a:t>
+              <a:t>2020/11/29</a:t>
             </a:fld>
             <a:endParaRPr kumimoji="1" lang="ja-JP" altLang="en-US"/>
           </a:p>
@@ -495,7 +495,7 @@
           <a:p>
             <a:fld id="{EA6D781E-2D27-4EF7-AFED-D0940E0D7738}" type="datetimeFigureOut">
               <a:rPr kumimoji="1" lang="ja-JP" altLang="en-US" smtClean="0"/>
-              <a:t>2020/11/23</a:t>
+              <a:t>2020/11/29</a:t>
             </a:fld>
             <a:endParaRPr kumimoji="1" lang="ja-JP" altLang="en-US"/>
           </a:p>
@@ -735,7 +735,7 @@
           <a:p>
             <a:fld id="{EA6D781E-2D27-4EF7-AFED-D0940E0D7738}" type="datetimeFigureOut">
               <a:rPr kumimoji="1" lang="ja-JP" altLang="en-US" smtClean="0"/>
-              <a:t>2020/11/23</a:t>
+              <a:t>2020/11/29</a:t>
             </a:fld>
             <a:endParaRPr kumimoji="1" lang="ja-JP" altLang="en-US"/>
           </a:p>
@@ -965,7 +965,7 @@
           <a:p>
             <a:fld id="{EA6D781E-2D27-4EF7-AFED-D0940E0D7738}" type="datetimeFigureOut">
               <a:rPr kumimoji="1" lang="ja-JP" altLang="en-US" smtClean="0"/>
-              <a:t>2020/11/23</a:t>
+              <a:t>2020/11/29</a:t>
             </a:fld>
             <a:endParaRPr kumimoji="1" lang="ja-JP" altLang="en-US"/>
           </a:p>
@@ -1240,7 +1240,7 @@
           <a:p>
             <a:fld id="{EA6D781E-2D27-4EF7-AFED-D0940E0D7738}" type="datetimeFigureOut">
               <a:rPr kumimoji="1" lang="ja-JP" altLang="en-US" smtClean="0"/>
-              <a:t>2020/11/23</a:t>
+              <a:t>2020/11/29</a:t>
             </a:fld>
             <a:endParaRPr kumimoji="1" lang="ja-JP" altLang="en-US"/>
           </a:p>
@@ -1569,7 +1569,7 @@
           <a:p>
             <a:fld id="{EA6D781E-2D27-4EF7-AFED-D0940E0D7738}" type="datetimeFigureOut">
               <a:rPr kumimoji="1" lang="ja-JP" altLang="en-US" smtClean="0"/>
-              <a:t>2020/11/23</a:t>
+              <a:t>2020/11/29</a:t>
             </a:fld>
             <a:endParaRPr kumimoji="1" lang="ja-JP" altLang="en-US"/>
           </a:p>
@@ -2045,7 +2045,7 @@
           <a:p>
             <a:fld id="{EA6D781E-2D27-4EF7-AFED-D0940E0D7738}" type="datetimeFigureOut">
               <a:rPr kumimoji="1" lang="ja-JP" altLang="en-US" smtClean="0"/>
-              <a:t>2020/11/23</a:t>
+              <a:t>2020/11/29</a:t>
             </a:fld>
             <a:endParaRPr kumimoji="1" lang="ja-JP" altLang="en-US"/>
           </a:p>
@@ -2186,7 +2186,7 @@
           <a:p>
             <a:fld id="{EA6D781E-2D27-4EF7-AFED-D0940E0D7738}" type="datetimeFigureOut">
               <a:rPr kumimoji="1" lang="ja-JP" altLang="en-US" smtClean="0"/>
-              <a:t>2020/11/23</a:t>
+              <a:t>2020/11/29</a:t>
             </a:fld>
             <a:endParaRPr kumimoji="1" lang="ja-JP" altLang="en-US"/>
           </a:p>
@@ -2299,7 +2299,7 @@
           <a:p>
             <a:fld id="{EA6D781E-2D27-4EF7-AFED-D0940E0D7738}" type="datetimeFigureOut">
               <a:rPr kumimoji="1" lang="ja-JP" altLang="en-US" smtClean="0"/>
-              <a:t>2020/11/23</a:t>
+              <a:t>2020/11/29</a:t>
             </a:fld>
             <a:endParaRPr kumimoji="1" lang="ja-JP" altLang="en-US"/>
           </a:p>
@@ -2642,7 +2642,7 @@
           <a:p>
             <a:fld id="{EA6D781E-2D27-4EF7-AFED-D0940E0D7738}" type="datetimeFigureOut">
               <a:rPr kumimoji="1" lang="ja-JP" altLang="en-US" smtClean="0"/>
-              <a:t>2020/11/23</a:t>
+              <a:t>2020/11/29</a:t>
             </a:fld>
             <a:endParaRPr kumimoji="1" lang="ja-JP" altLang="en-US"/>
           </a:p>
@@ -2930,7 +2930,7 @@
           <a:p>
             <a:fld id="{EA6D781E-2D27-4EF7-AFED-D0940E0D7738}" type="datetimeFigureOut">
               <a:rPr kumimoji="1" lang="ja-JP" altLang="en-US" smtClean="0"/>
-              <a:t>2020/11/23</a:t>
+              <a:t>2020/11/29</a:t>
             </a:fld>
             <a:endParaRPr kumimoji="1" lang="ja-JP" altLang="en-US"/>
           </a:p>
@@ -3203,7 +3203,7 @@
           <a:p>
             <a:fld id="{EA6D781E-2D27-4EF7-AFED-D0940E0D7738}" type="datetimeFigureOut">
               <a:rPr kumimoji="1" lang="ja-JP" altLang="en-US" smtClean="0"/>
-              <a:t>2020/11/23</a:t>
+              <a:t>2020/11/29</a:t>
             </a:fld>
             <a:endParaRPr kumimoji="1" lang="ja-JP" altLang="en-US"/>
           </a:p>
@@ -24768,7 +24768,7 @@
                 </a:solidFill>
                 <a:latin typeface="+mn-ea"/>
               </a:rPr>
-              <a:t>100+200+100</a:t>
+              <a:t>100+250+100</a:t>
             </a:r>
             <a:endParaRPr kumimoji="1" lang="ja-JP" altLang="en-US" sz="2400" b="1" dirty="0">
               <a:solidFill>
@@ -25118,7 +25118,7 @@
                 </a:solidFill>
                 <a:latin typeface="+mn-ea"/>
               </a:rPr>
-              <a:t>100+200</a:t>
+              <a:t>100+250</a:t>
             </a:r>
             <a:endParaRPr kumimoji="1" lang="ja-JP" altLang="en-US" sz="2400" b="1" dirty="0">
               <a:solidFill>
